--- a/Windows环境下的ROP.pptx
+++ b/Windows环境下的ROP.pptx
@@ -5,17 +5,21 @@
     <p:sldMasterId id="2147483660" r:id="rId1"/>
   </p:sldMasterIdLst>
   <p:notesMasterIdLst>
-    <p:notesMasterId r:id="rId10"/>
+    <p:notesMasterId r:id="rId14"/>
   </p:notesMasterIdLst>
   <p:sldIdLst>
     <p:sldId id="256" r:id="rId2"/>
     <p:sldId id="279" r:id="rId3"/>
-    <p:sldId id="280" r:id="rId4"/>
-    <p:sldId id="281" r:id="rId5"/>
-    <p:sldId id="282" r:id="rId6"/>
+    <p:sldId id="287" r:id="rId4"/>
+    <p:sldId id="280" r:id="rId5"/>
+    <p:sldId id="281" r:id="rId6"/>
     <p:sldId id="283" r:id="rId7"/>
-    <p:sldId id="284" r:id="rId8"/>
-    <p:sldId id="285" r:id="rId9"/>
+    <p:sldId id="286" r:id="rId8"/>
+    <p:sldId id="284" r:id="rId9"/>
+    <p:sldId id="285" r:id="rId10"/>
+    <p:sldId id="288" r:id="rId11"/>
+    <p:sldId id="289" r:id="rId12"/>
+    <p:sldId id="290" r:id="rId13"/>
   </p:sldIdLst>
   <p:sldSz cx="12192000" cy="6858000"/>
   <p:notesSz cx="6858000" cy="9144000"/>
@@ -204,7 +208,7 @@
           <a:p>
             <a:fld id="{062DD4AF-4231-466A-8336-819983B48EF8}" type="datetimeFigureOut">
               <a:rPr lang="zh-CN" altLang="en-US" smtClean="0"/>
-              <a:t>2018/7/16</a:t>
+              <a:t>2018/7/23</a:t>
             </a:fld>
             <a:endParaRPr lang="zh-CN" altLang="en-US"/>
           </a:p>
@@ -658,7 +662,7 @@
           <a:p>
             <a:fld id="{29C0A333-37D1-4425-9303-312D22B06EFD}" type="datetimeFigureOut">
               <a:rPr lang="zh-CN" altLang="en-US" smtClean="0"/>
-              <a:t>2018/7/16</a:t>
+              <a:t>2018/7/23</a:t>
             </a:fld>
             <a:endParaRPr lang="zh-CN" altLang="en-US"/>
           </a:p>
@@ -933,7 +937,7 @@
           <a:p>
             <a:fld id="{29C0A333-37D1-4425-9303-312D22B06EFD}" type="datetimeFigureOut">
               <a:rPr lang="zh-CN" altLang="en-US" smtClean="0"/>
-              <a:t>2018/7/16</a:t>
+              <a:t>2018/7/23</a:t>
             </a:fld>
             <a:endParaRPr lang="zh-CN" altLang="en-US"/>
           </a:p>
@@ -1127,7 +1131,7 @@
           <a:p>
             <a:fld id="{29C0A333-37D1-4425-9303-312D22B06EFD}" type="datetimeFigureOut">
               <a:rPr lang="zh-CN" altLang="en-US" smtClean="0"/>
-              <a:t>2018/7/16</a:t>
+              <a:t>2018/7/23</a:t>
             </a:fld>
             <a:endParaRPr lang="zh-CN" altLang="en-US"/>
           </a:p>
@@ -1400,7 +1404,7 @@
           <a:p>
             <a:fld id="{29C0A333-37D1-4425-9303-312D22B06EFD}" type="datetimeFigureOut">
               <a:rPr lang="zh-CN" altLang="en-US" smtClean="0"/>
-              <a:t>2018/7/16</a:t>
+              <a:t>2018/7/23</a:t>
             </a:fld>
             <a:endParaRPr lang="zh-CN" altLang="en-US"/>
           </a:p>
@@ -1741,7 +1745,7 @@
           <a:p>
             <a:fld id="{29C0A333-37D1-4425-9303-312D22B06EFD}" type="datetimeFigureOut">
               <a:rPr lang="zh-CN" altLang="en-US" smtClean="0"/>
-              <a:t>2018/7/16</a:t>
+              <a:t>2018/7/23</a:t>
             </a:fld>
             <a:endParaRPr lang="zh-CN" altLang="en-US"/>
           </a:p>
@@ -2364,7 +2368,7 @@
           <a:p>
             <a:fld id="{29C0A333-37D1-4425-9303-312D22B06EFD}" type="datetimeFigureOut">
               <a:rPr lang="zh-CN" altLang="en-US" smtClean="0"/>
-              <a:t>2018/7/16</a:t>
+              <a:t>2018/7/23</a:t>
             </a:fld>
             <a:endParaRPr lang="zh-CN" altLang="en-US"/>
           </a:p>
@@ -3224,7 +3228,7 @@
           <a:p>
             <a:fld id="{29C0A333-37D1-4425-9303-312D22B06EFD}" type="datetimeFigureOut">
               <a:rPr lang="zh-CN" altLang="en-US" smtClean="0"/>
-              <a:t>2018/7/16</a:t>
+              <a:t>2018/7/23</a:t>
             </a:fld>
             <a:endParaRPr lang="zh-CN" altLang="en-US"/>
           </a:p>
@@ -3394,7 +3398,7 @@
           <a:p>
             <a:fld id="{29C0A333-37D1-4425-9303-312D22B06EFD}" type="datetimeFigureOut">
               <a:rPr lang="zh-CN" altLang="en-US" smtClean="0"/>
-              <a:t>2018/7/16</a:t>
+              <a:t>2018/7/23</a:t>
             </a:fld>
             <a:endParaRPr lang="zh-CN" altLang="en-US"/>
           </a:p>
@@ -3574,7 +3578,7 @@
           <a:p>
             <a:fld id="{29C0A333-37D1-4425-9303-312D22B06EFD}" type="datetimeFigureOut">
               <a:rPr lang="zh-CN" altLang="en-US" smtClean="0"/>
-              <a:t>2018/7/16</a:t>
+              <a:t>2018/7/23</a:t>
             </a:fld>
             <a:endParaRPr lang="zh-CN" altLang="en-US"/>
           </a:p>
@@ -3744,7 +3748,7 @@
           <a:p>
             <a:fld id="{29C0A333-37D1-4425-9303-312D22B06EFD}" type="datetimeFigureOut">
               <a:rPr lang="zh-CN" altLang="en-US" smtClean="0"/>
-              <a:t>2018/7/16</a:t>
+              <a:t>2018/7/23</a:t>
             </a:fld>
             <a:endParaRPr lang="zh-CN" altLang="en-US"/>
           </a:p>
@@ -3991,7 +3995,7 @@
           <a:p>
             <a:fld id="{29C0A333-37D1-4425-9303-312D22B06EFD}" type="datetimeFigureOut">
               <a:rPr lang="zh-CN" altLang="en-US" smtClean="0"/>
-              <a:t>2018/7/16</a:t>
+              <a:t>2018/7/23</a:t>
             </a:fld>
             <a:endParaRPr lang="zh-CN" altLang="en-US"/>
           </a:p>
@@ -4283,7 +4287,7 @@
           <a:p>
             <a:fld id="{29C0A333-37D1-4425-9303-312D22B06EFD}" type="datetimeFigureOut">
               <a:rPr lang="zh-CN" altLang="en-US" smtClean="0"/>
-              <a:t>2018/7/16</a:t>
+              <a:t>2018/7/23</a:t>
             </a:fld>
             <a:endParaRPr lang="zh-CN" altLang="en-US"/>
           </a:p>
@@ -4727,7 +4731,7 @@
           <a:p>
             <a:fld id="{29C0A333-37D1-4425-9303-312D22B06EFD}" type="datetimeFigureOut">
               <a:rPr lang="zh-CN" altLang="en-US" smtClean="0"/>
-              <a:t>2018/7/16</a:t>
+              <a:t>2018/7/23</a:t>
             </a:fld>
             <a:endParaRPr lang="zh-CN" altLang="en-US"/>
           </a:p>
@@ -4845,7 +4849,7 @@
           <a:p>
             <a:fld id="{29C0A333-37D1-4425-9303-312D22B06EFD}" type="datetimeFigureOut">
               <a:rPr lang="zh-CN" altLang="en-US" smtClean="0"/>
-              <a:t>2018/7/16</a:t>
+              <a:t>2018/7/23</a:t>
             </a:fld>
             <a:endParaRPr lang="zh-CN" altLang="en-US"/>
           </a:p>
@@ -4940,7 +4944,7 @@
           <a:p>
             <a:fld id="{29C0A333-37D1-4425-9303-312D22B06EFD}" type="datetimeFigureOut">
               <a:rPr lang="zh-CN" altLang="en-US" smtClean="0"/>
-              <a:t>2018/7/16</a:t>
+              <a:t>2018/7/23</a:t>
             </a:fld>
             <a:endParaRPr lang="zh-CN" altLang="en-US"/>
           </a:p>
@@ -5219,7 +5223,7 @@
           <a:p>
             <a:fld id="{29C0A333-37D1-4425-9303-312D22B06EFD}" type="datetimeFigureOut">
               <a:rPr lang="zh-CN" altLang="en-US" smtClean="0"/>
-              <a:t>2018/7/16</a:t>
+              <a:t>2018/7/23</a:t>
             </a:fld>
             <a:endParaRPr lang="zh-CN" altLang="en-US"/>
           </a:p>
@@ -5494,7 +5498,7 @@
           <a:p>
             <a:fld id="{29C0A333-37D1-4425-9303-312D22B06EFD}" type="datetimeFigureOut">
               <a:rPr lang="zh-CN" altLang="en-US" smtClean="0"/>
-              <a:t>2018/7/16</a:t>
+              <a:t>2018/7/23</a:t>
             </a:fld>
             <a:endParaRPr lang="zh-CN" altLang="en-US"/>
           </a:p>
@@ -5923,7 +5927,7 @@
           <a:p>
             <a:fld id="{29C0A333-37D1-4425-9303-312D22B06EFD}" type="datetimeFigureOut">
               <a:rPr lang="zh-CN" altLang="en-US" smtClean="0"/>
-              <a:t>2018/7/16</a:t>
+              <a:t>2018/7/23</a:t>
             </a:fld>
             <a:endParaRPr lang="zh-CN" altLang="en-US"/>
           </a:p>
@@ -6473,11 +6477,7 @@
             </a:r>
             <a:r>
               <a:rPr lang="zh-CN" altLang="en-US" sz="6000" dirty="0" smtClean="0"/>
-              <a:t>环境</a:t>
-            </a:r>
-            <a:r>
-              <a:rPr lang="zh-CN" altLang="en-US" sz="6000" dirty="0" smtClean="0"/>
-              <a:t>下的</a:t>
+              <a:t>环境下的</a:t>
             </a:r>
             <a:r>
               <a:rPr lang="en-US" altLang="zh-CN" sz="6000" dirty="0" smtClean="0"/>
@@ -6562,13 +6562,13 @@
               <a:rPr lang="en-US" altLang="zh-CN" sz="1800" cap="none" dirty="0" smtClean="0">
                 <a:latin typeface="Times New Roman" panose="02020603050405020304" pitchFamily="18" charset="0"/>
               </a:rPr>
-              <a:t>@date: </a:t>
-            </a:r>
-            <a:r>
-              <a:rPr lang="en-US" altLang="zh-CN" sz="1800" cap="none" dirty="0" smtClean="0">
+              <a:t>@date</a:t>
+            </a:r>
+            <a:r>
+              <a:rPr lang="en-US" altLang="zh-CN" sz="1800" cap="none" smtClean="0">
                 <a:latin typeface="Times New Roman" panose="02020603050405020304" pitchFamily="18" charset="0"/>
               </a:rPr>
-              <a:t>2018-07-16</a:t>
+              <a:t>: 2018-07-18</a:t>
             </a:r>
             <a:endParaRPr lang="en-US" altLang="zh-CN" sz="1800" cap="none" dirty="0" smtClean="0">
               <a:latin typeface="Times New Roman" panose="02020603050405020304" pitchFamily="18" charset="0"/>
@@ -6615,6 +6615,1234 @@
     <p:extLst>
       <p:ext uri="{BB962C8B-B14F-4D97-AF65-F5344CB8AC3E}">
         <p14:creationId xmlns:p14="http://schemas.microsoft.com/office/powerpoint/2010/main" val="3903013807"/>
+      </p:ext>
+    </p:extLst>
+  </p:cSld>
+  <p:clrMapOvr>
+    <a:masterClrMapping/>
+  </p:clrMapOvr>
+  <p:timing>
+    <p:tnLst>
+      <p:par>
+        <p:cTn id="1" dur="indefinite" restart="never" nodeType="tmRoot"/>
+      </p:par>
+    </p:tnLst>
+  </p:timing>
+</p:sld>
+</file>
+
+<file path=ppt/slides/slide10.xml><?xml version="1.0" encoding="utf-8"?>
+<p:sld xmlns:a="http://schemas.openxmlformats.org/drawingml/2006/main" xmlns:r="http://schemas.openxmlformats.org/officeDocument/2006/relationships" xmlns:p="http://schemas.openxmlformats.org/presentationml/2006/main">
+  <p:cSld>
+    <p:spTree>
+      <p:nvGrpSpPr>
+        <p:cNvPr id="1" name=""/>
+        <p:cNvGrpSpPr/>
+        <p:nvPr/>
+      </p:nvGrpSpPr>
+      <p:grpSpPr>
+        <a:xfrm>
+          <a:off x="0" y="0"/>
+          <a:ext cx="0" cy="0"/>
+          <a:chOff x="0" y="0"/>
+          <a:chExt cx="0" cy="0"/>
+        </a:xfrm>
+      </p:grpSpPr>
+      <p:sp>
+        <p:nvSpPr>
+          <p:cNvPr id="2" name="标题 1"/>
+          <p:cNvSpPr>
+            <a:spLocks noGrp="1"/>
+          </p:cNvSpPr>
+          <p:nvPr>
+            <p:ph type="title"/>
+          </p:nvPr>
+        </p:nvSpPr>
+        <p:spPr/>
+        <p:txBody>
+          <a:bodyPr/>
+          <a:lstStyle/>
+          <a:p>
+            <a:pPr algn="ctr"/>
+            <a:r>
+              <a:rPr lang="en-US" altLang="zh-CN" smtClean="0"/>
+              <a:t>VirtualProtect</a:t>
+            </a:r>
+            <a:r>
+              <a:rPr lang="zh-CN" altLang="en-US" smtClean="0"/>
+              <a:t>范例</a:t>
+            </a:r>
+            <a:endParaRPr lang="zh-CN" altLang="en-US" dirty="0"/>
+          </a:p>
+        </p:txBody>
+      </p:sp>
+      <p:cxnSp>
+        <p:nvCxnSpPr>
+          <p:cNvPr id="4" name="直接连接符 3"/>
+          <p:cNvCxnSpPr/>
+          <p:nvPr/>
+        </p:nvCxnSpPr>
+        <p:spPr>
+          <a:xfrm flipV="1">
+            <a:off x="981259" y="1277992"/>
+            <a:ext cx="8734425" cy="63390"/>
+          </a:xfrm>
+          <a:prstGeom prst="line">
+            <a:avLst/>
+          </a:prstGeom>
+          <a:ln w="38100">
+            <a:solidFill>
+              <a:schemeClr val="tx1"/>
+            </a:solidFill>
+          </a:ln>
+        </p:spPr>
+        <p:style>
+          <a:lnRef idx="1">
+            <a:schemeClr val="accent1"/>
+          </a:lnRef>
+          <a:fillRef idx="0">
+            <a:schemeClr val="accent1"/>
+          </a:fillRef>
+          <a:effectRef idx="0">
+            <a:schemeClr val="accent1"/>
+          </a:effectRef>
+          <a:fontRef idx="minor">
+            <a:schemeClr val="tx1"/>
+          </a:fontRef>
+        </p:style>
+      </p:cxnSp>
+      <p:pic>
+        <p:nvPicPr>
+          <p:cNvPr id="6" name="图片 5"/>
+          <p:cNvPicPr>
+            <a:picLocks noChangeAspect="1"/>
+          </p:cNvPicPr>
+          <p:nvPr/>
+        </p:nvPicPr>
+        <p:blipFill>
+          <a:blip r:embed="rId2"/>
+          <a:stretch>
+            <a:fillRect/>
+          </a:stretch>
+        </p:blipFill>
+        <p:spPr>
+          <a:xfrm>
+            <a:off x="763027" y="1554456"/>
+            <a:ext cx="5004955" cy="3316432"/>
+          </a:xfrm>
+          <a:prstGeom prst="rect">
+            <a:avLst/>
+          </a:prstGeom>
+        </p:spPr>
+      </p:pic>
+      <p:sp>
+        <p:nvSpPr>
+          <p:cNvPr id="8" name="文本框 7"/>
+          <p:cNvSpPr txBox="1"/>
+          <p:nvPr/>
+        </p:nvSpPr>
+        <p:spPr>
+          <a:xfrm>
+            <a:off x="646111" y="5649460"/>
+            <a:ext cx="7758471" cy="646331"/>
+          </a:xfrm>
+          <a:prstGeom prst="rect">
+            <a:avLst/>
+          </a:prstGeom>
+          <a:noFill/>
+        </p:spPr>
+        <p:txBody>
+          <a:bodyPr wrap="square" rtlCol="0">
+            <a:spAutoFit/>
+          </a:bodyPr>
+          <a:lstStyle/>
+          <a:p>
+            <a:r>
+              <a:rPr lang="en-US" altLang="zh-CN" smtClean="0"/>
+              <a:t>!mona rop –m “kernel32.dll,ntdll.dll,kernelbase.dll”</a:t>
+            </a:r>
+          </a:p>
+          <a:p>
+            <a:r>
+              <a:rPr lang="en-US" altLang="zh-CN" smtClean="0"/>
+              <a:t>Corelan Team</a:t>
+            </a:r>
+            <a:r>
+              <a:rPr lang="zh-CN" altLang="en-US" smtClean="0"/>
+              <a:t>的</a:t>
+            </a:r>
+            <a:r>
+              <a:rPr lang="en-US" altLang="zh-CN" smtClean="0"/>
+              <a:t>mona</a:t>
+            </a:r>
+            <a:r>
+              <a:rPr lang="zh-CN" altLang="en-US" smtClean="0"/>
+              <a:t>会生成</a:t>
+            </a:r>
+            <a:r>
+              <a:rPr lang="en-US" altLang="zh-CN" smtClean="0"/>
+              <a:t>rop_chains.txt</a:t>
+            </a:r>
+            <a:r>
+              <a:rPr lang="zh-CN" altLang="en-US" smtClean="0"/>
+              <a:t>，自动生成左图的</a:t>
+            </a:r>
+            <a:r>
+              <a:rPr lang="en-US" altLang="zh-CN" smtClean="0"/>
+              <a:t>rop chain</a:t>
+            </a:r>
+            <a:r>
+              <a:rPr lang="zh-CN" altLang="en-US" smtClean="0"/>
+              <a:t>。</a:t>
+            </a:r>
+            <a:endParaRPr lang="zh-CN" altLang="en-US"/>
+          </a:p>
+        </p:txBody>
+      </p:sp>
+      <p:pic>
+        <p:nvPicPr>
+          <p:cNvPr id="9" name="图片 8"/>
+          <p:cNvPicPr>
+            <a:picLocks noChangeAspect="1"/>
+          </p:cNvPicPr>
+          <p:nvPr/>
+        </p:nvPicPr>
+        <p:blipFill>
+          <a:blip r:embed="rId3"/>
+          <a:stretch>
+            <a:fillRect/>
+          </a:stretch>
+        </p:blipFill>
+        <p:spPr>
+          <a:xfrm>
+            <a:off x="5980370" y="1554456"/>
+            <a:ext cx="5439484" cy="3754896"/>
+          </a:xfrm>
+          <a:prstGeom prst="rect">
+            <a:avLst/>
+          </a:prstGeom>
+        </p:spPr>
+      </p:pic>
+    </p:spTree>
+    <p:extLst>
+      <p:ext uri="{BB962C8B-B14F-4D97-AF65-F5344CB8AC3E}">
+        <p14:creationId xmlns:p14="http://schemas.microsoft.com/office/powerpoint/2010/main" val="4233016872"/>
+      </p:ext>
+    </p:extLst>
+  </p:cSld>
+  <p:clrMapOvr>
+    <a:masterClrMapping/>
+  </p:clrMapOvr>
+  <p:timing>
+    <p:tnLst>
+      <p:par>
+        <p:cTn id="1" dur="indefinite" restart="never" nodeType="tmRoot"/>
+      </p:par>
+    </p:tnLst>
+  </p:timing>
+</p:sld>
+</file>
+
+<file path=ppt/slides/slide11.xml><?xml version="1.0" encoding="utf-8"?>
+<p:sld xmlns:a="http://schemas.openxmlformats.org/drawingml/2006/main" xmlns:r="http://schemas.openxmlformats.org/officeDocument/2006/relationships" xmlns:p="http://schemas.openxmlformats.org/presentationml/2006/main">
+  <p:cSld>
+    <p:spTree>
+      <p:nvGrpSpPr>
+        <p:cNvPr id="1" name=""/>
+        <p:cNvGrpSpPr/>
+        <p:nvPr/>
+      </p:nvGrpSpPr>
+      <p:grpSpPr>
+        <a:xfrm>
+          <a:off x="0" y="0"/>
+          <a:ext cx="0" cy="0"/>
+          <a:chOff x="0" y="0"/>
+          <a:chExt cx="0" cy="0"/>
+        </a:xfrm>
+      </p:grpSpPr>
+      <p:sp>
+        <p:nvSpPr>
+          <p:cNvPr id="2" name="标题 1"/>
+          <p:cNvSpPr>
+            <a:spLocks noGrp="1"/>
+          </p:cNvSpPr>
+          <p:nvPr>
+            <p:ph type="title"/>
+          </p:nvPr>
+        </p:nvSpPr>
+        <p:spPr/>
+        <p:txBody>
+          <a:bodyPr/>
+          <a:lstStyle/>
+          <a:p>
+            <a:pPr algn="ctr"/>
+            <a:r>
+              <a:rPr lang="en-US" altLang="zh-CN" smtClean="0"/>
+              <a:t>VirtualAlloc</a:t>
+            </a:r>
+            <a:r>
+              <a:rPr lang="zh-CN" altLang="en-US" smtClean="0"/>
+              <a:t>范例</a:t>
+            </a:r>
+            <a:endParaRPr lang="zh-CN" altLang="en-US" dirty="0"/>
+          </a:p>
+        </p:txBody>
+      </p:sp>
+      <p:cxnSp>
+        <p:nvCxnSpPr>
+          <p:cNvPr id="4" name="直接连接符 3"/>
+          <p:cNvCxnSpPr/>
+          <p:nvPr/>
+        </p:nvCxnSpPr>
+        <p:spPr>
+          <a:xfrm flipV="1">
+            <a:off x="981259" y="1277992"/>
+            <a:ext cx="8734425" cy="63390"/>
+          </a:xfrm>
+          <a:prstGeom prst="line">
+            <a:avLst/>
+          </a:prstGeom>
+          <a:ln w="38100">
+            <a:solidFill>
+              <a:schemeClr val="tx1"/>
+            </a:solidFill>
+          </a:ln>
+        </p:spPr>
+        <p:style>
+          <a:lnRef idx="1">
+            <a:schemeClr val="accent1"/>
+          </a:lnRef>
+          <a:fillRef idx="0">
+            <a:schemeClr val="accent1"/>
+          </a:fillRef>
+          <a:effectRef idx="0">
+            <a:schemeClr val="accent1"/>
+          </a:effectRef>
+          <a:fontRef idx="minor">
+            <a:schemeClr val="tx1"/>
+          </a:fontRef>
+        </p:style>
+      </p:cxnSp>
+      <p:pic>
+        <p:nvPicPr>
+          <p:cNvPr id="3" name="图片 2"/>
+          <p:cNvPicPr>
+            <a:picLocks noChangeAspect="1"/>
+          </p:cNvPicPr>
+          <p:nvPr/>
+        </p:nvPicPr>
+        <p:blipFill>
+          <a:blip r:embed="rId2"/>
+          <a:stretch>
+            <a:fillRect/>
+          </a:stretch>
+        </p:blipFill>
+        <p:spPr>
+          <a:xfrm>
+            <a:off x="789670" y="1523405"/>
+            <a:ext cx="5178136" cy="3420341"/>
+          </a:xfrm>
+          <a:prstGeom prst="rect">
+            <a:avLst/>
+          </a:prstGeom>
+        </p:spPr>
+      </p:pic>
+      <p:pic>
+        <p:nvPicPr>
+          <p:cNvPr id="7" name="图片 6"/>
+          <p:cNvPicPr>
+            <a:picLocks noChangeAspect="1"/>
+          </p:cNvPicPr>
+          <p:nvPr/>
+        </p:nvPicPr>
+        <p:blipFill>
+          <a:blip r:embed="rId3"/>
+          <a:stretch>
+            <a:fillRect/>
+          </a:stretch>
+        </p:blipFill>
+        <p:spPr>
+          <a:xfrm>
+            <a:off x="6173104" y="1523405"/>
+            <a:ext cx="4892386" cy="3602182"/>
+          </a:xfrm>
+          <a:prstGeom prst="rect">
+            <a:avLst/>
+          </a:prstGeom>
+        </p:spPr>
+      </p:pic>
+      <p:pic>
+        <p:nvPicPr>
+          <p:cNvPr id="10" name="图片 9"/>
+          <p:cNvPicPr>
+            <a:picLocks noChangeAspect="1"/>
+          </p:cNvPicPr>
+          <p:nvPr/>
+        </p:nvPicPr>
+        <p:blipFill>
+          <a:blip r:embed="rId4"/>
+          <a:stretch>
+            <a:fillRect/>
+          </a:stretch>
+        </p:blipFill>
+        <p:spPr>
+          <a:xfrm>
+            <a:off x="6173104" y="5307609"/>
+            <a:ext cx="4608108" cy="1157487"/>
+          </a:xfrm>
+          <a:prstGeom prst="rect">
+            <a:avLst/>
+          </a:prstGeom>
+        </p:spPr>
+      </p:pic>
+      <p:sp>
+        <p:nvSpPr>
+          <p:cNvPr id="12" name="文本框 11"/>
+          <p:cNvSpPr txBox="1"/>
+          <p:nvPr/>
+        </p:nvSpPr>
+        <p:spPr>
+          <a:xfrm>
+            <a:off x="718687" y="5222740"/>
+            <a:ext cx="5249119" cy="1200329"/>
+          </a:xfrm>
+          <a:prstGeom prst="rect">
+            <a:avLst/>
+          </a:prstGeom>
+          <a:noFill/>
+        </p:spPr>
+        <p:txBody>
+          <a:bodyPr wrap="square" rtlCol="0">
+            <a:spAutoFit/>
+          </a:bodyPr>
+          <a:lstStyle/>
+          <a:p>
+            <a:r>
+              <a:rPr lang="en-US" altLang="zh-CN" smtClean="0"/>
+              <a:t>Corelan Team</a:t>
+            </a:r>
+            <a:r>
+              <a:rPr lang="zh-CN" altLang="en-US" smtClean="0"/>
+              <a:t>的</a:t>
+            </a:r>
+            <a:r>
+              <a:rPr lang="en-US" altLang="zh-CN" smtClean="0"/>
+              <a:t>mona</a:t>
+            </a:r>
+            <a:r>
+              <a:rPr lang="zh-CN" altLang="en-US" smtClean="0"/>
+              <a:t>插件生成的自动</a:t>
+            </a:r>
+            <a:r>
+              <a:rPr lang="en-US" altLang="zh-CN" smtClean="0"/>
+              <a:t>rop_chain.txt</a:t>
+            </a:r>
+            <a:r>
+              <a:rPr lang="zh-CN" altLang="en-US" smtClean="0"/>
+              <a:t>并不智能，也没有做什么神奇的事情，不过是按照一种模板生搬硬套。</a:t>
+            </a:r>
+            <a:endParaRPr lang="en-US" altLang="zh-CN" smtClean="0"/>
+          </a:p>
+          <a:p>
+            <a:r>
+              <a:rPr lang="zh-CN" altLang="en-US" smtClean="0"/>
+              <a:t>当前仅支持</a:t>
+            </a:r>
+            <a:r>
+              <a:rPr lang="en-US" altLang="zh-CN" smtClean="0"/>
+              <a:t>VirtualProtect</a:t>
+            </a:r>
+            <a:r>
+              <a:rPr lang="zh-CN" altLang="en-US" smtClean="0"/>
+              <a:t>和</a:t>
+            </a:r>
+            <a:r>
+              <a:rPr lang="en-US" altLang="zh-CN" smtClean="0"/>
+              <a:t>VirtualAlloc</a:t>
+            </a:r>
+            <a:r>
+              <a:rPr lang="zh-CN" altLang="en-US" smtClean="0"/>
+              <a:t>。</a:t>
+            </a:r>
+            <a:endParaRPr lang="zh-CN" altLang="en-US"/>
+          </a:p>
+        </p:txBody>
+      </p:sp>
+    </p:spTree>
+    <p:extLst>
+      <p:ext uri="{BB962C8B-B14F-4D97-AF65-F5344CB8AC3E}">
+        <p14:creationId xmlns:p14="http://schemas.microsoft.com/office/powerpoint/2010/main" val="3112588437"/>
+      </p:ext>
+    </p:extLst>
+  </p:cSld>
+  <p:clrMapOvr>
+    <a:masterClrMapping/>
+  </p:clrMapOvr>
+  <p:timing>
+    <p:tnLst>
+      <p:par>
+        <p:cTn id="1" dur="indefinite" restart="never" nodeType="tmRoot">
+          <p:childTnLst>
+            <p:seq concurrent="1" nextAc="seek">
+              <p:cTn id="2" dur="indefinite" nodeType="mainSeq">
+                <p:childTnLst>
+                  <p:par>
+                    <p:cTn id="3" fill="hold">
+                      <p:stCondLst>
+                        <p:cond delay="indefinite"/>
+                      </p:stCondLst>
+                      <p:childTnLst>
+                        <p:par>
+                          <p:cTn id="4" fill="hold">
+                            <p:stCondLst>
+                              <p:cond delay="0"/>
+                            </p:stCondLst>
+                            <p:childTnLst>
+                              <p:par>
+                                <p:cTn id="5" presetID="42" presetClass="entr" presetSubtype="0" fill="hold" grpId="0" nodeType="clickEffect">
+                                  <p:stCondLst>
+                                    <p:cond delay="0"/>
+                                  </p:stCondLst>
+                                  <p:childTnLst>
+                                    <p:set>
+                                      <p:cBhvr>
+                                        <p:cTn id="6" dur="1" fill="hold">
+                                          <p:stCondLst>
+                                            <p:cond delay="0"/>
+                                          </p:stCondLst>
+                                        </p:cTn>
+                                        <p:tgtEl>
+                                          <p:spTgt spid="12"/>
+                                        </p:tgtEl>
+                                        <p:attrNameLst>
+                                          <p:attrName>style.visibility</p:attrName>
+                                        </p:attrNameLst>
+                                      </p:cBhvr>
+                                      <p:to>
+                                        <p:strVal val="visible"/>
+                                      </p:to>
+                                    </p:set>
+                                    <p:animEffect transition="in" filter="fade">
+                                      <p:cBhvr>
+                                        <p:cTn id="7" dur="1000"/>
+                                        <p:tgtEl>
+                                          <p:spTgt spid="12"/>
+                                        </p:tgtEl>
+                                      </p:cBhvr>
+                                    </p:animEffect>
+                                    <p:anim calcmode="lin" valueType="num">
+                                      <p:cBhvr>
+                                        <p:cTn id="8" dur="1000" fill="hold"/>
+                                        <p:tgtEl>
+                                          <p:spTgt spid="12"/>
+                                        </p:tgtEl>
+                                        <p:attrNameLst>
+                                          <p:attrName>ppt_x</p:attrName>
+                                        </p:attrNameLst>
+                                      </p:cBhvr>
+                                      <p:tavLst>
+                                        <p:tav tm="0">
+                                          <p:val>
+                                            <p:strVal val="#ppt_x"/>
+                                          </p:val>
+                                        </p:tav>
+                                        <p:tav tm="100000">
+                                          <p:val>
+                                            <p:strVal val="#ppt_x"/>
+                                          </p:val>
+                                        </p:tav>
+                                      </p:tavLst>
+                                    </p:anim>
+                                    <p:anim calcmode="lin" valueType="num">
+                                      <p:cBhvr>
+                                        <p:cTn id="9" dur="1000" fill="hold"/>
+                                        <p:tgtEl>
+                                          <p:spTgt spid="12"/>
+                                        </p:tgtEl>
+                                        <p:attrNameLst>
+                                          <p:attrName>ppt_y</p:attrName>
+                                        </p:attrNameLst>
+                                      </p:cBhvr>
+                                      <p:tavLst>
+                                        <p:tav tm="0">
+                                          <p:val>
+                                            <p:strVal val="#ppt_y+.1"/>
+                                          </p:val>
+                                        </p:tav>
+                                        <p:tav tm="100000">
+                                          <p:val>
+                                            <p:strVal val="#ppt_y"/>
+                                          </p:val>
+                                        </p:tav>
+                                      </p:tavLst>
+                                    </p:anim>
+                                  </p:childTnLst>
+                                </p:cTn>
+                              </p:par>
+                            </p:childTnLst>
+                          </p:cTn>
+                        </p:par>
+                      </p:childTnLst>
+                    </p:cTn>
+                  </p:par>
+                  <p:par>
+                    <p:cTn id="10" fill="hold">
+                      <p:stCondLst>
+                        <p:cond delay="indefinite"/>
+                      </p:stCondLst>
+                      <p:childTnLst>
+                        <p:par>
+                          <p:cTn id="11" fill="hold">
+                            <p:stCondLst>
+                              <p:cond delay="0"/>
+                            </p:stCondLst>
+                            <p:childTnLst>
+                              <p:par>
+                                <p:cTn id="12" presetID="42" presetClass="entr" presetSubtype="0" fill="hold" nodeType="clickEffect">
+                                  <p:stCondLst>
+                                    <p:cond delay="0"/>
+                                  </p:stCondLst>
+                                  <p:childTnLst>
+                                    <p:set>
+                                      <p:cBhvr>
+                                        <p:cTn id="13" dur="1" fill="hold">
+                                          <p:stCondLst>
+                                            <p:cond delay="0"/>
+                                          </p:stCondLst>
+                                        </p:cTn>
+                                        <p:tgtEl>
+                                          <p:spTgt spid="7"/>
+                                        </p:tgtEl>
+                                        <p:attrNameLst>
+                                          <p:attrName>style.visibility</p:attrName>
+                                        </p:attrNameLst>
+                                      </p:cBhvr>
+                                      <p:to>
+                                        <p:strVal val="visible"/>
+                                      </p:to>
+                                    </p:set>
+                                    <p:animEffect transition="in" filter="fade">
+                                      <p:cBhvr>
+                                        <p:cTn id="14" dur="1000"/>
+                                        <p:tgtEl>
+                                          <p:spTgt spid="7"/>
+                                        </p:tgtEl>
+                                      </p:cBhvr>
+                                    </p:animEffect>
+                                    <p:anim calcmode="lin" valueType="num">
+                                      <p:cBhvr>
+                                        <p:cTn id="15" dur="1000" fill="hold"/>
+                                        <p:tgtEl>
+                                          <p:spTgt spid="7"/>
+                                        </p:tgtEl>
+                                        <p:attrNameLst>
+                                          <p:attrName>ppt_x</p:attrName>
+                                        </p:attrNameLst>
+                                      </p:cBhvr>
+                                      <p:tavLst>
+                                        <p:tav tm="0">
+                                          <p:val>
+                                            <p:strVal val="#ppt_x"/>
+                                          </p:val>
+                                        </p:tav>
+                                        <p:tav tm="100000">
+                                          <p:val>
+                                            <p:strVal val="#ppt_x"/>
+                                          </p:val>
+                                        </p:tav>
+                                      </p:tavLst>
+                                    </p:anim>
+                                    <p:anim calcmode="lin" valueType="num">
+                                      <p:cBhvr>
+                                        <p:cTn id="16" dur="1000" fill="hold"/>
+                                        <p:tgtEl>
+                                          <p:spTgt spid="7"/>
+                                        </p:tgtEl>
+                                        <p:attrNameLst>
+                                          <p:attrName>ppt_y</p:attrName>
+                                        </p:attrNameLst>
+                                      </p:cBhvr>
+                                      <p:tavLst>
+                                        <p:tav tm="0">
+                                          <p:val>
+                                            <p:strVal val="#ppt_y+.1"/>
+                                          </p:val>
+                                        </p:tav>
+                                        <p:tav tm="100000">
+                                          <p:val>
+                                            <p:strVal val="#ppt_y"/>
+                                          </p:val>
+                                        </p:tav>
+                                      </p:tavLst>
+                                    </p:anim>
+                                  </p:childTnLst>
+                                </p:cTn>
+                              </p:par>
+                            </p:childTnLst>
+                          </p:cTn>
+                        </p:par>
+                      </p:childTnLst>
+                    </p:cTn>
+                  </p:par>
+                  <p:par>
+                    <p:cTn id="17" fill="hold">
+                      <p:stCondLst>
+                        <p:cond delay="indefinite"/>
+                      </p:stCondLst>
+                      <p:childTnLst>
+                        <p:par>
+                          <p:cTn id="18" fill="hold">
+                            <p:stCondLst>
+                              <p:cond delay="0"/>
+                            </p:stCondLst>
+                            <p:childTnLst>
+                              <p:par>
+                                <p:cTn id="19" presetID="42" presetClass="entr" presetSubtype="0" fill="hold" nodeType="clickEffect">
+                                  <p:stCondLst>
+                                    <p:cond delay="0"/>
+                                  </p:stCondLst>
+                                  <p:childTnLst>
+                                    <p:set>
+                                      <p:cBhvr>
+                                        <p:cTn id="20" dur="1" fill="hold">
+                                          <p:stCondLst>
+                                            <p:cond delay="0"/>
+                                          </p:stCondLst>
+                                        </p:cTn>
+                                        <p:tgtEl>
+                                          <p:spTgt spid="10"/>
+                                        </p:tgtEl>
+                                        <p:attrNameLst>
+                                          <p:attrName>style.visibility</p:attrName>
+                                        </p:attrNameLst>
+                                      </p:cBhvr>
+                                      <p:to>
+                                        <p:strVal val="visible"/>
+                                      </p:to>
+                                    </p:set>
+                                    <p:animEffect transition="in" filter="fade">
+                                      <p:cBhvr>
+                                        <p:cTn id="21" dur="1000"/>
+                                        <p:tgtEl>
+                                          <p:spTgt spid="10"/>
+                                        </p:tgtEl>
+                                      </p:cBhvr>
+                                    </p:animEffect>
+                                    <p:anim calcmode="lin" valueType="num">
+                                      <p:cBhvr>
+                                        <p:cTn id="22" dur="1000" fill="hold"/>
+                                        <p:tgtEl>
+                                          <p:spTgt spid="10"/>
+                                        </p:tgtEl>
+                                        <p:attrNameLst>
+                                          <p:attrName>ppt_x</p:attrName>
+                                        </p:attrNameLst>
+                                      </p:cBhvr>
+                                      <p:tavLst>
+                                        <p:tav tm="0">
+                                          <p:val>
+                                            <p:strVal val="#ppt_x"/>
+                                          </p:val>
+                                        </p:tav>
+                                        <p:tav tm="100000">
+                                          <p:val>
+                                            <p:strVal val="#ppt_x"/>
+                                          </p:val>
+                                        </p:tav>
+                                      </p:tavLst>
+                                    </p:anim>
+                                    <p:anim calcmode="lin" valueType="num">
+                                      <p:cBhvr>
+                                        <p:cTn id="23" dur="1000" fill="hold"/>
+                                        <p:tgtEl>
+                                          <p:spTgt spid="10"/>
+                                        </p:tgtEl>
+                                        <p:attrNameLst>
+                                          <p:attrName>ppt_y</p:attrName>
+                                        </p:attrNameLst>
+                                      </p:cBhvr>
+                                      <p:tavLst>
+                                        <p:tav tm="0">
+                                          <p:val>
+                                            <p:strVal val="#ppt_y+.1"/>
+                                          </p:val>
+                                        </p:tav>
+                                        <p:tav tm="100000">
+                                          <p:val>
+                                            <p:strVal val="#ppt_y"/>
+                                          </p:val>
+                                        </p:tav>
+                                      </p:tavLst>
+                                    </p:anim>
+                                  </p:childTnLst>
+                                </p:cTn>
+                              </p:par>
+                            </p:childTnLst>
+                          </p:cTn>
+                        </p:par>
+                      </p:childTnLst>
+                    </p:cTn>
+                  </p:par>
+                </p:childTnLst>
+              </p:cTn>
+              <p:prevCondLst>
+                <p:cond evt="onPrev" delay="0">
+                  <p:tgtEl>
+                    <p:sldTgt/>
+                  </p:tgtEl>
+                </p:cond>
+              </p:prevCondLst>
+              <p:nextCondLst>
+                <p:cond evt="onNext" delay="0">
+                  <p:tgtEl>
+                    <p:sldTgt/>
+                  </p:tgtEl>
+                </p:cond>
+              </p:nextCondLst>
+            </p:seq>
+          </p:childTnLst>
+        </p:cTn>
+      </p:par>
+    </p:tnLst>
+    <p:bldLst>
+      <p:bldP spid="12" grpId="0"/>
+    </p:bldLst>
+  </p:timing>
+</p:sld>
+</file>
+
+<file path=ppt/slides/slide12.xml><?xml version="1.0" encoding="utf-8"?>
+<p:sld xmlns:a="http://schemas.openxmlformats.org/drawingml/2006/main" xmlns:r="http://schemas.openxmlformats.org/officeDocument/2006/relationships" xmlns:p="http://schemas.openxmlformats.org/presentationml/2006/main">
+  <p:cSld>
+    <p:spTree>
+      <p:nvGrpSpPr>
+        <p:cNvPr id="1" name=""/>
+        <p:cNvGrpSpPr/>
+        <p:nvPr/>
+      </p:nvGrpSpPr>
+      <p:grpSpPr>
+        <a:xfrm>
+          <a:off x="0" y="0"/>
+          <a:ext cx="0" cy="0"/>
+          <a:chOff x="0" y="0"/>
+          <a:chExt cx="0" cy="0"/>
+        </a:xfrm>
+      </p:grpSpPr>
+      <p:sp>
+        <p:nvSpPr>
+          <p:cNvPr id="2" name="标题 1"/>
+          <p:cNvSpPr>
+            <a:spLocks noGrp="1"/>
+          </p:cNvSpPr>
+          <p:nvPr>
+            <p:ph type="title"/>
+          </p:nvPr>
+        </p:nvSpPr>
+        <p:spPr/>
+        <p:txBody>
+          <a:bodyPr/>
+          <a:lstStyle/>
+          <a:p>
+            <a:pPr algn="ctr"/>
+            <a:r>
+              <a:rPr lang="en-US" altLang="zh-CN" smtClean="0"/>
+              <a:t>references</a:t>
+            </a:r>
+            <a:endParaRPr lang="zh-CN" altLang="en-US" dirty="0"/>
+          </a:p>
+        </p:txBody>
+      </p:sp>
+      <p:cxnSp>
+        <p:nvCxnSpPr>
+          <p:cNvPr id="4" name="直接连接符 3"/>
+          <p:cNvCxnSpPr/>
+          <p:nvPr/>
+        </p:nvCxnSpPr>
+        <p:spPr>
+          <a:xfrm flipV="1">
+            <a:off x="981259" y="1277992"/>
+            <a:ext cx="8734425" cy="63390"/>
+          </a:xfrm>
+          <a:prstGeom prst="line">
+            <a:avLst/>
+          </a:prstGeom>
+          <a:ln w="38100">
+            <a:solidFill>
+              <a:schemeClr val="tx1"/>
+            </a:solidFill>
+          </a:ln>
+        </p:spPr>
+        <p:style>
+          <a:lnRef idx="1">
+            <a:schemeClr val="accent1"/>
+          </a:lnRef>
+          <a:fillRef idx="0">
+            <a:schemeClr val="accent1"/>
+          </a:fillRef>
+          <a:effectRef idx="0">
+            <a:schemeClr val="accent1"/>
+          </a:effectRef>
+          <a:fontRef idx="minor">
+            <a:schemeClr val="tx1"/>
+          </a:fontRef>
+        </p:style>
+      </p:cxnSp>
+      <p:sp>
+        <p:nvSpPr>
+          <p:cNvPr id="3" name="矩形 2"/>
+          <p:cNvSpPr/>
+          <p:nvPr/>
+        </p:nvSpPr>
+        <p:spPr>
+          <a:xfrm>
+            <a:off x="981259" y="1561237"/>
+            <a:ext cx="8734425" cy="3693319"/>
+          </a:xfrm>
+          <a:prstGeom prst="rect">
+            <a:avLst/>
+          </a:prstGeom>
+        </p:spPr>
+        <p:txBody>
+          <a:bodyPr wrap="square">
+            <a:spAutoFit/>
+          </a:bodyPr>
+          <a:lstStyle/>
+          <a:p>
+            <a:pPr marL="285750" lvl="0" indent="-285750" algn="just">
+              <a:spcAft>
+                <a:spcPts val="0"/>
+              </a:spcAft>
+              <a:buFont typeface="Arial" panose="020B0604020202020204" pitchFamily="34" charset="0"/>
+              <a:buChar char="•"/>
+            </a:pPr>
+            <a:r>
+              <a:rPr lang="zh-CN" altLang="en-US" kern="100" smtClean="0">
+                <a:latin typeface="Consolas" panose="020B0609020204030204" pitchFamily="49" charset="0"/>
+                <a:cs typeface="Times New Roman" panose="02020603050405020304" pitchFamily="18" charset="0"/>
+              </a:rPr>
+              <a:t>现代化</a:t>
+            </a:r>
+            <a:r>
+              <a:rPr lang="en-US" altLang="zh-CN" kern="100">
+                <a:latin typeface="Consolas" panose="020B0609020204030204" pitchFamily="49" charset="0"/>
+                <a:cs typeface="Times New Roman" panose="02020603050405020304" pitchFamily="18" charset="0"/>
+              </a:rPr>
+              <a:t>windows</a:t>
+            </a:r>
+            <a:r>
+              <a:rPr lang="zh-CN" altLang="en-US" kern="100">
+                <a:latin typeface="Consolas" panose="020B0609020204030204" pitchFamily="49" charset="0"/>
+                <a:cs typeface="Times New Roman" panose="02020603050405020304" pitchFamily="18" charset="0"/>
+              </a:rPr>
+              <a:t>漏洞利用</a:t>
+            </a:r>
+            <a:r>
+              <a:rPr lang="zh-CN" altLang="en-US" kern="100">
+                <a:latin typeface="Consolas" panose="020B0609020204030204" pitchFamily="49" charset="0"/>
+                <a:cs typeface="Times New Roman" panose="02020603050405020304" pitchFamily="18" charset="0"/>
+              </a:rPr>
+              <a:t>程序</a:t>
+            </a:r>
+            <a:r>
+              <a:rPr lang="zh-CN" altLang="en-US" kern="100" smtClean="0">
+                <a:latin typeface="Consolas" panose="020B0609020204030204" pitchFamily="49" charset="0"/>
+                <a:cs typeface="Times New Roman" panose="02020603050405020304" pitchFamily="18" charset="0"/>
+              </a:rPr>
+              <a:t>开发</a:t>
+            </a:r>
+            <a:r>
+              <a:rPr lang="en-US" altLang="zh-CN" kern="100" smtClean="0">
+                <a:latin typeface="Consolas" panose="020B0609020204030204" pitchFamily="49" charset="0"/>
+                <a:cs typeface="Times New Roman" panose="02020603050405020304" pitchFamily="18" charset="0"/>
+              </a:rPr>
+              <a:t>-</a:t>
+            </a:r>
+            <a:r>
+              <a:rPr lang="en-US" altLang="zh-CN" kern="100" smtClean="0">
+                <a:latin typeface="Consolas" panose="020B0609020204030204" pitchFamily="49" charset="0"/>
+                <a:cs typeface="Times New Roman" panose="02020603050405020304" pitchFamily="18" charset="0"/>
+              </a:rPr>
+              <a:t>9.Exploitme3(DEP)</a:t>
+            </a:r>
+          </a:p>
+          <a:p>
+            <a:pPr marL="285750" indent="-285750" algn="just">
+              <a:buFont typeface="Arial" panose="020B0604020202020204" pitchFamily="34" charset="0"/>
+              <a:buChar char="•"/>
+            </a:pPr>
+            <a:r>
+              <a:rPr lang="en-US" altLang="zh-CN">
+                <a:hlinkClick r:id="rId2"/>
+              </a:rPr>
+              <a:t>Exploit writing tutorial part 6 : Bypassing Stack Cookies, SafeSeh, SEHOP, HW DEP </a:t>
+            </a:r>
+            <a:r>
+              <a:rPr lang="en-US" altLang="zh-CN">
+                <a:hlinkClick r:id="rId2"/>
+              </a:rPr>
+              <a:t>and </a:t>
+            </a:r>
+            <a:r>
+              <a:rPr lang="en-US" altLang="zh-CN" smtClean="0">
+                <a:hlinkClick r:id="rId2"/>
+              </a:rPr>
+              <a:t>ASLR</a:t>
+            </a:r>
+            <a:endParaRPr lang="en-US" altLang="zh-CN" smtClean="0"/>
+          </a:p>
+          <a:p>
+            <a:pPr marL="285750" indent="-285750" algn="just">
+              <a:buFont typeface="Arial" panose="020B0604020202020204" pitchFamily="34" charset="0"/>
+              <a:buChar char="•"/>
+            </a:pPr>
+            <a:r>
+              <a:rPr lang="zh-CN" altLang="en-US">
+                <a:hlinkClick r:id="rId3"/>
+              </a:rPr>
+              <a:t>利用</a:t>
+            </a:r>
+            <a:r>
+              <a:rPr lang="en-US" altLang="zh-CN">
+                <a:hlinkClick r:id="rId3"/>
+              </a:rPr>
+              <a:t>ROP</a:t>
+            </a:r>
+            <a:r>
+              <a:rPr lang="zh-CN" altLang="en-US">
+                <a:hlinkClick r:id="rId3"/>
+              </a:rPr>
+              <a:t>绕过</a:t>
+            </a:r>
+            <a:r>
+              <a:rPr lang="en-US" altLang="zh-CN">
+                <a:hlinkClick r:id="rId3"/>
+              </a:rPr>
+              <a:t>DEP</a:t>
+            </a:r>
+            <a:r>
+              <a:rPr lang="zh-CN" altLang="en-US">
+                <a:hlinkClick r:id="rId3"/>
+              </a:rPr>
+              <a:t>（</a:t>
+            </a:r>
+            <a:r>
+              <a:rPr lang="en-US" altLang="zh-CN">
+                <a:hlinkClick r:id="rId3"/>
+              </a:rPr>
+              <a:t>Defeating DEP with ROP</a:t>
+            </a:r>
+            <a:r>
+              <a:rPr lang="zh-CN" altLang="en-US">
+                <a:hlinkClick r:id="rId3"/>
+              </a:rPr>
+              <a:t>）调试笔记</a:t>
+            </a:r>
+            <a:endParaRPr lang="zh-CN" altLang="en-US"/>
+          </a:p>
+          <a:p>
+            <a:pPr marL="285750" indent="-285750" algn="just">
+              <a:buFont typeface="Arial" panose="020B0604020202020204" pitchFamily="34" charset="0"/>
+              <a:buChar char="•"/>
+            </a:pPr>
+            <a:r>
+              <a:rPr lang="en-US" altLang="zh-CN" smtClean="0"/>
+              <a:t>《0day</a:t>
+            </a:r>
+            <a:r>
+              <a:rPr lang="zh-CN" altLang="en-US" smtClean="0"/>
+              <a:t>安全：软件漏洞分析技术</a:t>
+            </a:r>
+            <a:r>
+              <a:rPr lang="en-US" altLang="zh-CN" smtClean="0"/>
+              <a:t>》</a:t>
+            </a:r>
+            <a:r>
+              <a:rPr lang="zh-CN" altLang="en-US" smtClean="0"/>
+              <a:t>第十二章</a:t>
+            </a:r>
+            <a:endParaRPr lang="en-US" altLang="zh-CN" smtClean="0"/>
+          </a:p>
+          <a:p>
+            <a:pPr marL="285750" indent="-285750" algn="just">
+              <a:buFont typeface="Arial" panose="020B0604020202020204" pitchFamily="34" charset="0"/>
+              <a:buChar char="•"/>
+            </a:pPr>
+            <a:r>
+              <a:rPr lang="en-US" altLang="zh-CN" smtClean="0"/>
+              <a:t>《Windows PE</a:t>
+            </a:r>
+            <a:r>
+              <a:rPr lang="zh-CN" altLang="en-US" smtClean="0"/>
+              <a:t>权威指南</a:t>
+            </a:r>
+            <a:r>
+              <a:rPr lang="en-US" altLang="zh-CN" smtClean="0"/>
+              <a:t>》</a:t>
+            </a:r>
+            <a:r>
+              <a:rPr lang="zh-CN" altLang="en-US" smtClean="0"/>
+              <a:t>第四章</a:t>
+            </a:r>
+            <a:endParaRPr lang="en-US" altLang="zh-CN" smtClean="0"/>
+          </a:p>
+          <a:p>
+            <a:pPr marL="285750" indent="-285750" algn="just">
+              <a:buFont typeface="Arial" panose="020B0604020202020204" pitchFamily="34" charset="0"/>
+              <a:buChar char="•"/>
+            </a:pPr>
+            <a:r>
+              <a:rPr lang="en-US" altLang="zh-CN" smtClean="0"/>
+              <a:t>《</a:t>
+            </a:r>
+            <a:r>
+              <a:rPr lang="zh-CN" altLang="en-US" smtClean="0"/>
+              <a:t>程序员的自我修养：链接、装载与库</a:t>
+            </a:r>
+            <a:r>
+              <a:rPr lang="en-US" altLang="zh-CN" smtClean="0"/>
+              <a:t>》</a:t>
+            </a:r>
+          </a:p>
+          <a:p>
+            <a:pPr marL="285750" lvl="0" indent="-285750" algn="just">
+              <a:spcAft>
+                <a:spcPts val="0"/>
+              </a:spcAft>
+              <a:buFont typeface="Arial" panose="020B0604020202020204" pitchFamily="34" charset="0"/>
+              <a:buChar char="•"/>
+            </a:pPr>
+            <a:r>
+              <a:rPr lang="en-US" altLang="zh-CN" kern="100" smtClean="0">
+                <a:latin typeface="Consolas" panose="020B0609020204030204" pitchFamily="49" charset="0"/>
+                <a:cs typeface="Times New Roman" panose="02020603050405020304" pitchFamily="18" charset="0"/>
+                <a:hlinkClick r:id="rId4"/>
+              </a:rPr>
+              <a:t>ASLR/DEP</a:t>
+            </a:r>
+            <a:r>
+              <a:rPr lang="zh-CN" altLang="en-US" kern="100" smtClean="0">
+                <a:latin typeface="Consolas" panose="020B0609020204030204" pitchFamily="49" charset="0"/>
+                <a:cs typeface="Times New Roman" panose="02020603050405020304" pitchFamily="18" charset="0"/>
+                <a:hlinkClick r:id="rId4"/>
+              </a:rPr>
+              <a:t>绕过技术概览</a:t>
+            </a:r>
+            <a:endParaRPr lang="en-US" altLang="zh-CN" kern="100" smtClean="0">
+              <a:latin typeface="Consolas" panose="020B0609020204030204" pitchFamily="49" charset="0"/>
+              <a:cs typeface="Times New Roman" panose="02020603050405020304" pitchFamily="18" charset="0"/>
+            </a:endParaRPr>
+          </a:p>
+          <a:p>
+            <a:pPr marL="285750" lvl="0" indent="-285750" algn="just">
+              <a:spcAft>
+                <a:spcPts val="0"/>
+              </a:spcAft>
+              <a:buFont typeface="Arial" panose="020B0604020202020204" pitchFamily="34" charset="0"/>
+              <a:buChar char="•"/>
+            </a:pPr>
+            <a:r>
+              <a:rPr lang="en-US" altLang="zh-CN" kern="100" smtClean="0">
+                <a:latin typeface="Consolas" panose="020B0609020204030204" pitchFamily="49" charset="0"/>
+                <a:cs typeface="Times New Roman" panose="02020603050405020304" pitchFamily="18" charset="0"/>
+                <a:hlinkClick r:id="rId5"/>
+              </a:rPr>
+              <a:t>VirtualProtect</a:t>
+            </a:r>
+            <a:endParaRPr lang="en-US" altLang="zh-CN" kern="100">
+              <a:latin typeface="Consolas" panose="020B0609020204030204" pitchFamily="49" charset="0"/>
+              <a:cs typeface="Times New Roman" panose="02020603050405020304" pitchFamily="18" charset="0"/>
+            </a:endParaRPr>
+          </a:p>
+          <a:p>
+            <a:pPr marL="285750" lvl="0" indent="-285750" algn="just">
+              <a:spcAft>
+                <a:spcPts val="0"/>
+              </a:spcAft>
+              <a:buFont typeface="Arial" panose="020B0604020202020204" pitchFamily="34" charset="0"/>
+              <a:buChar char="•"/>
+            </a:pPr>
+            <a:r>
+              <a:rPr lang="en-US" altLang="zh-CN" kern="100" smtClean="0">
+                <a:latin typeface="Consolas" panose="020B0609020204030204" pitchFamily="49" charset="0"/>
+                <a:cs typeface="Times New Roman" panose="02020603050405020304" pitchFamily="18" charset="0"/>
+                <a:hlinkClick r:id="rId6"/>
+              </a:rPr>
+              <a:t>VirtualAlloc</a:t>
+            </a:r>
+            <a:endParaRPr lang="en-US" altLang="zh-CN" kern="100" smtClean="0">
+              <a:latin typeface="Consolas" panose="020B0609020204030204" pitchFamily="49" charset="0"/>
+              <a:cs typeface="Times New Roman" panose="02020603050405020304" pitchFamily="18" charset="0"/>
+            </a:endParaRPr>
+          </a:p>
+          <a:p>
+            <a:pPr marL="285750" lvl="0" indent="-285750" algn="just">
+              <a:spcAft>
+                <a:spcPts val="0"/>
+              </a:spcAft>
+              <a:buFont typeface="Arial" panose="020B0604020202020204" pitchFamily="34" charset="0"/>
+              <a:buChar char="•"/>
+            </a:pPr>
+            <a:r>
+              <a:rPr lang="en-US" altLang="zh-CN" kern="100" smtClean="0">
+                <a:latin typeface="Consolas" panose="020B0609020204030204" pitchFamily="49" charset="0"/>
+                <a:cs typeface="Times New Roman" panose="02020603050405020304" pitchFamily="18" charset="0"/>
+                <a:hlinkClick r:id="rId7"/>
+              </a:rPr>
+              <a:t>HeapCreate</a:t>
+            </a:r>
+            <a:endParaRPr lang="en-US" altLang="zh-CN" kern="100" smtClean="0">
+              <a:latin typeface="Consolas" panose="020B0609020204030204" pitchFamily="49" charset="0"/>
+              <a:cs typeface="Times New Roman" panose="02020603050405020304" pitchFamily="18" charset="0"/>
+            </a:endParaRPr>
+          </a:p>
+          <a:p>
+            <a:pPr marL="285750" lvl="0" indent="-285750" algn="just">
+              <a:spcAft>
+                <a:spcPts val="0"/>
+              </a:spcAft>
+              <a:buFont typeface="Arial" panose="020B0604020202020204" pitchFamily="34" charset="0"/>
+              <a:buChar char="•"/>
+            </a:pPr>
+            <a:r>
+              <a:rPr lang="en-US" altLang="zh-CN" kern="100" smtClean="0">
+                <a:latin typeface="Consolas" panose="020B0609020204030204" pitchFamily="49" charset="0"/>
+                <a:cs typeface="Times New Roman" panose="02020603050405020304" pitchFamily="18" charset="0"/>
+                <a:hlinkClick r:id="rId8"/>
+              </a:rPr>
+              <a:t>HeapAlloc</a:t>
+            </a:r>
+            <a:endParaRPr lang="en-US" altLang="zh-CN" kern="100" smtClean="0">
+              <a:latin typeface="Consolas" panose="020B0609020204030204" pitchFamily="49" charset="0"/>
+              <a:cs typeface="Times New Roman" panose="02020603050405020304" pitchFamily="18" charset="0"/>
+            </a:endParaRPr>
+          </a:p>
+          <a:p>
+            <a:pPr marL="285750" lvl="0" indent="-285750" algn="just">
+              <a:spcAft>
+                <a:spcPts val="0"/>
+              </a:spcAft>
+              <a:buFont typeface="Arial" panose="020B0604020202020204" pitchFamily="34" charset="0"/>
+              <a:buChar char="•"/>
+            </a:pPr>
+            <a:r>
+              <a:rPr lang="en-US" altLang="zh-CN" kern="100" smtClean="0">
+                <a:latin typeface="Consolas" panose="020B0609020204030204" pitchFamily="49" charset="0"/>
+                <a:cs typeface="Times New Roman" panose="02020603050405020304" pitchFamily="18" charset="0"/>
+                <a:hlinkClick r:id="rId9"/>
+              </a:rPr>
+              <a:t>WriteProcessMemory</a:t>
+            </a:r>
+            <a:endParaRPr lang="zh-CN" altLang="zh-CN" kern="100" dirty="0">
+              <a:latin typeface="Consolas" panose="020B0609020204030204" pitchFamily="49" charset="0"/>
+              <a:cs typeface="Times New Roman" panose="02020603050405020304" pitchFamily="18" charset="0"/>
+            </a:endParaRPr>
+          </a:p>
+        </p:txBody>
+      </p:sp>
+    </p:spTree>
+    <p:extLst>
+      <p:ext uri="{BB962C8B-B14F-4D97-AF65-F5344CB8AC3E}">
+        <p14:creationId xmlns:p14="http://schemas.microsoft.com/office/powerpoint/2010/main" val="4077747298"/>
       </p:ext>
     </p:extLst>
   </p:cSld>
@@ -6921,14 +8149,1371 @@
   <p:timing>
     <p:tnLst>
       <p:par>
-        <p:cTn id="1" dur="indefinite" restart="never" nodeType="tmRoot"/>
+        <p:cTn id="1" dur="indefinite" restart="never" nodeType="tmRoot">
+          <p:childTnLst>
+            <p:seq concurrent="1" nextAc="seek">
+              <p:cTn id="2" dur="indefinite" nodeType="mainSeq">
+                <p:childTnLst>
+                  <p:par>
+                    <p:cTn id="3" fill="hold">
+                      <p:stCondLst>
+                        <p:cond delay="indefinite"/>
+                      </p:stCondLst>
+                      <p:childTnLst>
+                        <p:par>
+                          <p:cTn id="4" fill="hold">
+                            <p:stCondLst>
+                              <p:cond delay="0"/>
+                            </p:stCondLst>
+                            <p:childTnLst>
+                              <p:par>
+                                <p:cTn id="5" presetID="42" presetClass="entr" presetSubtype="0" fill="hold" grpId="0" nodeType="clickEffect">
+                                  <p:stCondLst>
+                                    <p:cond delay="0"/>
+                                  </p:stCondLst>
+                                  <p:childTnLst>
+                                    <p:set>
+                                      <p:cBhvr>
+                                        <p:cTn id="6" dur="1" fill="hold">
+                                          <p:stCondLst>
+                                            <p:cond delay="0"/>
+                                          </p:stCondLst>
+                                        </p:cTn>
+                                        <p:tgtEl>
+                                          <p:spTgt spid="8"/>
+                                        </p:tgtEl>
+                                        <p:attrNameLst>
+                                          <p:attrName>style.visibility</p:attrName>
+                                        </p:attrNameLst>
+                                      </p:cBhvr>
+                                      <p:to>
+                                        <p:strVal val="visible"/>
+                                      </p:to>
+                                    </p:set>
+                                    <p:animEffect transition="in" filter="fade">
+                                      <p:cBhvr>
+                                        <p:cTn id="7" dur="1000"/>
+                                        <p:tgtEl>
+                                          <p:spTgt spid="8"/>
+                                        </p:tgtEl>
+                                      </p:cBhvr>
+                                    </p:animEffect>
+                                    <p:anim calcmode="lin" valueType="num">
+                                      <p:cBhvr>
+                                        <p:cTn id="8" dur="1000" fill="hold"/>
+                                        <p:tgtEl>
+                                          <p:spTgt spid="8"/>
+                                        </p:tgtEl>
+                                        <p:attrNameLst>
+                                          <p:attrName>ppt_x</p:attrName>
+                                        </p:attrNameLst>
+                                      </p:cBhvr>
+                                      <p:tavLst>
+                                        <p:tav tm="0">
+                                          <p:val>
+                                            <p:strVal val="#ppt_x"/>
+                                          </p:val>
+                                        </p:tav>
+                                        <p:tav tm="100000">
+                                          <p:val>
+                                            <p:strVal val="#ppt_x"/>
+                                          </p:val>
+                                        </p:tav>
+                                      </p:tavLst>
+                                    </p:anim>
+                                    <p:anim calcmode="lin" valueType="num">
+                                      <p:cBhvr>
+                                        <p:cTn id="9" dur="1000" fill="hold"/>
+                                        <p:tgtEl>
+                                          <p:spTgt spid="8"/>
+                                        </p:tgtEl>
+                                        <p:attrNameLst>
+                                          <p:attrName>ppt_y</p:attrName>
+                                        </p:attrNameLst>
+                                      </p:cBhvr>
+                                      <p:tavLst>
+                                        <p:tav tm="0">
+                                          <p:val>
+                                            <p:strVal val="#ppt_y+.1"/>
+                                          </p:val>
+                                        </p:tav>
+                                        <p:tav tm="100000">
+                                          <p:val>
+                                            <p:strVal val="#ppt_y"/>
+                                          </p:val>
+                                        </p:tav>
+                                      </p:tavLst>
+                                    </p:anim>
+                                  </p:childTnLst>
+                                </p:cTn>
+                              </p:par>
+                            </p:childTnLst>
+                          </p:cTn>
+                        </p:par>
+                      </p:childTnLst>
+                    </p:cTn>
+                  </p:par>
+                </p:childTnLst>
+              </p:cTn>
+              <p:prevCondLst>
+                <p:cond evt="onPrev" delay="0">
+                  <p:tgtEl>
+                    <p:sldTgt/>
+                  </p:tgtEl>
+                </p:cond>
+              </p:prevCondLst>
+              <p:nextCondLst>
+                <p:cond evt="onNext" delay="0">
+                  <p:tgtEl>
+                    <p:sldTgt/>
+                  </p:tgtEl>
+                </p:cond>
+              </p:nextCondLst>
+            </p:seq>
+          </p:childTnLst>
+        </p:cTn>
+      </p:par>
+    </p:tnLst>
+    <p:bldLst>
+      <p:bldP spid="8" grpId="0"/>
+    </p:bldLst>
+  </p:timing>
+</p:sld>
+</file>
+
+<file path=ppt/slides/slide3.xml><?xml version="1.0" encoding="utf-8"?>
+<p:sld xmlns:a="http://schemas.openxmlformats.org/drawingml/2006/main" xmlns:r="http://schemas.openxmlformats.org/officeDocument/2006/relationships" xmlns:p="http://schemas.openxmlformats.org/presentationml/2006/main">
+  <p:cSld>
+    <p:spTree>
+      <p:nvGrpSpPr>
+        <p:cNvPr id="1" name=""/>
+        <p:cNvGrpSpPr/>
+        <p:nvPr/>
+      </p:nvGrpSpPr>
+      <p:grpSpPr>
+        <a:xfrm>
+          <a:off x="0" y="0"/>
+          <a:ext cx="0" cy="0"/>
+          <a:chOff x="0" y="0"/>
+          <a:chExt cx="0" cy="0"/>
+        </a:xfrm>
+      </p:grpSpPr>
+      <p:sp>
+        <p:nvSpPr>
+          <p:cNvPr id="2" name="标题 1"/>
+          <p:cNvSpPr>
+            <a:spLocks noGrp="1"/>
+          </p:cNvSpPr>
+          <p:nvPr>
+            <p:ph type="title"/>
+          </p:nvPr>
+        </p:nvSpPr>
+        <p:spPr/>
+        <p:txBody>
+          <a:bodyPr/>
+          <a:lstStyle/>
+          <a:p>
+            <a:pPr algn="ctr"/>
+            <a:r>
+              <a:rPr lang="en-US" altLang="zh-CN" smtClean="0"/>
+              <a:t>ROP</a:t>
+            </a:r>
+            <a:r>
+              <a:rPr lang="zh-CN" altLang="en-US" smtClean="0"/>
+              <a:t>的</a:t>
+            </a:r>
+            <a:r>
+              <a:rPr lang="zh-CN" altLang="en-US"/>
+              <a:t>类别</a:t>
+            </a:r>
+            <a:endParaRPr lang="zh-CN" altLang="en-US" dirty="0"/>
+          </a:p>
+        </p:txBody>
+      </p:sp>
+      <p:cxnSp>
+        <p:nvCxnSpPr>
+          <p:cNvPr id="4" name="直接连接符 3"/>
+          <p:cNvCxnSpPr/>
+          <p:nvPr/>
+        </p:nvCxnSpPr>
+        <p:spPr>
+          <a:xfrm flipV="1">
+            <a:off x="981259" y="1277992"/>
+            <a:ext cx="8734425" cy="63390"/>
+          </a:xfrm>
+          <a:prstGeom prst="line">
+            <a:avLst/>
+          </a:prstGeom>
+          <a:ln w="38100">
+            <a:solidFill>
+              <a:schemeClr val="tx1"/>
+            </a:solidFill>
+          </a:ln>
+        </p:spPr>
+        <p:style>
+          <a:lnRef idx="1">
+            <a:schemeClr val="accent1"/>
+          </a:lnRef>
+          <a:fillRef idx="0">
+            <a:schemeClr val="accent1"/>
+          </a:fillRef>
+          <a:effectRef idx="0">
+            <a:schemeClr val="accent1"/>
+          </a:effectRef>
+          <a:fontRef idx="minor">
+            <a:schemeClr val="tx1"/>
+          </a:fontRef>
+        </p:style>
+      </p:cxnSp>
+      <p:sp>
+        <p:nvSpPr>
+          <p:cNvPr id="6" name="矩形 5"/>
+          <p:cNvSpPr/>
+          <p:nvPr/>
+        </p:nvSpPr>
+        <p:spPr>
+          <a:xfrm>
+            <a:off x="981259" y="1561237"/>
+            <a:ext cx="8734425" cy="3693319"/>
+          </a:xfrm>
+          <a:prstGeom prst="rect">
+            <a:avLst/>
+          </a:prstGeom>
+        </p:spPr>
+        <p:txBody>
+          <a:bodyPr wrap="square">
+            <a:spAutoFit/>
+          </a:bodyPr>
+          <a:lstStyle/>
+          <a:p>
+            <a:pPr lvl="0" algn="just">
+              <a:spcAft>
+                <a:spcPts val="0"/>
+              </a:spcAft>
+            </a:pPr>
+            <a:r>
+              <a:rPr lang="zh-CN" altLang="en-US" kern="100" smtClean="0">
+                <a:latin typeface="Consolas" panose="020B0609020204030204" pitchFamily="49" charset="0"/>
+                <a:cs typeface="Times New Roman" panose="02020603050405020304" pitchFamily="18" charset="0"/>
+              </a:rPr>
+              <a:t>和</a:t>
+            </a:r>
+            <a:r>
+              <a:rPr lang="en-US" altLang="zh-CN" kern="100" smtClean="0">
+                <a:latin typeface="Consolas" panose="020B0609020204030204" pitchFamily="49" charset="0"/>
+                <a:cs typeface="Times New Roman" panose="02020603050405020304" pitchFamily="18" charset="0"/>
+              </a:rPr>
+              <a:t>Linux</a:t>
+            </a:r>
+            <a:r>
+              <a:rPr lang="zh-CN" altLang="en-US" kern="100" smtClean="0">
+                <a:latin typeface="Consolas" panose="020B0609020204030204" pitchFamily="49" charset="0"/>
+                <a:cs typeface="Times New Roman" panose="02020603050405020304" pitchFamily="18" charset="0"/>
+              </a:rPr>
+              <a:t>环境相仿，</a:t>
+            </a:r>
+            <a:r>
+              <a:rPr lang="en-US" altLang="zh-CN" kern="100" smtClean="0">
+                <a:latin typeface="Consolas" panose="020B0609020204030204" pitchFamily="49" charset="0"/>
+                <a:cs typeface="Times New Roman" panose="02020603050405020304" pitchFamily="18" charset="0"/>
+              </a:rPr>
+              <a:t>Windows</a:t>
+            </a:r>
+            <a:r>
+              <a:rPr lang="zh-CN" altLang="en-US" kern="100" smtClean="0">
+                <a:latin typeface="Consolas" panose="020B0609020204030204" pitchFamily="49" charset="0"/>
+                <a:cs typeface="Times New Roman" panose="02020603050405020304" pitchFamily="18" charset="0"/>
+              </a:rPr>
+              <a:t>下用于绕过</a:t>
+            </a:r>
+            <a:r>
+              <a:rPr lang="en-US" altLang="zh-CN" kern="100" smtClean="0">
+                <a:latin typeface="Consolas" panose="020B0609020204030204" pitchFamily="49" charset="0"/>
+                <a:cs typeface="Times New Roman" panose="02020603050405020304" pitchFamily="18" charset="0"/>
+              </a:rPr>
+              <a:t>DEP</a:t>
+            </a:r>
+            <a:r>
+              <a:rPr lang="zh-CN" altLang="en-US" kern="100" smtClean="0">
+                <a:latin typeface="Consolas" panose="020B0609020204030204" pitchFamily="49" charset="0"/>
+                <a:cs typeface="Times New Roman" panose="02020603050405020304" pitchFamily="18" charset="0"/>
+              </a:rPr>
+              <a:t>的</a:t>
+            </a:r>
+            <a:r>
+              <a:rPr lang="en-US" altLang="zh-CN" kern="100" smtClean="0">
+                <a:latin typeface="Consolas" panose="020B0609020204030204" pitchFamily="49" charset="0"/>
+                <a:cs typeface="Times New Roman" panose="02020603050405020304" pitchFamily="18" charset="0"/>
+              </a:rPr>
+              <a:t>ROP</a:t>
+            </a:r>
+            <a:r>
+              <a:rPr lang="zh-CN" altLang="en-US" kern="100" smtClean="0">
+                <a:latin typeface="Consolas" panose="020B0609020204030204" pitchFamily="49" charset="0"/>
+                <a:cs typeface="Times New Roman" panose="02020603050405020304" pitchFamily="18" charset="0"/>
+              </a:rPr>
+              <a:t>也大抵分为两类：</a:t>
+            </a:r>
+            <a:endParaRPr lang="en-US" altLang="zh-CN" kern="100" smtClean="0">
+              <a:latin typeface="Consolas" panose="020B0609020204030204" pitchFamily="49" charset="0"/>
+              <a:cs typeface="Times New Roman" panose="02020603050405020304" pitchFamily="18" charset="0"/>
+            </a:endParaRPr>
+          </a:p>
+          <a:p>
+            <a:pPr lvl="0" algn="just">
+              <a:spcAft>
+                <a:spcPts val="0"/>
+              </a:spcAft>
+            </a:pPr>
+            <a:endParaRPr lang="en-US" altLang="zh-CN" kern="100" smtClean="0">
+              <a:latin typeface="Consolas" panose="020B0609020204030204" pitchFamily="49" charset="0"/>
+              <a:cs typeface="Times New Roman" panose="02020603050405020304" pitchFamily="18" charset="0"/>
+            </a:endParaRPr>
+          </a:p>
+          <a:p>
+            <a:pPr marL="342900" lvl="0" indent="-342900" algn="just">
+              <a:spcAft>
+                <a:spcPts val="0"/>
+              </a:spcAft>
+              <a:buFont typeface="+mj-lt"/>
+              <a:buAutoNum type="arabicPeriod"/>
+            </a:pPr>
+            <a:r>
+              <a:rPr lang="zh-CN" altLang="en-US" kern="100" smtClean="0">
+                <a:latin typeface="Consolas" panose="020B0609020204030204" pitchFamily="49" charset="0"/>
+                <a:cs typeface="Times New Roman" panose="02020603050405020304" pitchFamily="18" charset="0"/>
+              </a:rPr>
+              <a:t>第一类是原生的源自</a:t>
+            </a:r>
+            <a:r>
+              <a:rPr lang="en-US" altLang="zh-CN" kern="100" smtClean="0">
+                <a:latin typeface="Consolas" panose="020B0609020204030204" pitchFamily="49" charset="0"/>
+                <a:cs typeface="Times New Roman" panose="02020603050405020304" pitchFamily="18" charset="0"/>
+              </a:rPr>
+              <a:t>ret2lib</a:t>
+            </a:r>
+            <a:r>
+              <a:rPr lang="zh-CN" altLang="en-US" kern="100" smtClean="0">
+                <a:latin typeface="Consolas" panose="020B0609020204030204" pitchFamily="49" charset="0"/>
+                <a:cs typeface="Times New Roman" panose="02020603050405020304" pitchFamily="18" charset="0"/>
+              </a:rPr>
+              <a:t>的思想，整个攻击链仅仅用到了程序已有的指令</a:t>
+            </a:r>
+            <a:r>
+              <a:rPr lang="en-US" altLang="zh-CN" kern="100" smtClean="0">
+                <a:latin typeface="Consolas" panose="020B0609020204030204" pitchFamily="49" charset="0"/>
+                <a:cs typeface="Times New Roman" panose="02020603050405020304" pitchFamily="18" charset="0"/>
+              </a:rPr>
+              <a:t>gadget</a:t>
+            </a:r>
+            <a:r>
+              <a:rPr lang="zh-CN" altLang="en-US" kern="100" smtClean="0">
+                <a:latin typeface="Consolas" panose="020B0609020204030204" pitchFamily="49" charset="0"/>
+                <a:cs typeface="Times New Roman" panose="02020603050405020304" pitchFamily="18" charset="0"/>
+              </a:rPr>
+              <a:t>，并没有使用自己</a:t>
+            </a:r>
+            <a:r>
+              <a:rPr lang="en-US" altLang="zh-CN" kern="100" smtClean="0">
+                <a:latin typeface="Consolas" panose="020B0609020204030204" pitchFamily="49" charset="0"/>
+                <a:cs typeface="Times New Roman" panose="02020603050405020304" pitchFamily="18" charset="0"/>
+              </a:rPr>
+              <a:t>diy</a:t>
+            </a:r>
+            <a:r>
+              <a:rPr lang="zh-CN" altLang="en-US" kern="100" smtClean="0">
+                <a:latin typeface="Consolas" panose="020B0609020204030204" pitchFamily="49" charset="0"/>
+                <a:cs typeface="Times New Roman" panose="02020603050405020304" pitchFamily="18" charset="0"/>
+              </a:rPr>
+              <a:t>的</a:t>
+            </a:r>
+            <a:r>
+              <a:rPr lang="en-US" altLang="zh-CN" kern="100" smtClean="0">
+                <a:latin typeface="Consolas" panose="020B0609020204030204" pitchFamily="49" charset="0"/>
+                <a:cs typeface="Times New Roman" panose="02020603050405020304" pitchFamily="18" charset="0"/>
+              </a:rPr>
+              <a:t>shellcode</a:t>
+            </a:r>
+            <a:r>
+              <a:rPr lang="zh-CN" altLang="en-US" kern="100" smtClean="0">
+                <a:latin typeface="Consolas" panose="020B0609020204030204" pitchFamily="49" charset="0"/>
+                <a:cs typeface="Times New Roman" panose="02020603050405020304" pitchFamily="18" charset="0"/>
+              </a:rPr>
+              <a:t>。</a:t>
+            </a:r>
+            <a:endParaRPr lang="en-US" altLang="zh-CN" kern="100">
+              <a:latin typeface="Consolas" panose="020B0609020204030204" pitchFamily="49" charset="0"/>
+              <a:cs typeface="Times New Roman" panose="02020603050405020304" pitchFamily="18" charset="0"/>
+            </a:endParaRPr>
+          </a:p>
+          <a:p>
+            <a:pPr marL="342900" lvl="0" indent="-342900" algn="just">
+              <a:spcAft>
+                <a:spcPts val="0"/>
+              </a:spcAft>
+              <a:buFont typeface="+mj-lt"/>
+              <a:buAutoNum type="arabicPeriod"/>
+            </a:pPr>
+            <a:endParaRPr lang="en-US" altLang="zh-CN" kern="100" smtClean="0">
+              <a:latin typeface="Consolas" panose="020B0609020204030204" pitchFamily="49" charset="0"/>
+              <a:cs typeface="Times New Roman" panose="02020603050405020304" pitchFamily="18" charset="0"/>
+            </a:endParaRPr>
+          </a:p>
+          <a:p>
+            <a:pPr marL="342900" lvl="0" indent="-342900" algn="just">
+              <a:spcAft>
+                <a:spcPts val="0"/>
+              </a:spcAft>
+              <a:buFont typeface="+mj-lt"/>
+              <a:buAutoNum type="arabicPeriod"/>
+            </a:pPr>
+            <a:r>
+              <a:rPr lang="zh-CN" altLang="en-US" kern="100" smtClean="0">
+                <a:latin typeface="Consolas" panose="020B0609020204030204" pitchFamily="49" charset="0"/>
+                <a:cs typeface="Times New Roman" panose="02020603050405020304" pitchFamily="18" charset="0"/>
+              </a:rPr>
+              <a:t>第二类则在第一部分利用已有</a:t>
+            </a:r>
+            <a:r>
+              <a:rPr lang="en-US" altLang="zh-CN" kern="100" smtClean="0">
+                <a:latin typeface="Consolas" panose="020B0609020204030204" pitchFamily="49" charset="0"/>
+                <a:cs typeface="Times New Roman" panose="02020603050405020304" pitchFamily="18" charset="0"/>
+              </a:rPr>
+              <a:t>gadget</a:t>
+            </a:r>
+            <a:r>
+              <a:rPr lang="zh-CN" altLang="en-US" kern="100" smtClean="0">
+                <a:latin typeface="Consolas" panose="020B0609020204030204" pitchFamily="49" charset="0"/>
+                <a:cs typeface="Times New Roman" panose="02020603050405020304" pitchFamily="18" charset="0"/>
+              </a:rPr>
+              <a:t>，第二部分又分为两类：</a:t>
+            </a:r>
+            <a:endParaRPr lang="en-US" altLang="zh-CN" kern="100" smtClean="0">
+              <a:latin typeface="Consolas" panose="020B0609020204030204" pitchFamily="49" charset="0"/>
+              <a:cs typeface="Times New Roman" panose="02020603050405020304" pitchFamily="18" charset="0"/>
+            </a:endParaRPr>
+          </a:p>
+          <a:p>
+            <a:pPr marL="800100" lvl="1" indent="-342900" algn="just">
+              <a:buFont typeface="+mj-lt"/>
+              <a:buAutoNum type="arabicPeriod"/>
+            </a:pPr>
+            <a:r>
+              <a:rPr lang="zh-CN" altLang="en-US" kern="100" smtClean="0">
+                <a:latin typeface="Consolas" panose="020B0609020204030204" pitchFamily="49" charset="0"/>
+                <a:cs typeface="Times New Roman" panose="02020603050405020304" pitchFamily="18" charset="0"/>
+              </a:rPr>
+              <a:t>调用</a:t>
+            </a:r>
+            <a:r>
+              <a:rPr lang="en-US" altLang="zh-CN" kern="100" smtClean="0">
+                <a:latin typeface="Consolas" panose="020B0609020204030204" pitchFamily="49" charset="0"/>
+                <a:cs typeface="Times New Roman" panose="02020603050405020304" pitchFamily="18" charset="0"/>
+              </a:rPr>
+              <a:t>VirtualProtect/mprotect</a:t>
+            </a:r>
+            <a:r>
+              <a:rPr lang="zh-CN" altLang="en-US" kern="100" smtClean="0">
+                <a:latin typeface="Consolas" panose="020B0609020204030204" pitchFamily="49" charset="0"/>
+                <a:cs typeface="Times New Roman" panose="02020603050405020304" pitchFamily="18" charset="0"/>
+              </a:rPr>
+              <a:t>等函数来启用堆栈</a:t>
+            </a:r>
+            <a:r>
+              <a:rPr lang="en-US" altLang="zh-CN" kern="100" smtClean="0">
+                <a:latin typeface="Consolas" panose="020B0609020204030204" pitchFamily="49" charset="0"/>
+                <a:cs typeface="Times New Roman" panose="02020603050405020304" pitchFamily="18" charset="0"/>
+              </a:rPr>
+              <a:t>/</a:t>
+            </a:r>
+            <a:r>
+              <a:rPr lang="zh-CN" altLang="en-US" kern="100" smtClean="0">
+                <a:latin typeface="Consolas" panose="020B0609020204030204" pitchFamily="49" charset="0"/>
+                <a:cs typeface="Times New Roman" panose="02020603050405020304" pitchFamily="18" charset="0"/>
+              </a:rPr>
+              <a:t>可用数据段的</a:t>
+            </a:r>
+            <a:r>
+              <a:rPr lang="en-US" altLang="zh-CN" kern="100" smtClean="0">
+                <a:latin typeface="Consolas" panose="020B0609020204030204" pitchFamily="49" charset="0"/>
+                <a:cs typeface="Times New Roman" panose="02020603050405020304" pitchFamily="18" charset="0"/>
+              </a:rPr>
+              <a:t>X</a:t>
+            </a:r>
+            <a:r>
+              <a:rPr lang="zh-CN" altLang="en-US" kern="100" smtClean="0">
+                <a:latin typeface="Consolas" panose="020B0609020204030204" pitchFamily="49" charset="0"/>
+                <a:cs typeface="Times New Roman" panose="02020603050405020304" pitchFamily="18" charset="0"/>
+              </a:rPr>
+              <a:t>可执行权限；</a:t>
+            </a:r>
+            <a:endParaRPr lang="en-US" altLang="zh-CN" kern="100" smtClean="0">
+              <a:latin typeface="Consolas" panose="020B0609020204030204" pitchFamily="49" charset="0"/>
+              <a:cs typeface="Times New Roman" panose="02020603050405020304" pitchFamily="18" charset="0"/>
+            </a:endParaRPr>
+          </a:p>
+          <a:p>
+            <a:pPr marL="800100" lvl="1" indent="-342900" algn="just">
+              <a:buFont typeface="+mj-lt"/>
+              <a:buAutoNum type="arabicPeriod"/>
+            </a:pPr>
+            <a:r>
+              <a:rPr lang="zh-CN" altLang="en-US" kern="100" smtClean="0">
+                <a:latin typeface="Consolas" panose="020B0609020204030204" pitchFamily="49" charset="0"/>
+                <a:cs typeface="Times New Roman" panose="02020603050405020304" pitchFamily="18" charset="0"/>
+              </a:rPr>
+              <a:t>调用</a:t>
+            </a:r>
+            <a:r>
+              <a:rPr lang="en-US" altLang="zh-CN" kern="100" smtClean="0">
+                <a:latin typeface="Consolas" panose="020B0609020204030204" pitchFamily="49" charset="0"/>
+                <a:cs typeface="Times New Roman" panose="02020603050405020304" pitchFamily="18" charset="0"/>
+              </a:rPr>
+              <a:t>HeapCreate/mmap + memcpy</a:t>
+            </a:r>
+            <a:r>
+              <a:rPr lang="zh-CN" altLang="en-US" kern="100" smtClean="0">
+                <a:latin typeface="Consolas" panose="020B0609020204030204" pitchFamily="49" charset="0"/>
+                <a:cs typeface="Times New Roman" panose="02020603050405020304" pitchFamily="18" charset="0"/>
+              </a:rPr>
+              <a:t>等函数来将部署在堆栈上（栈溢出）的</a:t>
+            </a:r>
+            <a:r>
+              <a:rPr lang="en-US" altLang="zh-CN" kern="100" smtClean="0">
+                <a:latin typeface="Consolas" panose="020B0609020204030204" pitchFamily="49" charset="0"/>
+                <a:cs typeface="Times New Roman" panose="02020603050405020304" pitchFamily="18" charset="0"/>
+              </a:rPr>
+              <a:t>shellcode</a:t>
+            </a:r>
+            <a:r>
+              <a:rPr lang="zh-CN" altLang="en-US" kern="100" smtClean="0">
+                <a:latin typeface="Consolas" panose="020B0609020204030204" pitchFamily="49" charset="0"/>
+                <a:cs typeface="Times New Roman" panose="02020603050405020304" pitchFamily="18" charset="0"/>
+              </a:rPr>
+              <a:t>拷贝自新分配的内存区（堆），该内存区申请时指定</a:t>
+            </a:r>
+            <a:r>
+              <a:rPr lang="en-US" altLang="zh-CN" kern="100" smtClean="0">
+                <a:latin typeface="Consolas" panose="020B0609020204030204" pitchFamily="49" charset="0"/>
+                <a:cs typeface="Times New Roman" panose="02020603050405020304" pitchFamily="18" charset="0"/>
+              </a:rPr>
+              <a:t>X</a:t>
+            </a:r>
+            <a:r>
+              <a:rPr lang="zh-CN" altLang="en-US" kern="100" smtClean="0">
+                <a:latin typeface="Consolas" panose="020B0609020204030204" pitchFamily="49" charset="0"/>
+                <a:cs typeface="Times New Roman" panose="02020603050405020304" pitchFamily="18" charset="0"/>
+              </a:rPr>
+              <a:t>可执行属性。</a:t>
+            </a:r>
+            <a:endParaRPr lang="en-US" altLang="zh-CN" kern="100" dirty="0">
+              <a:latin typeface="Consolas" panose="020B0609020204030204" pitchFamily="49" charset="0"/>
+              <a:cs typeface="Times New Roman" panose="02020603050405020304" pitchFamily="18" charset="0"/>
+            </a:endParaRPr>
+          </a:p>
+          <a:p>
+            <a:pPr lvl="0" algn="just">
+              <a:spcAft>
+                <a:spcPts val="0"/>
+              </a:spcAft>
+            </a:pPr>
+            <a:endParaRPr lang="en-US" altLang="zh-CN" kern="100" smtClean="0">
+              <a:latin typeface="Consolas" panose="020B0609020204030204" pitchFamily="49" charset="0"/>
+              <a:cs typeface="Times New Roman" panose="02020603050405020304" pitchFamily="18" charset="0"/>
+            </a:endParaRPr>
+          </a:p>
+          <a:p>
+            <a:pPr lvl="0" algn="just">
+              <a:spcAft>
+                <a:spcPts val="0"/>
+              </a:spcAft>
+            </a:pPr>
+            <a:r>
+              <a:rPr lang="zh-CN" altLang="en-US" kern="100" smtClean="0">
+                <a:latin typeface="Consolas" panose="020B0609020204030204" pitchFamily="49" charset="0"/>
+                <a:cs typeface="Times New Roman" panose="02020603050405020304" pitchFamily="18" charset="0"/>
+              </a:rPr>
+              <a:t>此外，各个平台还有自己特立独行的方法，比如</a:t>
+            </a:r>
+            <a:r>
+              <a:rPr lang="en-US" altLang="zh-CN" kern="100" smtClean="0">
+                <a:latin typeface="Consolas" panose="020B0609020204030204" pitchFamily="49" charset="0"/>
+                <a:cs typeface="Times New Roman" panose="02020603050405020304" pitchFamily="18" charset="0"/>
+              </a:rPr>
+              <a:t>Windows</a:t>
+            </a:r>
+            <a:r>
+              <a:rPr lang="zh-CN" altLang="en-US" kern="100" smtClean="0">
+                <a:latin typeface="Consolas" panose="020B0609020204030204" pitchFamily="49" charset="0"/>
+                <a:cs typeface="Times New Roman" panose="02020603050405020304" pitchFamily="18" charset="0"/>
+              </a:rPr>
+              <a:t>还有</a:t>
+            </a:r>
+            <a:r>
+              <a:rPr lang="en-US" altLang="zh-CN" smtClean="0">
+                <a:latin typeface="Consolas" panose="020B0609020204030204" pitchFamily="49" charset="0"/>
+              </a:rPr>
+              <a:t>SetProcessDEPPolicy</a:t>
+            </a:r>
+            <a:r>
+              <a:rPr lang="zh-CN" altLang="en-US" smtClean="0">
+                <a:latin typeface="Consolas" panose="020B0609020204030204" pitchFamily="49" charset="0"/>
+              </a:rPr>
+              <a:t>和</a:t>
+            </a:r>
+            <a:r>
+              <a:rPr lang="en-US" altLang="zh-CN" smtClean="0">
+                <a:latin typeface="Consolas" panose="020B0609020204030204" pitchFamily="49" charset="0"/>
+              </a:rPr>
+              <a:t>NtSetInformationProcess</a:t>
+            </a:r>
+            <a:r>
+              <a:rPr lang="zh-CN" altLang="en-US" smtClean="0">
+                <a:latin typeface="Consolas" panose="020B0609020204030204" pitchFamily="49" charset="0"/>
+              </a:rPr>
+              <a:t>。</a:t>
+            </a:r>
+            <a:endParaRPr lang="en-US" altLang="zh-CN" kern="100" smtClean="0">
+              <a:latin typeface="Consolas" panose="020B0609020204030204" pitchFamily="49" charset="0"/>
+              <a:cs typeface="Times New Roman" panose="02020603050405020304" pitchFamily="18" charset="0"/>
+            </a:endParaRPr>
+          </a:p>
+        </p:txBody>
+      </p:sp>
+    </p:spTree>
+    <p:extLst>
+      <p:ext uri="{BB962C8B-B14F-4D97-AF65-F5344CB8AC3E}">
+        <p14:creationId xmlns:p14="http://schemas.microsoft.com/office/powerpoint/2010/main" val="2532715983"/>
+      </p:ext>
+    </p:extLst>
+  </p:cSld>
+  <p:clrMapOvr>
+    <a:masterClrMapping/>
+  </p:clrMapOvr>
+  <p:timing>
+    <p:tnLst>
+      <p:par>
+        <p:cTn id="1" dur="indefinite" restart="never" nodeType="tmRoot">
+          <p:childTnLst>
+            <p:seq concurrent="1" nextAc="seek">
+              <p:cTn id="2" dur="indefinite" nodeType="mainSeq">
+                <p:childTnLst>
+                  <p:par>
+                    <p:cTn id="3" fill="hold">
+                      <p:stCondLst>
+                        <p:cond delay="indefinite"/>
+                      </p:stCondLst>
+                      <p:childTnLst>
+                        <p:par>
+                          <p:cTn id="4" fill="hold">
+                            <p:stCondLst>
+                              <p:cond delay="0"/>
+                            </p:stCondLst>
+                            <p:childTnLst>
+                              <p:par>
+                                <p:cTn id="5" presetID="42" presetClass="entr" presetSubtype="0" fill="hold" nodeType="clickEffect">
+                                  <p:stCondLst>
+                                    <p:cond delay="0"/>
+                                  </p:stCondLst>
+                                  <p:childTnLst>
+                                    <p:set>
+                                      <p:cBhvr>
+                                        <p:cTn id="6" dur="1" fill="hold">
+                                          <p:stCondLst>
+                                            <p:cond delay="0"/>
+                                          </p:stCondLst>
+                                        </p:cTn>
+                                        <p:tgtEl>
+                                          <p:spTgt spid="6">
+                                            <p:txEl>
+                                              <p:pRg st="0" end="0"/>
+                                            </p:txEl>
+                                          </p:spTgt>
+                                        </p:tgtEl>
+                                        <p:attrNameLst>
+                                          <p:attrName>style.visibility</p:attrName>
+                                        </p:attrNameLst>
+                                      </p:cBhvr>
+                                      <p:to>
+                                        <p:strVal val="visible"/>
+                                      </p:to>
+                                    </p:set>
+                                    <p:animEffect transition="in" filter="fade">
+                                      <p:cBhvr>
+                                        <p:cTn id="7" dur="1000"/>
+                                        <p:tgtEl>
+                                          <p:spTgt spid="6">
+                                            <p:txEl>
+                                              <p:pRg st="0" end="0"/>
+                                            </p:txEl>
+                                          </p:spTgt>
+                                        </p:tgtEl>
+                                      </p:cBhvr>
+                                    </p:animEffect>
+                                    <p:anim calcmode="lin" valueType="num">
+                                      <p:cBhvr>
+                                        <p:cTn id="8" dur="1000" fill="hold"/>
+                                        <p:tgtEl>
+                                          <p:spTgt spid="6">
+                                            <p:txEl>
+                                              <p:pRg st="0" end="0"/>
+                                            </p:txEl>
+                                          </p:spTgt>
+                                        </p:tgtEl>
+                                        <p:attrNameLst>
+                                          <p:attrName>ppt_x</p:attrName>
+                                        </p:attrNameLst>
+                                      </p:cBhvr>
+                                      <p:tavLst>
+                                        <p:tav tm="0">
+                                          <p:val>
+                                            <p:strVal val="#ppt_x"/>
+                                          </p:val>
+                                        </p:tav>
+                                        <p:tav tm="100000">
+                                          <p:val>
+                                            <p:strVal val="#ppt_x"/>
+                                          </p:val>
+                                        </p:tav>
+                                      </p:tavLst>
+                                    </p:anim>
+                                    <p:anim calcmode="lin" valueType="num">
+                                      <p:cBhvr>
+                                        <p:cTn id="9" dur="1000" fill="hold"/>
+                                        <p:tgtEl>
+                                          <p:spTgt spid="6">
+                                            <p:txEl>
+                                              <p:pRg st="0" end="0"/>
+                                            </p:txEl>
+                                          </p:spTgt>
+                                        </p:tgtEl>
+                                        <p:attrNameLst>
+                                          <p:attrName>ppt_y</p:attrName>
+                                        </p:attrNameLst>
+                                      </p:cBhvr>
+                                      <p:tavLst>
+                                        <p:tav tm="0">
+                                          <p:val>
+                                            <p:strVal val="#ppt_y+.1"/>
+                                          </p:val>
+                                        </p:tav>
+                                        <p:tav tm="100000">
+                                          <p:val>
+                                            <p:strVal val="#ppt_y"/>
+                                          </p:val>
+                                        </p:tav>
+                                      </p:tavLst>
+                                    </p:anim>
+                                  </p:childTnLst>
+                                </p:cTn>
+                              </p:par>
+                            </p:childTnLst>
+                          </p:cTn>
+                        </p:par>
+                      </p:childTnLst>
+                    </p:cTn>
+                  </p:par>
+                  <p:par>
+                    <p:cTn id="10" fill="hold">
+                      <p:stCondLst>
+                        <p:cond delay="indefinite"/>
+                      </p:stCondLst>
+                      <p:childTnLst>
+                        <p:par>
+                          <p:cTn id="11" fill="hold">
+                            <p:stCondLst>
+                              <p:cond delay="0"/>
+                            </p:stCondLst>
+                            <p:childTnLst>
+                              <p:par>
+                                <p:cTn id="12" presetID="42" presetClass="entr" presetSubtype="0" fill="hold" nodeType="clickEffect">
+                                  <p:stCondLst>
+                                    <p:cond delay="0"/>
+                                  </p:stCondLst>
+                                  <p:childTnLst>
+                                    <p:set>
+                                      <p:cBhvr>
+                                        <p:cTn id="13" dur="1" fill="hold">
+                                          <p:stCondLst>
+                                            <p:cond delay="0"/>
+                                          </p:stCondLst>
+                                        </p:cTn>
+                                        <p:tgtEl>
+                                          <p:spTgt spid="6">
+                                            <p:txEl>
+                                              <p:pRg st="2" end="2"/>
+                                            </p:txEl>
+                                          </p:spTgt>
+                                        </p:tgtEl>
+                                        <p:attrNameLst>
+                                          <p:attrName>style.visibility</p:attrName>
+                                        </p:attrNameLst>
+                                      </p:cBhvr>
+                                      <p:to>
+                                        <p:strVal val="visible"/>
+                                      </p:to>
+                                    </p:set>
+                                    <p:animEffect transition="in" filter="fade">
+                                      <p:cBhvr>
+                                        <p:cTn id="14" dur="1000"/>
+                                        <p:tgtEl>
+                                          <p:spTgt spid="6">
+                                            <p:txEl>
+                                              <p:pRg st="2" end="2"/>
+                                            </p:txEl>
+                                          </p:spTgt>
+                                        </p:tgtEl>
+                                      </p:cBhvr>
+                                    </p:animEffect>
+                                    <p:anim calcmode="lin" valueType="num">
+                                      <p:cBhvr>
+                                        <p:cTn id="15" dur="1000" fill="hold"/>
+                                        <p:tgtEl>
+                                          <p:spTgt spid="6">
+                                            <p:txEl>
+                                              <p:pRg st="2" end="2"/>
+                                            </p:txEl>
+                                          </p:spTgt>
+                                        </p:tgtEl>
+                                        <p:attrNameLst>
+                                          <p:attrName>ppt_x</p:attrName>
+                                        </p:attrNameLst>
+                                      </p:cBhvr>
+                                      <p:tavLst>
+                                        <p:tav tm="0">
+                                          <p:val>
+                                            <p:strVal val="#ppt_x"/>
+                                          </p:val>
+                                        </p:tav>
+                                        <p:tav tm="100000">
+                                          <p:val>
+                                            <p:strVal val="#ppt_x"/>
+                                          </p:val>
+                                        </p:tav>
+                                      </p:tavLst>
+                                    </p:anim>
+                                    <p:anim calcmode="lin" valueType="num">
+                                      <p:cBhvr>
+                                        <p:cTn id="16" dur="1000" fill="hold"/>
+                                        <p:tgtEl>
+                                          <p:spTgt spid="6">
+                                            <p:txEl>
+                                              <p:pRg st="2" end="2"/>
+                                            </p:txEl>
+                                          </p:spTgt>
+                                        </p:tgtEl>
+                                        <p:attrNameLst>
+                                          <p:attrName>ppt_y</p:attrName>
+                                        </p:attrNameLst>
+                                      </p:cBhvr>
+                                      <p:tavLst>
+                                        <p:tav tm="0">
+                                          <p:val>
+                                            <p:strVal val="#ppt_y+.1"/>
+                                          </p:val>
+                                        </p:tav>
+                                        <p:tav tm="100000">
+                                          <p:val>
+                                            <p:strVal val="#ppt_y"/>
+                                          </p:val>
+                                        </p:tav>
+                                      </p:tavLst>
+                                    </p:anim>
+                                  </p:childTnLst>
+                                </p:cTn>
+                              </p:par>
+                            </p:childTnLst>
+                          </p:cTn>
+                        </p:par>
+                      </p:childTnLst>
+                    </p:cTn>
+                  </p:par>
+                  <p:par>
+                    <p:cTn id="17" fill="hold">
+                      <p:stCondLst>
+                        <p:cond delay="indefinite"/>
+                      </p:stCondLst>
+                      <p:childTnLst>
+                        <p:par>
+                          <p:cTn id="18" fill="hold">
+                            <p:stCondLst>
+                              <p:cond delay="0"/>
+                            </p:stCondLst>
+                            <p:childTnLst>
+                              <p:par>
+                                <p:cTn id="19" presetID="42" presetClass="entr" presetSubtype="0" fill="hold" nodeType="clickEffect">
+                                  <p:stCondLst>
+                                    <p:cond delay="0"/>
+                                  </p:stCondLst>
+                                  <p:childTnLst>
+                                    <p:set>
+                                      <p:cBhvr>
+                                        <p:cTn id="20" dur="1" fill="hold">
+                                          <p:stCondLst>
+                                            <p:cond delay="0"/>
+                                          </p:stCondLst>
+                                        </p:cTn>
+                                        <p:tgtEl>
+                                          <p:spTgt spid="6">
+                                            <p:txEl>
+                                              <p:pRg st="4" end="4"/>
+                                            </p:txEl>
+                                          </p:spTgt>
+                                        </p:tgtEl>
+                                        <p:attrNameLst>
+                                          <p:attrName>style.visibility</p:attrName>
+                                        </p:attrNameLst>
+                                      </p:cBhvr>
+                                      <p:to>
+                                        <p:strVal val="visible"/>
+                                      </p:to>
+                                    </p:set>
+                                    <p:animEffect transition="in" filter="fade">
+                                      <p:cBhvr>
+                                        <p:cTn id="21" dur="1000"/>
+                                        <p:tgtEl>
+                                          <p:spTgt spid="6">
+                                            <p:txEl>
+                                              <p:pRg st="4" end="4"/>
+                                            </p:txEl>
+                                          </p:spTgt>
+                                        </p:tgtEl>
+                                      </p:cBhvr>
+                                    </p:animEffect>
+                                    <p:anim calcmode="lin" valueType="num">
+                                      <p:cBhvr>
+                                        <p:cTn id="22" dur="1000" fill="hold"/>
+                                        <p:tgtEl>
+                                          <p:spTgt spid="6">
+                                            <p:txEl>
+                                              <p:pRg st="4" end="4"/>
+                                            </p:txEl>
+                                          </p:spTgt>
+                                        </p:tgtEl>
+                                        <p:attrNameLst>
+                                          <p:attrName>ppt_x</p:attrName>
+                                        </p:attrNameLst>
+                                      </p:cBhvr>
+                                      <p:tavLst>
+                                        <p:tav tm="0">
+                                          <p:val>
+                                            <p:strVal val="#ppt_x"/>
+                                          </p:val>
+                                        </p:tav>
+                                        <p:tav tm="100000">
+                                          <p:val>
+                                            <p:strVal val="#ppt_x"/>
+                                          </p:val>
+                                        </p:tav>
+                                      </p:tavLst>
+                                    </p:anim>
+                                    <p:anim calcmode="lin" valueType="num">
+                                      <p:cBhvr>
+                                        <p:cTn id="23" dur="1000" fill="hold"/>
+                                        <p:tgtEl>
+                                          <p:spTgt spid="6">
+                                            <p:txEl>
+                                              <p:pRg st="4" end="4"/>
+                                            </p:txEl>
+                                          </p:spTgt>
+                                        </p:tgtEl>
+                                        <p:attrNameLst>
+                                          <p:attrName>ppt_y</p:attrName>
+                                        </p:attrNameLst>
+                                      </p:cBhvr>
+                                      <p:tavLst>
+                                        <p:tav tm="0">
+                                          <p:val>
+                                            <p:strVal val="#ppt_y+.1"/>
+                                          </p:val>
+                                        </p:tav>
+                                        <p:tav tm="100000">
+                                          <p:val>
+                                            <p:strVal val="#ppt_y"/>
+                                          </p:val>
+                                        </p:tav>
+                                      </p:tavLst>
+                                    </p:anim>
+                                  </p:childTnLst>
+                                </p:cTn>
+                              </p:par>
+                            </p:childTnLst>
+                          </p:cTn>
+                        </p:par>
+                      </p:childTnLst>
+                    </p:cTn>
+                  </p:par>
+                  <p:par>
+                    <p:cTn id="24" fill="hold">
+                      <p:stCondLst>
+                        <p:cond delay="indefinite"/>
+                      </p:stCondLst>
+                      <p:childTnLst>
+                        <p:par>
+                          <p:cTn id="25" fill="hold">
+                            <p:stCondLst>
+                              <p:cond delay="0"/>
+                            </p:stCondLst>
+                            <p:childTnLst>
+                              <p:par>
+                                <p:cTn id="26" presetID="42" presetClass="entr" presetSubtype="0" fill="hold" nodeType="clickEffect">
+                                  <p:stCondLst>
+                                    <p:cond delay="0"/>
+                                  </p:stCondLst>
+                                  <p:childTnLst>
+                                    <p:set>
+                                      <p:cBhvr>
+                                        <p:cTn id="27" dur="1" fill="hold">
+                                          <p:stCondLst>
+                                            <p:cond delay="0"/>
+                                          </p:stCondLst>
+                                        </p:cTn>
+                                        <p:tgtEl>
+                                          <p:spTgt spid="6">
+                                            <p:txEl>
+                                              <p:pRg st="5" end="5"/>
+                                            </p:txEl>
+                                          </p:spTgt>
+                                        </p:tgtEl>
+                                        <p:attrNameLst>
+                                          <p:attrName>style.visibility</p:attrName>
+                                        </p:attrNameLst>
+                                      </p:cBhvr>
+                                      <p:to>
+                                        <p:strVal val="visible"/>
+                                      </p:to>
+                                    </p:set>
+                                    <p:animEffect transition="in" filter="fade">
+                                      <p:cBhvr>
+                                        <p:cTn id="28" dur="1000"/>
+                                        <p:tgtEl>
+                                          <p:spTgt spid="6">
+                                            <p:txEl>
+                                              <p:pRg st="5" end="5"/>
+                                            </p:txEl>
+                                          </p:spTgt>
+                                        </p:tgtEl>
+                                      </p:cBhvr>
+                                    </p:animEffect>
+                                    <p:anim calcmode="lin" valueType="num">
+                                      <p:cBhvr>
+                                        <p:cTn id="29" dur="1000" fill="hold"/>
+                                        <p:tgtEl>
+                                          <p:spTgt spid="6">
+                                            <p:txEl>
+                                              <p:pRg st="5" end="5"/>
+                                            </p:txEl>
+                                          </p:spTgt>
+                                        </p:tgtEl>
+                                        <p:attrNameLst>
+                                          <p:attrName>ppt_x</p:attrName>
+                                        </p:attrNameLst>
+                                      </p:cBhvr>
+                                      <p:tavLst>
+                                        <p:tav tm="0">
+                                          <p:val>
+                                            <p:strVal val="#ppt_x"/>
+                                          </p:val>
+                                        </p:tav>
+                                        <p:tav tm="100000">
+                                          <p:val>
+                                            <p:strVal val="#ppt_x"/>
+                                          </p:val>
+                                        </p:tav>
+                                      </p:tavLst>
+                                    </p:anim>
+                                    <p:anim calcmode="lin" valueType="num">
+                                      <p:cBhvr>
+                                        <p:cTn id="30" dur="1000" fill="hold"/>
+                                        <p:tgtEl>
+                                          <p:spTgt spid="6">
+                                            <p:txEl>
+                                              <p:pRg st="5" end="5"/>
+                                            </p:txEl>
+                                          </p:spTgt>
+                                        </p:tgtEl>
+                                        <p:attrNameLst>
+                                          <p:attrName>ppt_y</p:attrName>
+                                        </p:attrNameLst>
+                                      </p:cBhvr>
+                                      <p:tavLst>
+                                        <p:tav tm="0">
+                                          <p:val>
+                                            <p:strVal val="#ppt_y+.1"/>
+                                          </p:val>
+                                        </p:tav>
+                                        <p:tav tm="100000">
+                                          <p:val>
+                                            <p:strVal val="#ppt_y"/>
+                                          </p:val>
+                                        </p:tav>
+                                      </p:tavLst>
+                                    </p:anim>
+                                  </p:childTnLst>
+                                </p:cTn>
+                              </p:par>
+                            </p:childTnLst>
+                          </p:cTn>
+                        </p:par>
+                      </p:childTnLst>
+                    </p:cTn>
+                  </p:par>
+                  <p:par>
+                    <p:cTn id="31" fill="hold">
+                      <p:stCondLst>
+                        <p:cond delay="indefinite"/>
+                      </p:stCondLst>
+                      <p:childTnLst>
+                        <p:par>
+                          <p:cTn id="32" fill="hold">
+                            <p:stCondLst>
+                              <p:cond delay="0"/>
+                            </p:stCondLst>
+                            <p:childTnLst>
+                              <p:par>
+                                <p:cTn id="33" presetID="42" presetClass="entr" presetSubtype="0" fill="hold" nodeType="clickEffect">
+                                  <p:stCondLst>
+                                    <p:cond delay="0"/>
+                                  </p:stCondLst>
+                                  <p:childTnLst>
+                                    <p:set>
+                                      <p:cBhvr>
+                                        <p:cTn id="34" dur="1" fill="hold">
+                                          <p:stCondLst>
+                                            <p:cond delay="0"/>
+                                          </p:stCondLst>
+                                        </p:cTn>
+                                        <p:tgtEl>
+                                          <p:spTgt spid="6">
+                                            <p:txEl>
+                                              <p:pRg st="6" end="6"/>
+                                            </p:txEl>
+                                          </p:spTgt>
+                                        </p:tgtEl>
+                                        <p:attrNameLst>
+                                          <p:attrName>style.visibility</p:attrName>
+                                        </p:attrNameLst>
+                                      </p:cBhvr>
+                                      <p:to>
+                                        <p:strVal val="visible"/>
+                                      </p:to>
+                                    </p:set>
+                                    <p:animEffect transition="in" filter="fade">
+                                      <p:cBhvr>
+                                        <p:cTn id="35" dur="1000"/>
+                                        <p:tgtEl>
+                                          <p:spTgt spid="6">
+                                            <p:txEl>
+                                              <p:pRg st="6" end="6"/>
+                                            </p:txEl>
+                                          </p:spTgt>
+                                        </p:tgtEl>
+                                      </p:cBhvr>
+                                    </p:animEffect>
+                                    <p:anim calcmode="lin" valueType="num">
+                                      <p:cBhvr>
+                                        <p:cTn id="36" dur="1000" fill="hold"/>
+                                        <p:tgtEl>
+                                          <p:spTgt spid="6">
+                                            <p:txEl>
+                                              <p:pRg st="6" end="6"/>
+                                            </p:txEl>
+                                          </p:spTgt>
+                                        </p:tgtEl>
+                                        <p:attrNameLst>
+                                          <p:attrName>ppt_x</p:attrName>
+                                        </p:attrNameLst>
+                                      </p:cBhvr>
+                                      <p:tavLst>
+                                        <p:tav tm="0">
+                                          <p:val>
+                                            <p:strVal val="#ppt_x"/>
+                                          </p:val>
+                                        </p:tav>
+                                        <p:tav tm="100000">
+                                          <p:val>
+                                            <p:strVal val="#ppt_x"/>
+                                          </p:val>
+                                        </p:tav>
+                                      </p:tavLst>
+                                    </p:anim>
+                                    <p:anim calcmode="lin" valueType="num">
+                                      <p:cBhvr>
+                                        <p:cTn id="37" dur="1000" fill="hold"/>
+                                        <p:tgtEl>
+                                          <p:spTgt spid="6">
+                                            <p:txEl>
+                                              <p:pRg st="6" end="6"/>
+                                            </p:txEl>
+                                          </p:spTgt>
+                                        </p:tgtEl>
+                                        <p:attrNameLst>
+                                          <p:attrName>ppt_y</p:attrName>
+                                        </p:attrNameLst>
+                                      </p:cBhvr>
+                                      <p:tavLst>
+                                        <p:tav tm="0">
+                                          <p:val>
+                                            <p:strVal val="#ppt_y+.1"/>
+                                          </p:val>
+                                        </p:tav>
+                                        <p:tav tm="100000">
+                                          <p:val>
+                                            <p:strVal val="#ppt_y"/>
+                                          </p:val>
+                                        </p:tav>
+                                      </p:tavLst>
+                                    </p:anim>
+                                  </p:childTnLst>
+                                </p:cTn>
+                              </p:par>
+                            </p:childTnLst>
+                          </p:cTn>
+                        </p:par>
+                      </p:childTnLst>
+                    </p:cTn>
+                  </p:par>
+                  <p:par>
+                    <p:cTn id="38" fill="hold">
+                      <p:stCondLst>
+                        <p:cond delay="indefinite"/>
+                      </p:stCondLst>
+                      <p:childTnLst>
+                        <p:par>
+                          <p:cTn id="39" fill="hold">
+                            <p:stCondLst>
+                              <p:cond delay="0"/>
+                            </p:stCondLst>
+                            <p:childTnLst>
+                              <p:par>
+                                <p:cTn id="40" presetID="42" presetClass="entr" presetSubtype="0" fill="hold" nodeType="clickEffect">
+                                  <p:stCondLst>
+                                    <p:cond delay="0"/>
+                                  </p:stCondLst>
+                                  <p:childTnLst>
+                                    <p:set>
+                                      <p:cBhvr>
+                                        <p:cTn id="41" dur="1" fill="hold">
+                                          <p:stCondLst>
+                                            <p:cond delay="0"/>
+                                          </p:stCondLst>
+                                        </p:cTn>
+                                        <p:tgtEl>
+                                          <p:spTgt spid="6">
+                                            <p:txEl>
+                                              <p:pRg st="8" end="8"/>
+                                            </p:txEl>
+                                          </p:spTgt>
+                                        </p:tgtEl>
+                                        <p:attrNameLst>
+                                          <p:attrName>style.visibility</p:attrName>
+                                        </p:attrNameLst>
+                                      </p:cBhvr>
+                                      <p:to>
+                                        <p:strVal val="visible"/>
+                                      </p:to>
+                                    </p:set>
+                                    <p:animEffect transition="in" filter="fade">
+                                      <p:cBhvr>
+                                        <p:cTn id="42" dur="1000"/>
+                                        <p:tgtEl>
+                                          <p:spTgt spid="6">
+                                            <p:txEl>
+                                              <p:pRg st="8" end="8"/>
+                                            </p:txEl>
+                                          </p:spTgt>
+                                        </p:tgtEl>
+                                      </p:cBhvr>
+                                    </p:animEffect>
+                                    <p:anim calcmode="lin" valueType="num">
+                                      <p:cBhvr>
+                                        <p:cTn id="43" dur="1000" fill="hold"/>
+                                        <p:tgtEl>
+                                          <p:spTgt spid="6">
+                                            <p:txEl>
+                                              <p:pRg st="8" end="8"/>
+                                            </p:txEl>
+                                          </p:spTgt>
+                                        </p:tgtEl>
+                                        <p:attrNameLst>
+                                          <p:attrName>ppt_x</p:attrName>
+                                        </p:attrNameLst>
+                                      </p:cBhvr>
+                                      <p:tavLst>
+                                        <p:tav tm="0">
+                                          <p:val>
+                                            <p:strVal val="#ppt_x"/>
+                                          </p:val>
+                                        </p:tav>
+                                        <p:tav tm="100000">
+                                          <p:val>
+                                            <p:strVal val="#ppt_x"/>
+                                          </p:val>
+                                        </p:tav>
+                                      </p:tavLst>
+                                    </p:anim>
+                                    <p:anim calcmode="lin" valueType="num">
+                                      <p:cBhvr>
+                                        <p:cTn id="44" dur="1000" fill="hold"/>
+                                        <p:tgtEl>
+                                          <p:spTgt spid="6">
+                                            <p:txEl>
+                                              <p:pRg st="8" end="8"/>
+                                            </p:txEl>
+                                          </p:spTgt>
+                                        </p:tgtEl>
+                                        <p:attrNameLst>
+                                          <p:attrName>ppt_y</p:attrName>
+                                        </p:attrNameLst>
+                                      </p:cBhvr>
+                                      <p:tavLst>
+                                        <p:tav tm="0">
+                                          <p:val>
+                                            <p:strVal val="#ppt_y+.1"/>
+                                          </p:val>
+                                        </p:tav>
+                                        <p:tav tm="100000">
+                                          <p:val>
+                                            <p:strVal val="#ppt_y"/>
+                                          </p:val>
+                                        </p:tav>
+                                      </p:tavLst>
+                                    </p:anim>
+                                  </p:childTnLst>
+                                </p:cTn>
+                              </p:par>
+                            </p:childTnLst>
+                          </p:cTn>
+                        </p:par>
+                      </p:childTnLst>
+                    </p:cTn>
+                  </p:par>
+                </p:childTnLst>
+              </p:cTn>
+              <p:prevCondLst>
+                <p:cond evt="onPrev" delay="0">
+                  <p:tgtEl>
+                    <p:sldTgt/>
+                  </p:tgtEl>
+                </p:cond>
+              </p:prevCondLst>
+              <p:nextCondLst>
+                <p:cond evt="onNext" delay="0">
+                  <p:tgtEl>
+                    <p:sldTgt/>
+                  </p:tgtEl>
+                </p:cond>
+              </p:nextCondLst>
+            </p:seq>
+          </p:childTnLst>
+        </p:cTn>
       </p:par>
     </p:tnLst>
   </p:timing>
 </p:sld>
 </file>
 
-<file path=ppt/slides/slide3.xml><?xml version="1.0" encoding="utf-8"?>
+<file path=ppt/slides/slide4.xml><?xml version="1.0" encoding="utf-8"?>
 <p:sld xmlns:a="http://schemas.openxmlformats.org/drawingml/2006/main" xmlns:r="http://schemas.openxmlformats.org/officeDocument/2006/relationships" xmlns:p="http://schemas.openxmlformats.org/presentationml/2006/main">
   <p:cSld>
     <p:spTree>
@@ -7249,14 +9834,239 @@
   <p:timing>
     <p:tnLst>
       <p:par>
-        <p:cTn id="1" dur="indefinite" restart="never" nodeType="tmRoot"/>
+        <p:cTn id="1" dur="indefinite" restart="never" nodeType="tmRoot">
+          <p:childTnLst>
+            <p:seq concurrent="1" nextAc="seek">
+              <p:cTn id="2" dur="indefinite" nodeType="mainSeq">
+                <p:childTnLst>
+                  <p:par>
+                    <p:cTn id="3" fill="hold">
+                      <p:stCondLst>
+                        <p:cond delay="indefinite"/>
+                      </p:stCondLst>
+                      <p:childTnLst>
+                        <p:par>
+                          <p:cTn id="4" fill="hold">
+                            <p:stCondLst>
+                              <p:cond delay="0"/>
+                            </p:stCondLst>
+                            <p:childTnLst>
+                              <p:par>
+                                <p:cTn id="5" presetID="42" presetClass="entr" presetSubtype="0" fill="hold" grpId="0" nodeType="clickEffect">
+                                  <p:stCondLst>
+                                    <p:cond delay="0"/>
+                                  </p:stCondLst>
+                                  <p:childTnLst>
+                                    <p:set>
+                                      <p:cBhvr>
+                                        <p:cTn id="6" dur="1" fill="hold">
+                                          <p:stCondLst>
+                                            <p:cond delay="0"/>
+                                          </p:stCondLst>
+                                        </p:cTn>
+                                        <p:tgtEl>
+                                          <p:spTgt spid="3"/>
+                                        </p:tgtEl>
+                                        <p:attrNameLst>
+                                          <p:attrName>style.visibility</p:attrName>
+                                        </p:attrNameLst>
+                                      </p:cBhvr>
+                                      <p:to>
+                                        <p:strVal val="visible"/>
+                                      </p:to>
+                                    </p:set>
+                                    <p:animEffect transition="in" filter="fade">
+                                      <p:cBhvr>
+                                        <p:cTn id="7" dur="1000"/>
+                                        <p:tgtEl>
+                                          <p:spTgt spid="3"/>
+                                        </p:tgtEl>
+                                      </p:cBhvr>
+                                    </p:animEffect>
+                                    <p:anim calcmode="lin" valueType="num">
+                                      <p:cBhvr>
+                                        <p:cTn id="8" dur="1000" fill="hold"/>
+                                        <p:tgtEl>
+                                          <p:spTgt spid="3"/>
+                                        </p:tgtEl>
+                                        <p:attrNameLst>
+                                          <p:attrName>ppt_x</p:attrName>
+                                        </p:attrNameLst>
+                                      </p:cBhvr>
+                                      <p:tavLst>
+                                        <p:tav tm="0">
+                                          <p:val>
+                                            <p:strVal val="#ppt_x"/>
+                                          </p:val>
+                                        </p:tav>
+                                        <p:tav tm="100000">
+                                          <p:val>
+                                            <p:strVal val="#ppt_x"/>
+                                          </p:val>
+                                        </p:tav>
+                                      </p:tavLst>
+                                    </p:anim>
+                                    <p:anim calcmode="lin" valueType="num">
+                                      <p:cBhvr>
+                                        <p:cTn id="9" dur="1000" fill="hold"/>
+                                        <p:tgtEl>
+                                          <p:spTgt spid="3"/>
+                                        </p:tgtEl>
+                                        <p:attrNameLst>
+                                          <p:attrName>ppt_y</p:attrName>
+                                        </p:attrNameLst>
+                                      </p:cBhvr>
+                                      <p:tavLst>
+                                        <p:tav tm="0">
+                                          <p:val>
+                                            <p:strVal val="#ppt_y+.1"/>
+                                          </p:val>
+                                        </p:tav>
+                                        <p:tav tm="100000">
+                                          <p:val>
+                                            <p:strVal val="#ppt_y"/>
+                                          </p:val>
+                                        </p:tav>
+                                      </p:tavLst>
+                                    </p:anim>
+                                  </p:childTnLst>
+                                </p:cTn>
+                              </p:par>
+                            </p:childTnLst>
+                          </p:cTn>
+                        </p:par>
+                      </p:childTnLst>
+                    </p:cTn>
+                  </p:par>
+                  <p:par>
+                    <p:cTn id="10" fill="hold">
+                      <p:stCondLst>
+                        <p:cond delay="indefinite"/>
+                      </p:stCondLst>
+                      <p:childTnLst>
+                        <p:par>
+                          <p:cTn id="11" fill="hold">
+                            <p:stCondLst>
+                              <p:cond delay="0"/>
+                            </p:stCondLst>
+                            <p:childTnLst>
+                              <p:par>
+                                <p:cTn id="12" presetID="42" presetClass="entr" presetSubtype="0" fill="hold" grpId="0" nodeType="clickEffect">
+                                  <p:stCondLst>
+                                    <p:cond delay="0"/>
+                                  </p:stCondLst>
+                                  <p:childTnLst>
+                                    <p:set>
+                                      <p:cBhvr>
+                                        <p:cTn id="13" dur="1" fill="hold">
+                                          <p:stCondLst>
+                                            <p:cond delay="0"/>
+                                          </p:stCondLst>
+                                        </p:cTn>
+                                        <p:tgtEl>
+                                          <p:spTgt spid="9"/>
+                                        </p:tgtEl>
+                                        <p:attrNameLst>
+                                          <p:attrName>style.visibility</p:attrName>
+                                        </p:attrNameLst>
+                                      </p:cBhvr>
+                                      <p:to>
+                                        <p:strVal val="visible"/>
+                                      </p:to>
+                                    </p:set>
+                                    <p:animEffect transition="in" filter="fade">
+                                      <p:cBhvr>
+                                        <p:cTn id="14" dur="1000"/>
+                                        <p:tgtEl>
+                                          <p:spTgt spid="9"/>
+                                        </p:tgtEl>
+                                      </p:cBhvr>
+                                    </p:animEffect>
+                                    <p:anim calcmode="lin" valueType="num">
+                                      <p:cBhvr>
+                                        <p:cTn id="15" dur="1000" fill="hold"/>
+                                        <p:tgtEl>
+                                          <p:spTgt spid="9"/>
+                                        </p:tgtEl>
+                                        <p:attrNameLst>
+                                          <p:attrName>ppt_x</p:attrName>
+                                        </p:attrNameLst>
+                                      </p:cBhvr>
+                                      <p:tavLst>
+                                        <p:tav tm="0">
+                                          <p:val>
+                                            <p:strVal val="#ppt_x"/>
+                                          </p:val>
+                                        </p:tav>
+                                        <p:tav tm="100000">
+                                          <p:val>
+                                            <p:strVal val="#ppt_x"/>
+                                          </p:val>
+                                        </p:tav>
+                                      </p:tavLst>
+                                    </p:anim>
+                                    <p:anim calcmode="lin" valueType="num">
+                                      <p:cBhvr>
+                                        <p:cTn id="16" dur="1000" fill="hold"/>
+                                        <p:tgtEl>
+                                          <p:spTgt spid="9"/>
+                                        </p:tgtEl>
+                                        <p:attrNameLst>
+                                          <p:attrName>ppt_y</p:attrName>
+                                        </p:attrNameLst>
+                                      </p:cBhvr>
+                                      <p:tavLst>
+                                        <p:tav tm="0">
+                                          <p:val>
+                                            <p:strVal val="#ppt_y+.1"/>
+                                          </p:val>
+                                        </p:tav>
+                                        <p:tav tm="100000">
+                                          <p:val>
+                                            <p:strVal val="#ppt_y"/>
+                                          </p:val>
+                                        </p:tav>
+                                      </p:tavLst>
+                                    </p:anim>
+                                  </p:childTnLst>
+                                </p:cTn>
+                              </p:par>
+                            </p:childTnLst>
+                          </p:cTn>
+                        </p:par>
+                      </p:childTnLst>
+                    </p:cTn>
+                  </p:par>
+                </p:childTnLst>
+              </p:cTn>
+              <p:prevCondLst>
+                <p:cond evt="onPrev" delay="0">
+                  <p:tgtEl>
+                    <p:sldTgt/>
+                  </p:tgtEl>
+                </p:cond>
+              </p:prevCondLst>
+              <p:nextCondLst>
+                <p:cond evt="onNext" delay="0">
+                  <p:tgtEl>
+                    <p:sldTgt/>
+                  </p:tgtEl>
+                </p:cond>
+              </p:nextCondLst>
+            </p:seq>
+          </p:childTnLst>
+        </p:cTn>
       </p:par>
     </p:tnLst>
+    <p:bldLst>
+      <p:bldP spid="3" grpId="0"/>
+      <p:bldP spid="9" grpId="0"/>
+    </p:bldLst>
   </p:timing>
 </p:sld>
 </file>
 
-<file path=ppt/slides/slide4.xml><?xml version="1.0" encoding="utf-8"?>
+<file path=ppt/slides/slide5.xml><?xml version="1.0" encoding="utf-8"?>
 <p:sld xmlns:a="http://schemas.openxmlformats.org/drawingml/2006/main" xmlns:r="http://schemas.openxmlformats.org/officeDocument/2006/relationships" xmlns:p="http://schemas.openxmlformats.org/presentationml/2006/main">
   <p:cSld>
     <p:spTree>
@@ -7353,7 +10163,7 @@
         <p:spPr>
           <a:xfrm>
             <a:off x="6391275" y="1628775"/>
-            <a:ext cx="3924300" cy="2862322"/>
+            <a:ext cx="3924300" cy="2585323"/>
           </a:xfrm>
           <a:prstGeom prst="rect">
             <a:avLst/>
@@ -7497,14 +10307,12 @@
             </a:r>
             <a:r>
               <a:rPr lang="zh-CN" altLang="en-US" dirty="0" smtClean="0"/>
-              <a:t>栈帧位置；</a:t>
-            </a:r>
-            <a:endParaRPr lang="en-US" altLang="zh-CN" dirty="0" smtClean="0"/>
-          </a:p>
-          <a:p>
-            <a:pPr marL="342900" indent="-342900">
-              <a:buAutoNum type="arabicPeriod"/>
-            </a:pPr>
+              <a:t>栈帧</a:t>
+            </a:r>
+            <a:r>
+              <a:rPr lang="zh-CN" altLang="en-US" smtClean="0"/>
+              <a:t>位置；</a:t>
+            </a:r>
             <a:endParaRPr lang="en-US" altLang="zh-CN" dirty="0" smtClean="0"/>
           </a:p>
         </p:txBody>
@@ -7518,7 +10326,7 @@
           <p:nvPr/>
         </p:nvPicPr>
         <p:blipFill>
-          <a:blip r:embed="rId3"/>
+          <a:blip r:embed="rId2"/>
           <a:stretch>
             <a:fillRect/>
           </a:stretch>
@@ -7533,6 +10341,102 @@
           </a:prstGeom>
         </p:spPr>
       </p:pic>
+      <p:sp>
+        <p:nvSpPr>
+          <p:cNvPr id="6" name="文本框 5"/>
+          <p:cNvSpPr txBox="1"/>
+          <p:nvPr/>
+        </p:nvSpPr>
+        <p:spPr>
+          <a:xfrm>
+            <a:off x="6391275" y="4619451"/>
+            <a:ext cx="3924300" cy="1754326"/>
+          </a:xfrm>
+          <a:prstGeom prst="rect">
+            <a:avLst/>
+          </a:prstGeom>
+          <a:noFill/>
+        </p:spPr>
+        <p:txBody>
+          <a:bodyPr wrap="square" rtlCol="0">
+            <a:spAutoFit/>
+          </a:bodyPr>
+          <a:lstStyle/>
+          <a:p>
+            <a:r>
+              <a:rPr lang="zh-CN" altLang="en-US" smtClean="0"/>
+              <a:t>但具体环境</a:t>
+            </a:r>
+            <a:r>
+              <a:rPr lang="en-US" altLang="zh-CN" smtClean="0"/>
+              <a:t>ROP</a:t>
+            </a:r>
+            <a:r>
+              <a:rPr lang="zh-CN" altLang="en-US" smtClean="0"/>
+              <a:t>的构造是一件很痛苦的事，要考虑非常多的因素，还要根据已有的</a:t>
+            </a:r>
+            <a:r>
+              <a:rPr lang="en-US" altLang="zh-CN" smtClean="0"/>
+              <a:t>gadget</a:t>
+            </a:r>
+            <a:r>
+              <a:rPr lang="zh-CN" altLang="en-US" smtClean="0"/>
+              <a:t>拼凑。</a:t>
+            </a:r>
+            <a:endParaRPr lang="en-US" altLang="zh-CN" smtClean="0"/>
+          </a:p>
+          <a:p>
+            <a:endParaRPr lang="en-US" altLang="zh-CN" smtClean="0"/>
+          </a:p>
+          <a:p>
+            <a:r>
+              <a:rPr lang="zh-CN" altLang="en-US" smtClean="0">
+                <a:solidFill>
+                  <a:srgbClr val="00B0F0"/>
+                </a:solidFill>
+              </a:rPr>
+              <a:t>鉴于</a:t>
+            </a:r>
+            <a:r>
+              <a:rPr lang="en-US" altLang="zh-CN" smtClean="0">
+                <a:solidFill>
+                  <a:srgbClr val="00B0F0"/>
+                </a:solidFill>
+              </a:rPr>
+              <a:t>exp</a:t>
+            </a:r>
+            <a:r>
+              <a:rPr lang="zh-CN" altLang="en-US" smtClean="0">
+                <a:solidFill>
+                  <a:srgbClr val="00B0F0"/>
+                </a:solidFill>
+              </a:rPr>
+              <a:t>代码篇幅太长，直接看我在</a:t>
+            </a:r>
+            <a:r>
+              <a:rPr lang="en-US" altLang="zh-CN" smtClean="0">
+                <a:solidFill>
+                  <a:srgbClr val="00B0F0"/>
+                </a:solidFill>
+              </a:rPr>
+              <a:t>Win7</a:t>
+            </a:r>
+            <a:r>
+              <a:rPr lang="zh-CN" altLang="en-US" smtClean="0">
+                <a:solidFill>
+                  <a:srgbClr val="00B0F0"/>
+                </a:solidFill>
+              </a:rPr>
+              <a:t>中的演示吧。</a:t>
+            </a:r>
+            <a:endParaRPr lang="en-US" altLang="zh-CN" dirty="0" smtClean="0">
+              <a:solidFill>
+                <a:srgbClr val="00B0F0"/>
+              </a:solidFill>
+            </a:endParaRPr>
+          </a:p>
+        </p:txBody>
+      </p:sp>
     </p:spTree>
     <p:extLst>
       <p:ext uri="{BB962C8B-B14F-4D97-AF65-F5344CB8AC3E}">
@@ -7546,14 +10450,338 @@
   <p:timing>
     <p:tnLst>
       <p:par>
-        <p:cTn id="1" dur="indefinite" restart="never" nodeType="tmRoot"/>
+        <p:cTn id="1" dur="indefinite" restart="never" nodeType="tmRoot">
+          <p:childTnLst>
+            <p:seq concurrent="1" nextAc="seek">
+              <p:cTn id="2" dur="indefinite" nodeType="mainSeq">
+                <p:childTnLst>
+                  <p:par>
+                    <p:cTn id="3" fill="hold">
+                      <p:stCondLst>
+                        <p:cond delay="indefinite"/>
+                      </p:stCondLst>
+                      <p:childTnLst>
+                        <p:par>
+                          <p:cTn id="4" fill="hold">
+                            <p:stCondLst>
+                              <p:cond delay="0"/>
+                            </p:stCondLst>
+                            <p:childTnLst>
+                              <p:par>
+                                <p:cTn id="5" presetID="42" presetClass="entr" presetSubtype="0" fill="hold" nodeType="clickEffect">
+                                  <p:stCondLst>
+                                    <p:cond delay="0"/>
+                                  </p:stCondLst>
+                                  <p:childTnLst>
+                                    <p:set>
+                                      <p:cBhvr>
+                                        <p:cTn id="6" dur="1" fill="hold">
+                                          <p:stCondLst>
+                                            <p:cond delay="0"/>
+                                          </p:stCondLst>
+                                        </p:cTn>
+                                        <p:tgtEl>
+                                          <p:spTgt spid="1145"/>
+                                        </p:tgtEl>
+                                        <p:attrNameLst>
+                                          <p:attrName>style.visibility</p:attrName>
+                                        </p:attrNameLst>
+                                      </p:cBhvr>
+                                      <p:to>
+                                        <p:strVal val="visible"/>
+                                      </p:to>
+                                    </p:set>
+                                    <p:animEffect transition="in" filter="fade">
+                                      <p:cBhvr>
+                                        <p:cTn id="7" dur="1000"/>
+                                        <p:tgtEl>
+                                          <p:spTgt spid="1145"/>
+                                        </p:tgtEl>
+                                      </p:cBhvr>
+                                    </p:animEffect>
+                                    <p:anim calcmode="lin" valueType="num">
+                                      <p:cBhvr>
+                                        <p:cTn id="8" dur="1000" fill="hold"/>
+                                        <p:tgtEl>
+                                          <p:spTgt spid="1145"/>
+                                        </p:tgtEl>
+                                        <p:attrNameLst>
+                                          <p:attrName>ppt_x</p:attrName>
+                                        </p:attrNameLst>
+                                      </p:cBhvr>
+                                      <p:tavLst>
+                                        <p:tav tm="0">
+                                          <p:val>
+                                            <p:strVal val="#ppt_x"/>
+                                          </p:val>
+                                        </p:tav>
+                                        <p:tav tm="100000">
+                                          <p:val>
+                                            <p:strVal val="#ppt_x"/>
+                                          </p:val>
+                                        </p:tav>
+                                      </p:tavLst>
+                                    </p:anim>
+                                    <p:anim calcmode="lin" valueType="num">
+                                      <p:cBhvr>
+                                        <p:cTn id="9" dur="1000" fill="hold"/>
+                                        <p:tgtEl>
+                                          <p:spTgt spid="1145"/>
+                                        </p:tgtEl>
+                                        <p:attrNameLst>
+                                          <p:attrName>ppt_y</p:attrName>
+                                        </p:attrNameLst>
+                                      </p:cBhvr>
+                                      <p:tavLst>
+                                        <p:tav tm="0">
+                                          <p:val>
+                                            <p:strVal val="#ppt_y+.1"/>
+                                          </p:val>
+                                        </p:tav>
+                                        <p:tav tm="100000">
+                                          <p:val>
+                                            <p:strVal val="#ppt_y"/>
+                                          </p:val>
+                                        </p:tav>
+                                      </p:tavLst>
+                                    </p:anim>
+                                  </p:childTnLst>
+                                </p:cTn>
+                              </p:par>
+                            </p:childTnLst>
+                          </p:cTn>
+                        </p:par>
+                      </p:childTnLst>
+                    </p:cTn>
+                  </p:par>
+                  <p:par>
+                    <p:cTn id="10" fill="hold">
+                      <p:stCondLst>
+                        <p:cond delay="indefinite"/>
+                      </p:stCondLst>
+                      <p:childTnLst>
+                        <p:par>
+                          <p:cTn id="11" fill="hold">
+                            <p:stCondLst>
+                              <p:cond delay="0"/>
+                            </p:stCondLst>
+                            <p:childTnLst>
+                              <p:par>
+                                <p:cTn id="12" presetID="42" presetClass="entr" presetSubtype="0" fill="hold" grpId="0" nodeType="clickEffect">
+                                  <p:stCondLst>
+                                    <p:cond delay="0"/>
+                                  </p:stCondLst>
+                                  <p:childTnLst>
+                                    <p:set>
+                                      <p:cBhvr>
+                                        <p:cTn id="13" dur="1" fill="hold">
+                                          <p:stCondLst>
+                                            <p:cond delay="0"/>
+                                          </p:stCondLst>
+                                        </p:cTn>
+                                        <p:tgtEl>
+                                          <p:spTgt spid="1144"/>
+                                        </p:tgtEl>
+                                        <p:attrNameLst>
+                                          <p:attrName>style.visibility</p:attrName>
+                                        </p:attrNameLst>
+                                      </p:cBhvr>
+                                      <p:to>
+                                        <p:strVal val="visible"/>
+                                      </p:to>
+                                    </p:set>
+                                    <p:animEffect transition="in" filter="fade">
+                                      <p:cBhvr>
+                                        <p:cTn id="14" dur="1000"/>
+                                        <p:tgtEl>
+                                          <p:spTgt spid="1144"/>
+                                        </p:tgtEl>
+                                      </p:cBhvr>
+                                    </p:animEffect>
+                                    <p:anim calcmode="lin" valueType="num">
+                                      <p:cBhvr>
+                                        <p:cTn id="15" dur="1000" fill="hold"/>
+                                        <p:tgtEl>
+                                          <p:spTgt spid="1144"/>
+                                        </p:tgtEl>
+                                        <p:attrNameLst>
+                                          <p:attrName>ppt_x</p:attrName>
+                                        </p:attrNameLst>
+                                      </p:cBhvr>
+                                      <p:tavLst>
+                                        <p:tav tm="0">
+                                          <p:val>
+                                            <p:strVal val="#ppt_x"/>
+                                          </p:val>
+                                        </p:tav>
+                                        <p:tav tm="100000">
+                                          <p:val>
+                                            <p:strVal val="#ppt_x"/>
+                                          </p:val>
+                                        </p:tav>
+                                      </p:tavLst>
+                                    </p:anim>
+                                    <p:anim calcmode="lin" valueType="num">
+                                      <p:cBhvr>
+                                        <p:cTn id="16" dur="1000" fill="hold"/>
+                                        <p:tgtEl>
+                                          <p:spTgt spid="1144"/>
+                                        </p:tgtEl>
+                                        <p:attrNameLst>
+                                          <p:attrName>ppt_y</p:attrName>
+                                        </p:attrNameLst>
+                                      </p:cBhvr>
+                                      <p:tavLst>
+                                        <p:tav tm="0">
+                                          <p:val>
+                                            <p:strVal val="#ppt_y+.1"/>
+                                          </p:val>
+                                        </p:tav>
+                                        <p:tav tm="100000">
+                                          <p:val>
+                                            <p:strVal val="#ppt_y"/>
+                                          </p:val>
+                                        </p:tav>
+                                      </p:tavLst>
+                                    </p:anim>
+                                  </p:childTnLst>
+                                </p:cTn>
+                              </p:par>
+                            </p:childTnLst>
+                          </p:cTn>
+                        </p:par>
+                      </p:childTnLst>
+                    </p:cTn>
+                  </p:par>
+                  <p:par>
+                    <p:cTn id="17" fill="hold">
+                      <p:stCondLst>
+                        <p:cond delay="indefinite"/>
+                      </p:stCondLst>
+                      <p:childTnLst>
+                        <p:par>
+                          <p:cTn id="18" fill="hold">
+                            <p:stCondLst>
+                              <p:cond delay="0"/>
+                            </p:stCondLst>
+                            <p:childTnLst>
+                              <p:par>
+                                <p:cTn id="19" presetID="42" presetClass="entr" presetSubtype="0" fill="hold" grpId="0" nodeType="clickEffect">
+                                  <p:stCondLst>
+                                    <p:cond delay="0"/>
+                                  </p:stCondLst>
+                                  <p:childTnLst>
+                                    <p:set>
+                                      <p:cBhvr>
+                                        <p:cTn id="20" dur="1" fill="hold">
+                                          <p:stCondLst>
+                                            <p:cond delay="0"/>
+                                          </p:stCondLst>
+                                        </p:cTn>
+                                        <p:tgtEl>
+                                          <p:spTgt spid="6"/>
+                                        </p:tgtEl>
+                                        <p:attrNameLst>
+                                          <p:attrName>style.visibility</p:attrName>
+                                        </p:attrNameLst>
+                                      </p:cBhvr>
+                                      <p:to>
+                                        <p:strVal val="visible"/>
+                                      </p:to>
+                                    </p:set>
+                                    <p:animEffect transition="in" filter="fade">
+                                      <p:cBhvr>
+                                        <p:cTn id="21" dur="1000"/>
+                                        <p:tgtEl>
+                                          <p:spTgt spid="6"/>
+                                        </p:tgtEl>
+                                      </p:cBhvr>
+                                    </p:animEffect>
+                                    <p:anim calcmode="lin" valueType="num">
+                                      <p:cBhvr>
+                                        <p:cTn id="22" dur="1000" fill="hold"/>
+                                        <p:tgtEl>
+                                          <p:spTgt spid="6"/>
+                                        </p:tgtEl>
+                                        <p:attrNameLst>
+                                          <p:attrName>ppt_x</p:attrName>
+                                        </p:attrNameLst>
+                                      </p:cBhvr>
+                                      <p:tavLst>
+                                        <p:tav tm="0">
+                                          <p:val>
+                                            <p:strVal val="#ppt_x"/>
+                                          </p:val>
+                                        </p:tav>
+                                        <p:tav tm="100000">
+                                          <p:val>
+                                            <p:strVal val="#ppt_x"/>
+                                          </p:val>
+                                        </p:tav>
+                                      </p:tavLst>
+                                    </p:anim>
+                                    <p:anim calcmode="lin" valueType="num">
+                                      <p:cBhvr>
+                                        <p:cTn id="23" dur="1000" fill="hold"/>
+                                        <p:tgtEl>
+                                          <p:spTgt spid="6"/>
+                                        </p:tgtEl>
+                                        <p:attrNameLst>
+                                          <p:attrName>ppt_y</p:attrName>
+                                        </p:attrNameLst>
+                                      </p:cBhvr>
+                                      <p:tavLst>
+                                        <p:tav tm="0">
+                                          <p:val>
+                                            <p:strVal val="#ppt_y+.1"/>
+                                          </p:val>
+                                        </p:tav>
+                                        <p:tav tm="100000">
+                                          <p:val>
+                                            <p:strVal val="#ppt_y"/>
+                                          </p:val>
+                                        </p:tav>
+                                      </p:tavLst>
+                                    </p:anim>
+                                  </p:childTnLst>
+                                </p:cTn>
+                              </p:par>
+                            </p:childTnLst>
+                          </p:cTn>
+                        </p:par>
+                      </p:childTnLst>
+                    </p:cTn>
+                  </p:par>
+                </p:childTnLst>
+              </p:cTn>
+              <p:prevCondLst>
+                <p:cond evt="onPrev" delay="0">
+                  <p:tgtEl>
+                    <p:sldTgt/>
+                  </p:tgtEl>
+                </p:cond>
+              </p:prevCondLst>
+              <p:nextCondLst>
+                <p:cond evt="onNext" delay="0">
+                  <p:tgtEl>
+                    <p:sldTgt/>
+                  </p:tgtEl>
+                </p:cond>
+              </p:nextCondLst>
+            </p:seq>
+          </p:childTnLst>
+        </p:cTn>
       </p:par>
     </p:tnLst>
+    <p:bldLst>
+      <p:bldP spid="1144" grpId="0"/>
+      <p:bldP spid="6" grpId="0"/>
+    </p:bldLst>
   </p:timing>
 </p:sld>
 </file>
 
-<file path=ppt/slides/slide5.xml><?xml version="1.0" encoding="utf-8"?>
+<file path=ppt/slides/slide6.xml><?xml version="1.0" encoding="utf-8"?>
 <p:sld xmlns:a="http://schemas.openxmlformats.org/drawingml/2006/main" xmlns:r="http://schemas.openxmlformats.org/officeDocument/2006/relationships" xmlns:p="http://schemas.openxmlformats.org/presentationml/2006/main">
   <p:cSld>
     <p:spTree>
@@ -7641,10 +10869,34 @@
           </a:fontRef>
         </p:style>
       </p:cxnSp>
+      <p:pic>
+        <p:nvPicPr>
+          <p:cNvPr id="3" name="图片 2"/>
+          <p:cNvPicPr>
+            <a:picLocks noChangeAspect="1"/>
+          </p:cNvPicPr>
+          <p:nvPr/>
+        </p:nvPicPr>
+        <p:blipFill>
+          <a:blip r:embed="rId2"/>
+          <a:stretch>
+            <a:fillRect/>
+          </a:stretch>
+        </p:blipFill>
+        <p:spPr>
+          <a:xfrm>
+            <a:off x="947025" y="1675508"/>
+            <a:ext cx="9343159" cy="4675909"/>
+          </a:xfrm>
+          <a:prstGeom prst="rect">
+            <a:avLst/>
+          </a:prstGeom>
+        </p:spPr>
+      </p:pic>
     </p:spTree>
     <p:extLst>
       <p:ext uri="{BB962C8B-B14F-4D97-AF65-F5344CB8AC3E}">
-        <p14:creationId xmlns:p14="http://schemas.microsoft.com/office/powerpoint/2010/main" val="2713712389"/>
+        <p14:creationId xmlns:p14="http://schemas.microsoft.com/office/powerpoint/2010/main" val="142147064"/>
       </p:ext>
     </p:extLst>
   </p:cSld>
@@ -7661,7 +10913,7 @@
 </p:sld>
 </file>
 
-<file path=ppt/slides/slide6.xml><?xml version="1.0" encoding="utf-8"?>
+<file path=ppt/slides/slide7.xml><?xml version="1.0" encoding="utf-8"?>
 <p:sld xmlns:a="http://schemas.openxmlformats.org/drawingml/2006/main" xmlns:r="http://schemas.openxmlformats.org/officeDocument/2006/relationships" xmlns:p="http://schemas.openxmlformats.org/presentationml/2006/main">
   <p:cSld>
     <p:spTree>
@@ -7749,10 +11001,82 @@
           </a:fontRef>
         </p:style>
       </p:cxnSp>
+      <p:pic>
+        <p:nvPicPr>
+          <p:cNvPr id="6" name="图片 5"/>
+          <p:cNvPicPr>
+            <a:picLocks noChangeAspect="1"/>
+          </p:cNvPicPr>
+          <p:nvPr/>
+        </p:nvPicPr>
+        <p:blipFill>
+          <a:blip r:embed="rId2"/>
+          <a:stretch>
+            <a:fillRect/>
+          </a:stretch>
+        </p:blipFill>
+        <p:spPr>
+          <a:xfrm>
+            <a:off x="530384" y="1588166"/>
+            <a:ext cx="5226942" cy="4935682"/>
+          </a:xfrm>
+          <a:prstGeom prst="rect">
+            <a:avLst/>
+          </a:prstGeom>
+        </p:spPr>
+      </p:pic>
+      <p:pic>
+        <p:nvPicPr>
+          <p:cNvPr id="3" name="图片 2"/>
+          <p:cNvPicPr>
+            <a:picLocks noChangeAspect="1"/>
+          </p:cNvPicPr>
+          <p:nvPr/>
+        </p:nvPicPr>
+        <p:blipFill>
+          <a:blip r:embed="rId3"/>
+          <a:stretch>
+            <a:fillRect/>
+          </a:stretch>
+        </p:blipFill>
+        <p:spPr>
+          <a:xfrm>
+            <a:off x="5982325" y="1588166"/>
+            <a:ext cx="6026727" cy="2389910"/>
+          </a:xfrm>
+          <a:prstGeom prst="rect">
+            <a:avLst/>
+          </a:prstGeom>
+        </p:spPr>
+      </p:pic>
+      <p:pic>
+        <p:nvPicPr>
+          <p:cNvPr id="7" name="图片 6"/>
+          <p:cNvPicPr>
+            <a:picLocks noChangeAspect="1"/>
+          </p:cNvPicPr>
+          <p:nvPr/>
+        </p:nvPicPr>
+        <p:blipFill>
+          <a:blip r:embed="rId4"/>
+          <a:stretch>
+            <a:fillRect/>
+          </a:stretch>
+        </p:blipFill>
+        <p:spPr>
+          <a:xfrm>
+            <a:off x="5982325" y="4418199"/>
+            <a:ext cx="3114675" cy="695325"/>
+          </a:xfrm>
+          <a:prstGeom prst="rect">
+            <a:avLst/>
+          </a:prstGeom>
+        </p:spPr>
+      </p:pic>
     </p:spTree>
     <p:extLst>
       <p:ext uri="{BB962C8B-B14F-4D97-AF65-F5344CB8AC3E}">
-        <p14:creationId xmlns:p14="http://schemas.microsoft.com/office/powerpoint/2010/main" val="142147064"/>
+        <p14:creationId xmlns:p14="http://schemas.microsoft.com/office/powerpoint/2010/main" val="3789260946"/>
       </p:ext>
     </p:extLst>
   </p:cSld>
@@ -7769,7 +11093,7 @@
 </p:sld>
 </file>
 
-<file path=ppt/slides/slide7.xml><?xml version="1.0" encoding="utf-8"?>
+<file path=ppt/slides/slide8.xml><?xml version="1.0" encoding="utf-8"?>
 <p:sld xmlns:a="http://schemas.openxmlformats.org/drawingml/2006/main" xmlns:r="http://schemas.openxmlformats.org/officeDocument/2006/relationships" xmlns:p="http://schemas.openxmlformats.org/presentationml/2006/main">
   <p:cSld>
     <p:spTree>
@@ -8643,14 +11967,1237 @@
   <p:timing>
     <p:tnLst>
       <p:par>
-        <p:cTn id="1" dur="indefinite" restart="never" nodeType="tmRoot"/>
+        <p:cTn id="1" dur="indefinite" restart="never" nodeType="tmRoot">
+          <p:childTnLst>
+            <p:seq concurrent="1" nextAc="seek">
+              <p:cTn id="2" dur="indefinite" nodeType="mainSeq">
+                <p:childTnLst>
+                  <p:par>
+                    <p:cTn id="3" fill="hold">
+                      <p:stCondLst>
+                        <p:cond delay="indefinite"/>
+                      </p:stCondLst>
+                      <p:childTnLst>
+                        <p:par>
+                          <p:cTn id="4" fill="hold">
+                            <p:stCondLst>
+                              <p:cond delay="0"/>
+                            </p:stCondLst>
+                            <p:childTnLst>
+                              <p:par>
+                                <p:cTn id="5" presetID="42" presetClass="entr" presetSubtype="0" fill="hold" nodeType="clickEffect">
+                                  <p:stCondLst>
+                                    <p:cond delay="0"/>
+                                  </p:stCondLst>
+                                  <p:childTnLst>
+                                    <p:set>
+                                      <p:cBhvr>
+                                        <p:cTn id="6" dur="1" fill="hold">
+                                          <p:stCondLst>
+                                            <p:cond delay="0"/>
+                                          </p:stCondLst>
+                                        </p:cTn>
+                                        <p:tgtEl>
+                                          <p:spTgt spid="3">
+                                            <p:txEl>
+                                              <p:pRg st="0" end="0"/>
+                                            </p:txEl>
+                                          </p:spTgt>
+                                        </p:tgtEl>
+                                        <p:attrNameLst>
+                                          <p:attrName>style.visibility</p:attrName>
+                                        </p:attrNameLst>
+                                      </p:cBhvr>
+                                      <p:to>
+                                        <p:strVal val="visible"/>
+                                      </p:to>
+                                    </p:set>
+                                    <p:animEffect transition="in" filter="fade">
+                                      <p:cBhvr>
+                                        <p:cTn id="7" dur="1000"/>
+                                        <p:tgtEl>
+                                          <p:spTgt spid="3">
+                                            <p:txEl>
+                                              <p:pRg st="0" end="0"/>
+                                            </p:txEl>
+                                          </p:spTgt>
+                                        </p:tgtEl>
+                                      </p:cBhvr>
+                                    </p:animEffect>
+                                    <p:anim calcmode="lin" valueType="num">
+                                      <p:cBhvr>
+                                        <p:cTn id="8" dur="1000" fill="hold"/>
+                                        <p:tgtEl>
+                                          <p:spTgt spid="3">
+                                            <p:txEl>
+                                              <p:pRg st="0" end="0"/>
+                                            </p:txEl>
+                                          </p:spTgt>
+                                        </p:tgtEl>
+                                        <p:attrNameLst>
+                                          <p:attrName>ppt_x</p:attrName>
+                                        </p:attrNameLst>
+                                      </p:cBhvr>
+                                      <p:tavLst>
+                                        <p:tav tm="0">
+                                          <p:val>
+                                            <p:strVal val="#ppt_x"/>
+                                          </p:val>
+                                        </p:tav>
+                                        <p:tav tm="100000">
+                                          <p:val>
+                                            <p:strVal val="#ppt_x"/>
+                                          </p:val>
+                                        </p:tav>
+                                      </p:tavLst>
+                                    </p:anim>
+                                    <p:anim calcmode="lin" valueType="num">
+                                      <p:cBhvr>
+                                        <p:cTn id="9" dur="1000" fill="hold"/>
+                                        <p:tgtEl>
+                                          <p:spTgt spid="3">
+                                            <p:txEl>
+                                              <p:pRg st="0" end="0"/>
+                                            </p:txEl>
+                                          </p:spTgt>
+                                        </p:tgtEl>
+                                        <p:attrNameLst>
+                                          <p:attrName>ppt_y</p:attrName>
+                                        </p:attrNameLst>
+                                      </p:cBhvr>
+                                      <p:tavLst>
+                                        <p:tav tm="0">
+                                          <p:val>
+                                            <p:strVal val="#ppt_y+.1"/>
+                                          </p:val>
+                                        </p:tav>
+                                        <p:tav tm="100000">
+                                          <p:val>
+                                            <p:strVal val="#ppt_y"/>
+                                          </p:val>
+                                        </p:tav>
+                                      </p:tavLst>
+                                    </p:anim>
+                                  </p:childTnLst>
+                                </p:cTn>
+                              </p:par>
+                              <p:par>
+                                <p:cTn id="10" presetID="42" presetClass="entr" presetSubtype="0" fill="hold" nodeType="withEffect">
+                                  <p:stCondLst>
+                                    <p:cond delay="0"/>
+                                  </p:stCondLst>
+                                  <p:childTnLst>
+                                    <p:set>
+                                      <p:cBhvr>
+                                        <p:cTn id="11" dur="1" fill="hold">
+                                          <p:stCondLst>
+                                            <p:cond delay="0"/>
+                                          </p:stCondLst>
+                                        </p:cTn>
+                                        <p:tgtEl>
+                                          <p:spTgt spid="3">
+                                            <p:txEl>
+                                              <p:pRg st="1" end="1"/>
+                                            </p:txEl>
+                                          </p:spTgt>
+                                        </p:tgtEl>
+                                        <p:attrNameLst>
+                                          <p:attrName>style.visibility</p:attrName>
+                                        </p:attrNameLst>
+                                      </p:cBhvr>
+                                      <p:to>
+                                        <p:strVal val="visible"/>
+                                      </p:to>
+                                    </p:set>
+                                    <p:animEffect transition="in" filter="fade">
+                                      <p:cBhvr>
+                                        <p:cTn id="12" dur="1000"/>
+                                        <p:tgtEl>
+                                          <p:spTgt spid="3">
+                                            <p:txEl>
+                                              <p:pRg st="1" end="1"/>
+                                            </p:txEl>
+                                          </p:spTgt>
+                                        </p:tgtEl>
+                                      </p:cBhvr>
+                                    </p:animEffect>
+                                    <p:anim calcmode="lin" valueType="num">
+                                      <p:cBhvr>
+                                        <p:cTn id="13" dur="1000" fill="hold"/>
+                                        <p:tgtEl>
+                                          <p:spTgt spid="3">
+                                            <p:txEl>
+                                              <p:pRg st="1" end="1"/>
+                                            </p:txEl>
+                                          </p:spTgt>
+                                        </p:tgtEl>
+                                        <p:attrNameLst>
+                                          <p:attrName>ppt_x</p:attrName>
+                                        </p:attrNameLst>
+                                      </p:cBhvr>
+                                      <p:tavLst>
+                                        <p:tav tm="0">
+                                          <p:val>
+                                            <p:strVal val="#ppt_x"/>
+                                          </p:val>
+                                        </p:tav>
+                                        <p:tav tm="100000">
+                                          <p:val>
+                                            <p:strVal val="#ppt_x"/>
+                                          </p:val>
+                                        </p:tav>
+                                      </p:tavLst>
+                                    </p:anim>
+                                    <p:anim calcmode="lin" valueType="num">
+                                      <p:cBhvr>
+                                        <p:cTn id="14" dur="1000" fill="hold"/>
+                                        <p:tgtEl>
+                                          <p:spTgt spid="3">
+                                            <p:txEl>
+                                              <p:pRg st="1" end="1"/>
+                                            </p:txEl>
+                                          </p:spTgt>
+                                        </p:tgtEl>
+                                        <p:attrNameLst>
+                                          <p:attrName>ppt_y</p:attrName>
+                                        </p:attrNameLst>
+                                      </p:cBhvr>
+                                      <p:tavLst>
+                                        <p:tav tm="0">
+                                          <p:val>
+                                            <p:strVal val="#ppt_y+.1"/>
+                                          </p:val>
+                                        </p:tav>
+                                        <p:tav tm="100000">
+                                          <p:val>
+                                            <p:strVal val="#ppt_y"/>
+                                          </p:val>
+                                        </p:tav>
+                                      </p:tavLst>
+                                    </p:anim>
+                                  </p:childTnLst>
+                                </p:cTn>
+                              </p:par>
+                              <p:par>
+                                <p:cTn id="15" presetID="42" presetClass="entr" presetSubtype="0" fill="hold" nodeType="withEffect">
+                                  <p:stCondLst>
+                                    <p:cond delay="0"/>
+                                  </p:stCondLst>
+                                  <p:childTnLst>
+                                    <p:set>
+                                      <p:cBhvr>
+                                        <p:cTn id="16" dur="1" fill="hold">
+                                          <p:stCondLst>
+                                            <p:cond delay="0"/>
+                                          </p:stCondLst>
+                                        </p:cTn>
+                                        <p:tgtEl>
+                                          <p:spTgt spid="3">
+                                            <p:txEl>
+                                              <p:pRg st="2" end="2"/>
+                                            </p:txEl>
+                                          </p:spTgt>
+                                        </p:tgtEl>
+                                        <p:attrNameLst>
+                                          <p:attrName>style.visibility</p:attrName>
+                                        </p:attrNameLst>
+                                      </p:cBhvr>
+                                      <p:to>
+                                        <p:strVal val="visible"/>
+                                      </p:to>
+                                    </p:set>
+                                    <p:animEffect transition="in" filter="fade">
+                                      <p:cBhvr>
+                                        <p:cTn id="17" dur="1000"/>
+                                        <p:tgtEl>
+                                          <p:spTgt spid="3">
+                                            <p:txEl>
+                                              <p:pRg st="2" end="2"/>
+                                            </p:txEl>
+                                          </p:spTgt>
+                                        </p:tgtEl>
+                                      </p:cBhvr>
+                                    </p:animEffect>
+                                    <p:anim calcmode="lin" valueType="num">
+                                      <p:cBhvr>
+                                        <p:cTn id="18" dur="1000" fill="hold"/>
+                                        <p:tgtEl>
+                                          <p:spTgt spid="3">
+                                            <p:txEl>
+                                              <p:pRg st="2" end="2"/>
+                                            </p:txEl>
+                                          </p:spTgt>
+                                        </p:tgtEl>
+                                        <p:attrNameLst>
+                                          <p:attrName>ppt_x</p:attrName>
+                                        </p:attrNameLst>
+                                      </p:cBhvr>
+                                      <p:tavLst>
+                                        <p:tav tm="0">
+                                          <p:val>
+                                            <p:strVal val="#ppt_x"/>
+                                          </p:val>
+                                        </p:tav>
+                                        <p:tav tm="100000">
+                                          <p:val>
+                                            <p:strVal val="#ppt_x"/>
+                                          </p:val>
+                                        </p:tav>
+                                      </p:tavLst>
+                                    </p:anim>
+                                    <p:anim calcmode="lin" valueType="num">
+                                      <p:cBhvr>
+                                        <p:cTn id="19" dur="1000" fill="hold"/>
+                                        <p:tgtEl>
+                                          <p:spTgt spid="3">
+                                            <p:txEl>
+                                              <p:pRg st="2" end="2"/>
+                                            </p:txEl>
+                                          </p:spTgt>
+                                        </p:tgtEl>
+                                        <p:attrNameLst>
+                                          <p:attrName>ppt_y</p:attrName>
+                                        </p:attrNameLst>
+                                      </p:cBhvr>
+                                      <p:tavLst>
+                                        <p:tav tm="0">
+                                          <p:val>
+                                            <p:strVal val="#ppt_y+.1"/>
+                                          </p:val>
+                                        </p:tav>
+                                        <p:tav tm="100000">
+                                          <p:val>
+                                            <p:strVal val="#ppt_y"/>
+                                          </p:val>
+                                        </p:tav>
+                                      </p:tavLst>
+                                    </p:anim>
+                                  </p:childTnLst>
+                                </p:cTn>
+                              </p:par>
+                              <p:par>
+                                <p:cTn id="20" presetID="42" presetClass="entr" presetSubtype="0" fill="hold" nodeType="withEffect">
+                                  <p:stCondLst>
+                                    <p:cond delay="0"/>
+                                  </p:stCondLst>
+                                  <p:childTnLst>
+                                    <p:set>
+                                      <p:cBhvr>
+                                        <p:cTn id="21" dur="1" fill="hold">
+                                          <p:stCondLst>
+                                            <p:cond delay="0"/>
+                                          </p:stCondLst>
+                                        </p:cTn>
+                                        <p:tgtEl>
+                                          <p:spTgt spid="3">
+                                            <p:txEl>
+                                              <p:pRg st="3" end="3"/>
+                                            </p:txEl>
+                                          </p:spTgt>
+                                        </p:tgtEl>
+                                        <p:attrNameLst>
+                                          <p:attrName>style.visibility</p:attrName>
+                                        </p:attrNameLst>
+                                      </p:cBhvr>
+                                      <p:to>
+                                        <p:strVal val="visible"/>
+                                      </p:to>
+                                    </p:set>
+                                    <p:animEffect transition="in" filter="fade">
+                                      <p:cBhvr>
+                                        <p:cTn id="22" dur="1000"/>
+                                        <p:tgtEl>
+                                          <p:spTgt spid="3">
+                                            <p:txEl>
+                                              <p:pRg st="3" end="3"/>
+                                            </p:txEl>
+                                          </p:spTgt>
+                                        </p:tgtEl>
+                                      </p:cBhvr>
+                                    </p:animEffect>
+                                    <p:anim calcmode="lin" valueType="num">
+                                      <p:cBhvr>
+                                        <p:cTn id="23" dur="1000" fill="hold"/>
+                                        <p:tgtEl>
+                                          <p:spTgt spid="3">
+                                            <p:txEl>
+                                              <p:pRg st="3" end="3"/>
+                                            </p:txEl>
+                                          </p:spTgt>
+                                        </p:tgtEl>
+                                        <p:attrNameLst>
+                                          <p:attrName>ppt_x</p:attrName>
+                                        </p:attrNameLst>
+                                      </p:cBhvr>
+                                      <p:tavLst>
+                                        <p:tav tm="0">
+                                          <p:val>
+                                            <p:strVal val="#ppt_x"/>
+                                          </p:val>
+                                        </p:tav>
+                                        <p:tav tm="100000">
+                                          <p:val>
+                                            <p:strVal val="#ppt_x"/>
+                                          </p:val>
+                                        </p:tav>
+                                      </p:tavLst>
+                                    </p:anim>
+                                    <p:anim calcmode="lin" valueType="num">
+                                      <p:cBhvr>
+                                        <p:cTn id="24" dur="1000" fill="hold"/>
+                                        <p:tgtEl>
+                                          <p:spTgt spid="3">
+                                            <p:txEl>
+                                              <p:pRg st="3" end="3"/>
+                                            </p:txEl>
+                                          </p:spTgt>
+                                        </p:tgtEl>
+                                        <p:attrNameLst>
+                                          <p:attrName>ppt_y</p:attrName>
+                                        </p:attrNameLst>
+                                      </p:cBhvr>
+                                      <p:tavLst>
+                                        <p:tav tm="0">
+                                          <p:val>
+                                            <p:strVal val="#ppt_y+.1"/>
+                                          </p:val>
+                                        </p:tav>
+                                        <p:tav tm="100000">
+                                          <p:val>
+                                            <p:strVal val="#ppt_y"/>
+                                          </p:val>
+                                        </p:tav>
+                                      </p:tavLst>
+                                    </p:anim>
+                                  </p:childTnLst>
+                                </p:cTn>
+                              </p:par>
+                              <p:par>
+                                <p:cTn id="25" presetID="42" presetClass="entr" presetSubtype="0" fill="hold" nodeType="withEffect">
+                                  <p:stCondLst>
+                                    <p:cond delay="0"/>
+                                  </p:stCondLst>
+                                  <p:childTnLst>
+                                    <p:set>
+                                      <p:cBhvr>
+                                        <p:cTn id="26" dur="1" fill="hold">
+                                          <p:stCondLst>
+                                            <p:cond delay="0"/>
+                                          </p:stCondLst>
+                                        </p:cTn>
+                                        <p:tgtEl>
+                                          <p:spTgt spid="3">
+                                            <p:txEl>
+                                              <p:pRg st="4" end="4"/>
+                                            </p:txEl>
+                                          </p:spTgt>
+                                        </p:tgtEl>
+                                        <p:attrNameLst>
+                                          <p:attrName>style.visibility</p:attrName>
+                                        </p:attrNameLst>
+                                      </p:cBhvr>
+                                      <p:to>
+                                        <p:strVal val="visible"/>
+                                      </p:to>
+                                    </p:set>
+                                    <p:animEffect transition="in" filter="fade">
+                                      <p:cBhvr>
+                                        <p:cTn id="27" dur="1000"/>
+                                        <p:tgtEl>
+                                          <p:spTgt spid="3">
+                                            <p:txEl>
+                                              <p:pRg st="4" end="4"/>
+                                            </p:txEl>
+                                          </p:spTgt>
+                                        </p:tgtEl>
+                                      </p:cBhvr>
+                                    </p:animEffect>
+                                    <p:anim calcmode="lin" valueType="num">
+                                      <p:cBhvr>
+                                        <p:cTn id="28" dur="1000" fill="hold"/>
+                                        <p:tgtEl>
+                                          <p:spTgt spid="3">
+                                            <p:txEl>
+                                              <p:pRg st="4" end="4"/>
+                                            </p:txEl>
+                                          </p:spTgt>
+                                        </p:tgtEl>
+                                        <p:attrNameLst>
+                                          <p:attrName>ppt_x</p:attrName>
+                                        </p:attrNameLst>
+                                      </p:cBhvr>
+                                      <p:tavLst>
+                                        <p:tav tm="0">
+                                          <p:val>
+                                            <p:strVal val="#ppt_x"/>
+                                          </p:val>
+                                        </p:tav>
+                                        <p:tav tm="100000">
+                                          <p:val>
+                                            <p:strVal val="#ppt_x"/>
+                                          </p:val>
+                                        </p:tav>
+                                      </p:tavLst>
+                                    </p:anim>
+                                    <p:anim calcmode="lin" valueType="num">
+                                      <p:cBhvr>
+                                        <p:cTn id="29" dur="1000" fill="hold"/>
+                                        <p:tgtEl>
+                                          <p:spTgt spid="3">
+                                            <p:txEl>
+                                              <p:pRg st="4" end="4"/>
+                                            </p:txEl>
+                                          </p:spTgt>
+                                        </p:tgtEl>
+                                        <p:attrNameLst>
+                                          <p:attrName>ppt_y</p:attrName>
+                                        </p:attrNameLst>
+                                      </p:cBhvr>
+                                      <p:tavLst>
+                                        <p:tav tm="0">
+                                          <p:val>
+                                            <p:strVal val="#ppt_y+.1"/>
+                                          </p:val>
+                                        </p:tav>
+                                        <p:tav tm="100000">
+                                          <p:val>
+                                            <p:strVal val="#ppt_y"/>
+                                          </p:val>
+                                        </p:tav>
+                                      </p:tavLst>
+                                    </p:anim>
+                                  </p:childTnLst>
+                                </p:cTn>
+                              </p:par>
+                            </p:childTnLst>
+                          </p:cTn>
+                        </p:par>
+                      </p:childTnLst>
+                    </p:cTn>
+                  </p:par>
+                  <p:par>
+                    <p:cTn id="30" fill="hold">
+                      <p:stCondLst>
+                        <p:cond delay="indefinite"/>
+                      </p:stCondLst>
+                      <p:childTnLst>
+                        <p:par>
+                          <p:cTn id="31" fill="hold">
+                            <p:stCondLst>
+                              <p:cond delay="0"/>
+                            </p:stCondLst>
+                            <p:childTnLst>
+                              <p:par>
+                                <p:cTn id="32" presetID="42" presetClass="entr" presetSubtype="0" fill="hold" nodeType="clickEffect">
+                                  <p:stCondLst>
+                                    <p:cond delay="0"/>
+                                  </p:stCondLst>
+                                  <p:childTnLst>
+                                    <p:set>
+                                      <p:cBhvr>
+                                        <p:cTn id="33" dur="1" fill="hold">
+                                          <p:stCondLst>
+                                            <p:cond delay="0"/>
+                                          </p:stCondLst>
+                                        </p:cTn>
+                                        <p:tgtEl>
+                                          <p:spTgt spid="3">
+                                            <p:txEl>
+                                              <p:pRg st="6" end="6"/>
+                                            </p:txEl>
+                                          </p:spTgt>
+                                        </p:tgtEl>
+                                        <p:attrNameLst>
+                                          <p:attrName>style.visibility</p:attrName>
+                                        </p:attrNameLst>
+                                      </p:cBhvr>
+                                      <p:to>
+                                        <p:strVal val="visible"/>
+                                      </p:to>
+                                    </p:set>
+                                    <p:animEffect transition="in" filter="fade">
+                                      <p:cBhvr>
+                                        <p:cTn id="34" dur="1000"/>
+                                        <p:tgtEl>
+                                          <p:spTgt spid="3">
+                                            <p:txEl>
+                                              <p:pRg st="6" end="6"/>
+                                            </p:txEl>
+                                          </p:spTgt>
+                                        </p:tgtEl>
+                                      </p:cBhvr>
+                                    </p:animEffect>
+                                    <p:anim calcmode="lin" valueType="num">
+                                      <p:cBhvr>
+                                        <p:cTn id="35" dur="1000" fill="hold"/>
+                                        <p:tgtEl>
+                                          <p:spTgt spid="3">
+                                            <p:txEl>
+                                              <p:pRg st="6" end="6"/>
+                                            </p:txEl>
+                                          </p:spTgt>
+                                        </p:tgtEl>
+                                        <p:attrNameLst>
+                                          <p:attrName>ppt_x</p:attrName>
+                                        </p:attrNameLst>
+                                      </p:cBhvr>
+                                      <p:tavLst>
+                                        <p:tav tm="0">
+                                          <p:val>
+                                            <p:strVal val="#ppt_x"/>
+                                          </p:val>
+                                        </p:tav>
+                                        <p:tav tm="100000">
+                                          <p:val>
+                                            <p:strVal val="#ppt_x"/>
+                                          </p:val>
+                                        </p:tav>
+                                      </p:tavLst>
+                                    </p:anim>
+                                    <p:anim calcmode="lin" valueType="num">
+                                      <p:cBhvr>
+                                        <p:cTn id="36" dur="1000" fill="hold"/>
+                                        <p:tgtEl>
+                                          <p:spTgt spid="3">
+                                            <p:txEl>
+                                              <p:pRg st="6" end="6"/>
+                                            </p:txEl>
+                                          </p:spTgt>
+                                        </p:tgtEl>
+                                        <p:attrNameLst>
+                                          <p:attrName>ppt_y</p:attrName>
+                                        </p:attrNameLst>
+                                      </p:cBhvr>
+                                      <p:tavLst>
+                                        <p:tav tm="0">
+                                          <p:val>
+                                            <p:strVal val="#ppt_y+.1"/>
+                                          </p:val>
+                                        </p:tav>
+                                        <p:tav tm="100000">
+                                          <p:val>
+                                            <p:strVal val="#ppt_y"/>
+                                          </p:val>
+                                        </p:tav>
+                                      </p:tavLst>
+                                    </p:anim>
+                                  </p:childTnLst>
+                                </p:cTn>
+                              </p:par>
+                              <p:par>
+                                <p:cTn id="37" presetID="42" presetClass="entr" presetSubtype="0" fill="hold" nodeType="withEffect">
+                                  <p:stCondLst>
+                                    <p:cond delay="0"/>
+                                  </p:stCondLst>
+                                  <p:childTnLst>
+                                    <p:set>
+                                      <p:cBhvr>
+                                        <p:cTn id="38" dur="1" fill="hold">
+                                          <p:stCondLst>
+                                            <p:cond delay="0"/>
+                                          </p:stCondLst>
+                                        </p:cTn>
+                                        <p:tgtEl>
+                                          <p:spTgt spid="3">
+                                            <p:txEl>
+                                              <p:pRg st="7" end="7"/>
+                                            </p:txEl>
+                                          </p:spTgt>
+                                        </p:tgtEl>
+                                        <p:attrNameLst>
+                                          <p:attrName>style.visibility</p:attrName>
+                                        </p:attrNameLst>
+                                      </p:cBhvr>
+                                      <p:to>
+                                        <p:strVal val="visible"/>
+                                      </p:to>
+                                    </p:set>
+                                    <p:animEffect transition="in" filter="fade">
+                                      <p:cBhvr>
+                                        <p:cTn id="39" dur="1000"/>
+                                        <p:tgtEl>
+                                          <p:spTgt spid="3">
+                                            <p:txEl>
+                                              <p:pRg st="7" end="7"/>
+                                            </p:txEl>
+                                          </p:spTgt>
+                                        </p:tgtEl>
+                                      </p:cBhvr>
+                                    </p:animEffect>
+                                    <p:anim calcmode="lin" valueType="num">
+                                      <p:cBhvr>
+                                        <p:cTn id="40" dur="1000" fill="hold"/>
+                                        <p:tgtEl>
+                                          <p:spTgt spid="3">
+                                            <p:txEl>
+                                              <p:pRg st="7" end="7"/>
+                                            </p:txEl>
+                                          </p:spTgt>
+                                        </p:tgtEl>
+                                        <p:attrNameLst>
+                                          <p:attrName>ppt_x</p:attrName>
+                                        </p:attrNameLst>
+                                      </p:cBhvr>
+                                      <p:tavLst>
+                                        <p:tav tm="0">
+                                          <p:val>
+                                            <p:strVal val="#ppt_x"/>
+                                          </p:val>
+                                        </p:tav>
+                                        <p:tav tm="100000">
+                                          <p:val>
+                                            <p:strVal val="#ppt_x"/>
+                                          </p:val>
+                                        </p:tav>
+                                      </p:tavLst>
+                                    </p:anim>
+                                    <p:anim calcmode="lin" valueType="num">
+                                      <p:cBhvr>
+                                        <p:cTn id="41" dur="1000" fill="hold"/>
+                                        <p:tgtEl>
+                                          <p:spTgt spid="3">
+                                            <p:txEl>
+                                              <p:pRg st="7" end="7"/>
+                                            </p:txEl>
+                                          </p:spTgt>
+                                        </p:tgtEl>
+                                        <p:attrNameLst>
+                                          <p:attrName>ppt_y</p:attrName>
+                                        </p:attrNameLst>
+                                      </p:cBhvr>
+                                      <p:tavLst>
+                                        <p:tav tm="0">
+                                          <p:val>
+                                            <p:strVal val="#ppt_y+.1"/>
+                                          </p:val>
+                                        </p:tav>
+                                        <p:tav tm="100000">
+                                          <p:val>
+                                            <p:strVal val="#ppt_y"/>
+                                          </p:val>
+                                        </p:tav>
+                                      </p:tavLst>
+                                    </p:anim>
+                                  </p:childTnLst>
+                                </p:cTn>
+                              </p:par>
+                              <p:par>
+                                <p:cTn id="42" presetID="42" presetClass="entr" presetSubtype="0" fill="hold" nodeType="withEffect">
+                                  <p:stCondLst>
+                                    <p:cond delay="0"/>
+                                  </p:stCondLst>
+                                  <p:childTnLst>
+                                    <p:set>
+                                      <p:cBhvr>
+                                        <p:cTn id="43" dur="1" fill="hold">
+                                          <p:stCondLst>
+                                            <p:cond delay="0"/>
+                                          </p:stCondLst>
+                                        </p:cTn>
+                                        <p:tgtEl>
+                                          <p:spTgt spid="3">
+                                            <p:txEl>
+                                              <p:pRg st="8" end="8"/>
+                                            </p:txEl>
+                                          </p:spTgt>
+                                        </p:tgtEl>
+                                        <p:attrNameLst>
+                                          <p:attrName>style.visibility</p:attrName>
+                                        </p:attrNameLst>
+                                      </p:cBhvr>
+                                      <p:to>
+                                        <p:strVal val="visible"/>
+                                      </p:to>
+                                    </p:set>
+                                    <p:animEffect transition="in" filter="fade">
+                                      <p:cBhvr>
+                                        <p:cTn id="44" dur="1000"/>
+                                        <p:tgtEl>
+                                          <p:spTgt spid="3">
+                                            <p:txEl>
+                                              <p:pRg st="8" end="8"/>
+                                            </p:txEl>
+                                          </p:spTgt>
+                                        </p:tgtEl>
+                                      </p:cBhvr>
+                                    </p:animEffect>
+                                    <p:anim calcmode="lin" valueType="num">
+                                      <p:cBhvr>
+                                        <p:cTn id="45" dur="1000" fill="hold"/>
+                                        <p:tgtEl>
+                                          <p:spTgt spid="3">
+                                            <p:txEl>
+                                              <p:pRg st="8" end="8"/>
+                                            </p:txEl>
+                                          </p:spTgt>
+                                        </p:tgtEl>
+                                        <p:attrNameLst>
+                                          <p:attrName>ppt_x</p:attrName>
+                                        </p:attrNameLst>
+                                      </p:cBhvr>
+                                      <p:tavLst>
+                                        <p:tav tm="0">
+                                          <p:val>
+                                            <p:strVal val="#ppt_x"/>
+                                          </p:val>
+                                        </p:tav>
+                                        <p:tav tm="100000">
+                                          <p:val>
+                                            <p:strVal val="#ppt_x"/>
+                                          </p:val>
+                                        </p:tav>
+                                      </p:tavLst>
+                                    </p:anim>
+                                    <p:anim calcmode="lin" valueType="num">
+                                      <p:cBhvr>
+                                        <p:cTn id="46" dur="1000" fill="hold"/>
+                                        <p:tgtEl>
+                                          <p:spTgt spid="3">
+                                            <p:txEl>
+                                              <p:pRg st="8" end="8"/>
+                                            </p:txEl>
+                                          </p:spTgt>
+                                        </p:tgtEl>
+                                        <p:attrNameLst>
+                                          <p:attrName>ppt_y</p:attrName>
+                                        </p:attrNameLst>
+                                      </p:cBhvr>
+                                      <p:tavLst>
+                                        <p:tav tm="0">
+                                          <p:val>
+                                            <p:strVal val="#ppt_y+.1"/>
+                                          </p:val>
+                                        </p:tav>
+                                        <p:tav tm="100000">
+                                          <p:val>
+                                            <p:strVal val="#ppt_y"/>
+                                          </p:val>
+                                        </p:tav>
+                                      </p:tavLst>
+                                    </p:anim>
+                                  </p:childTnLst>
+                                </p:cTn>
+                              </p:par>
+                              <p:par>
+                                <p:cTn id="47" presetID="42" presetClass="entr" presetSubtype="0" fill="hold" nodeType="withEffect">
+                                  <p:stCondLst>
+                                    <p:cond delay="0"/>
+                                  </p:stCondLst>
+                                  <p:childTnLst>
+                                    <p:set>
+                                      <p:cBhvr>
+                                        <p:cTn id="48" dur="1" fill="hold">
+                                          <p:stCondLst>
+                                            <p:cond delay="0"/>
+                                          </p:stCondLst>
+                                        </p:cTn>
+                                        <p:tgtEl>
+                                          <p:spTgt spid="3">
+                                            <p:txEl>
+                                              <p:pRg st="9" end="9"/>
+                                            </p:txEl>
+                                          </p:spTgt>
+                                        </p:tgtEl>
+                                        <p:attrNameLst>
+                                          <p:attrName>style.visibility</p:attrName>
+                                        </p:attrNameLst>
+                                      </p:cBhvr>
+                                      <p:to>
+                                        <p:strVal val="visible"/>
+                                      </p:to>
+                                    </p:set>
+                                    <p:animEffect transition="in" filter="fade">
+                                      <p:cBhvr>
+                                        <p:cTn id="49" dur="1000"/>
+                                        <p:tgtEl>
+                                          <p:spTgt spid="3">
+                                            <p:txEl>
+                                              <p:pRg st="9" end="9"/>
+                                            </p:txEl>
+                                          </p:spTgt>
+                                        </p:tgtEl>
+                                      </p:cBhvr>
+                                    </p:animEffect>
+                                    <p:anim calcmode="lin" valueType="num">
+                                      <p:cBhvr>
+                                        <p:cTn id="50" dur="1000" fill="hold"/>
+                                        <p:tgtEl>
+                                          <p:spTgt spid="3">
+                                            <p:txEl>
+                                              <p:pRg st="9" end="9"/>
+                                            </p:txEl>
+                                          </p:spTgt>
+                                        </p:tgtEl>
+                                        <p:attrNameLst>
+                                          <p:attrName>ppt_x</p:attrName>
+                                        </p:attrNameLst>
+                                      </p:cBhvr>
+                                      <p:tavLst>
+                                        <p:tav tm="0">
+                                          <p:val>
+                                            <p:strVal val="#ppt_x"/>
+                                          </p:val>
+                                        </p:tav>
+                                        <p:tav tm="100000">
+                                          <p:val>
+                                            <p:strVal val="#ppt_x"/>
+                                          </p:val>
+                                        </p:tav>
+                                      </p:tavLst>
+                                    </p:anim>
+                                    <p:anim calcmode="lin" valueType="num">
+                                      <p:cBhvr>
+                                        <p:cTn id="51" dur="1000" fill="hold"/>
+                                        <p:tgtEl>
+                                          <p:spTgt spid="3">
+                                            <p:txEl>
+                                              <p:pRg st="9" end="9"/>
+                                            </p:txEl>
+                                          </p:spTgt>
+                                        </p:tgtEl>
+                                        <p:attrNameLst>
+                                          <p:attrName>ppt_y</p:attrName>
+                                        </p:attrNameLst>
+                                      </p:cBhvr>
+                                      <p:tavLst>
+                                        <p:tav tm="0">
+                                          <p:val>
+                                            <p:strVal val="#ppt_y+.1"/>
+                                          </p:val>
+                                        </p:tav>
+                                        <p:tav tm="100000">
+                                          <p:val>
+                                            <p:strVal val="#ppt_y"/>
+                                          </p:val>
+                                        </p:tav>
+                                      </p:tavLst>
+                                    </p:anim>
+                                  </p:childTnLst>
+                                </p:cTn>
+                              </p:par>
+                              <p:par>
+                                <p:cTn id="52" presetID="42" presetClass="entr" presetSubtype="0" fill="hold" nodeType="withEffect">
+                                  <p:stCondLst>
+                                    <p:cond delay="0"/>
+                                  </p:stCondLst>
+                                  <p:childTnLst>
+                                    <p:set>
+                                      <p:cBhvr>
+                                        <p:cTn id="53" dur="1" fill="hold">
+                                          <p:stCondLst>
+                                            <p:cond delay="0"/>
+                                          </p:stCondLst>
+                                        </p:cTn>
+                                        <p:tgtEl>
+                                          <p:spTgt spid="3">
+                                            <p:txEl>
+                                              <p:pRg st="10" end="10"/>
+                                            </p:txEl>
+                                          </p:spTgt>
+                                        </p:tgtEl>
+                                        <p:attrNameLst>
+                                          <p:attrName>style.visibility</p:attrName>
+                                        </p:attrNameLst>
+                                      </p:cBhvr>
+                                      <p:to>
+                                        <p:strVal val="visible"/>
+                                      </p:to>
+                                    </p:set>
+                                    <p:animEffect transition="in" filter="fade">
+                                      <p:cBhvr>
+                                        <p:cTn id="54" dur="1000"/>
+                                        <p:tgtEl>
+                                          <p:spTgt spid="3">
+                                            <p:txEl>
+                                              <p:pRg st="10" end="10"/>
+                                            </p:txEl>
+                                          </p:spTgt>
+                                        </p:tgtEl>
+                                      </p:cBhvr>
+                                    </p:animEffect>
+                                    <p:anim calcmode="lin" valueType="num">
+                                      <p:cBhvr>
+                                        <p:cTn id="55" dur="1000" fill="hold"/>
+                                        <p:tgtEl>
+                                          <p:spTgt spid="3">
+                                            <p:txEl>
+                                              <p:pRg st="10" end="10"/>
+                                            </p:txEl>
+                                          </p:spTgt>
+                                        </p:tgtEl>
+                                        <p:attrNameLst>
+                                          <p:attrName>ppt_x</p:attrName>
+                                        </p:attrNameLst>
+                                      </p:cBhvr>
+                                      <p:tavLst>
+                                        <p:tav tm="0">
+                                          <p:val>
+                                            <p:strVal val="#ppt_x"/>
+                                          </p:val>
+                                        </p:tav>
+                                        <p:tav tm="100000">
+                                          <p:val>
+                                            <p:strVal val="#ppt_x"/>
+                                          </p:val>
+                                        </p:tav>
+                                      </p:tavLst>
+                                    </p:anim>
+                                    <p:anim calcmode="lin" valueType="num">
+                                      <p:cBhvr>
+                                        <p:cTn id="56" dur="1000" fill="hold"/>
+                                        <p:tgtEl>
+                                          <p:spTgt spid="3">
+                                            <p:txEl>
+                                              <p:pRg st="10" end="10"/>
+                                            </p:txEl>
+                                          </p:spTgt>
+                                        </p:tgtEl>
+                                        <p:attrNameLst>
+                                          <p:attrName>ppt_y</p:attrName>
+                                        </p:attrNameLst>
+                                      </p:cBhvr>
+                                      <p:tavLst>
+                                        <p:tav tm="0">
+                                          <p:val>
+                                            <p:strVal val="#ppt_y+.1"/>
+                                          </p:val>
+                                        </p:tav>
+                                        <p:tav tm="100000">
+                                          <p:val>
+                                            <p:strVal val="#ppt_y"/>
+                                          </p:val>
+                                        </p:tav>
+                                      </p:tavLst>
+                                    </p:anim>
+                                  </p:childTnLst>
+                                </p:cTn>
+                              </p:par>
+                              <p:par>
+                                <p:cTn id="57" presetID="42" presetClass="entr" presetSubtype="0" fill="hold" nodeType="withEffect">
+                                  <p:stCondLst>
+                                    <p:cond delay="0"/>
+                                  </p:stCondLst>
+                                  <p:childTnLst>
+                                    <p:set>
+                                      <p:cBhvr>
+                                        <p:cTn id="58" dur="1" fill="hold">
+                                          <p:stCondLst>
+                                            <p:cond delay="0"/>
+                                          </p:stCondLst>
+                                        </p:cTn>
+                                        <p:tgtEl>
+                                          <p:spTgt spid="3">
+                                            <p:txEl>
+                                              <p:pRg st="11" end="11"/>
+                                            </p:txEl>
+                                          </p:spTgt>
+                                        </p:tgtEl>
+                                        <p:attrNameLst>
+                                          <p:attrName>style.visibility</p:attrName>
+                                        </p:attrNameLst>
+                                      </p:cBhvr>
+                                      <p:to>
+                                        <p:strVal val="visible"/>
+                                      </p:to>
+                                    </p:set>
+                                    <p:animEffect transition="in" filter="fade">
+                                      <p:cBhvr>
+                                        <p:cTn id="59" dur="1000"/>
+                                        <p:tgtEl>
+                                          <p:spTgt spid="3">
+                                            <p:txEl>
+                                              <p:pRg st="11" end="11"/>
+                                            </p:txEl>
+                                          </p:spTgt>
+                                        </p:tgtEl>
+                                      </p:cBhvr>
+                                    </p:animEffect>
+                                    <p:anim calcmode="lin" valueType="num">
+                                      <p:cBhvr>
+                                        <p:cTn id="60" dur="1000" fill="hold"/>
+                                        <p:tgtEl>
+                                          <p:spTgt spid="3">
+                                            <p:txEl>
+                                              <p:pRg st="11" end="11"/>
+                                            </p:txEl>
+                                          </p:spTgt>
+                                        </p:tgtEl>
+                                        <p:attrNameLst>
+                                          <p:attrName>ppt_x</p:attrName>
+                                        </p:attrNameLst>
+                                      </p:cBhvr>
+                                      <p:tavLst>
+                                        <p:tav tm="0">
+                                          <p:val>
+                                            <p:strVal val="#ppt_x"/>
+                                          </p:val>
+                                        </p:tav>
+                                        <p:tav tm="100000">
+                                          <p:val>
+                                            <p:strVal val="#ppt_x"/>
+                                          </p:val>
+                                        </p:tav>
+                                      </p:tavLst>
+                                    </p:anim>
+                                    <p:anim calcmode="lin" valueType="num">
+                                      <p:cBhvr>
+                                        <p:cTn id="61" dur="1000" fill="hold"/>
+                                        <p:tgtEl>
+                                          <p:spTgt spid="3">
+                                            <p:txEl>
+                                              <p:pRg st="11" end="11"/>
+                                            </p:txEl>
+                                          </p:spTgt>
+                                        </p:tgtEl>
+                                        <p:attrNameLst>
+                                          <p:attrName>ppt_y</p:attrName>
+                                        </p:attrNameLst>
+                                      </p:cBhvr>
+                                      <p:tavLst>
+                                        <p:tav tm="0">
+                                          <p:val>
+                                            <p:strVal val="#ppt_y+.1"/>
+                                          </p:val>
+                                        </p:tav>
+                                        <p:tav tm="100000">
+                                          <p:val>
+                                            <p:strVal val="#ppt_y"/>
+                                          </p:val>
+                                        </p:tav>
+                                      </p:tavLst>
+                                    </p:anim>
+                                  </p:childTnLst>
+                                </p:cTn>
+                              </p:par>
+                              <p:par>
+                                <p:cTn id="62" presetID="42" presetClass="entr" presetSubtype="0" fill="hold" nodeType="withEffect">
+                                  <p:stCondLst>
+                                    <p:cond delay="0"/>
+                                  </p:stCondLst>
+                                  <p:childTnLst>
+                                    <p:set>
+                                      <p:cBhvr>
+                                        <p:cTn id="63" dur="1" fill="hold">
+                                          <p:stCondLst>
+                                            <p:cond delay="0"/>
+                                          </p:stCondLst>
+                                        </p:cTn>
+                                        <p:tgtEl>
+                                          <p:spTgt spid="3">
+                                            <p:txEl>
+                                              <p:pRg st="12" end="12"/>
+                                            </p:txEl>
+                                          </p:spTgt>
+                                        </p:tgtEl>
+                                        <p:attrNameLst>
+                                          <p:attrName>style.visibility</p:attrName>
+                                        </p:attrNameLst>
+                                      </p:cBhvr>
+                                      <p:to>
+                                        <p:strVal val="visible"/>
+                                      </p:to>
+                                    </p:set>
+                                    <p:animEffect transition="in" filter="fade">
+                                      <p:cBhvr>
+                                        <p:cTn id="64" dur="1000"/>
+                                        <p:tgtEl>
+                                          <p:spTgt spid="3">
+                                            <p:txEl>
+                                              <p:pRg st="12" end="12"/>
+                                            </p:txEl>
+                                          </p:spTgt>
+                                        </p:tgtEl>
+                                      </p:cBhvr>
+                                    </p:animEffect>
+                                    <p:anim calcmode="lin" valueType="num">
+                                      <p:cBhvr>
+                                        <p:cTn id="65" dur="1000" fill="hold"/>
+                                        <p:tgtEl>
+                                          <p:spTgt spid="3">
+                                            <p:txEl>
+                                              <p:pRg st="12" end="12"/>
+                                            </p:txEl>
+                                          </p:spTgt>
+                                        </p:tgtEl>
+                                        <p:attrNameLst>
+                                          <p:attrName>ppt_x</p:attrName>
+                                        </p:attrNameLst>
+                                      </p:cBhvr>
+                                      <p:tavLst>
+                                        <p:tav tm="0">
+                                          <p:val>
+                                            <p:strVal val="#ppt_x"/>
+                                          </p:val>
+                                        </p:tav>
+                                        <p:tav tm="100000">
+                                          <p:val>
+                                            <p:strVal val="#ppt_x"/>
+                                          </p:val>
+                                        </p:tav>
+                                      </p:tavLst>
+                                    </p:anim>
+                                    <p:anim calcmode="lin" valueType="num">
+                                      <p:cBhvr>
+                                        <p:cTn id="66" dur="1000" fill="hold"/>
+                                        <p:tgtEl>
+                                          <p:spTgt spid="3">
+                                            <p:txEl>
+                                              <p:pRg st="12" end="12"/>
+                                            </p:txEl>
+                                          </p:spTgt>
+                                        </p:tgtEl>
+                                        <p:attrNameLst>
+                                          <p:attrName>ppt_y</p:attrName>
+                                        </p:attrNameLst>
+                                      </p:cBhvr>
+                                      <p:tavLst>
+                                        <p:tav tm="0">
+                                          <p:val>
+                                            <p:strVal val="#ppt_y+.1"/>
+                                          </p:val>
+                                        </p:tav>
+                                        <p:tav tm="100000">
+                                          <p:val>
+                                            <p:strVal val="#ppt_y"/>
+                                          </p:val>
+                                        </p:tav>
+                                      </p:tavLst>
+                                    </p:anim>
+                                  </p:childTnLst>
+                                </p:cTn>
+                              </p:par>
+                            </p:childTnLst>
+                          </p:cTn>
+                        </p:par>
+                      </p:childTnLst>
+                    </p:cTn>
+                  </p:par>
+                </p:childTnLst>
+              </p:cTn>
+              <p:prevCondLst>
+                <p:cond evt="onPrev" delay="0">
+                  <p:tgtEl>
+                    <p:sldTgt/>
+                  </p:tgtEl>
+                </p:cond>
+              </p:prevCondLst>
+              <p:nextCondLst>
+                <p:cond evt="onNext" delay="0">
+                  <p:tgtEl>
+                    <p:sldTgt/>
+                  </p:tgtEl>
+                </p:cond>
+              </p:nextCondLst>
+            </p:seq>
+          </p:childTnLst>
+        </p:cTn>
       </p:par>
     </p:tnLst>
   </p:timing>
 </p:sld>
 </file>
 
-<file path=ppt/slides/slide8.xml><?xml version="1.0" encoding="utf-8"?>
+<file path=ppt/slides/slide9.xml><?xml version="1.0" encoding="utf-8"?>
 <p:sld xmlns:a="http://schemas.openxmlformats.org/drawingml/2006/main" xmlns:r="http://schemas.openxmlformats.org/officeDocument/2006/relationships" xmlns:p="http://schemas.openxmlformats.org/presentationml/2006/main">
   <p:cSld>
     <p:spTree>
@@ -8738,9 +13285,47 @@
           </a:fontRef>
         </p:style>
       </p:cxnSp>
+      <p:sp>
+        <p:nvSpPr>
+          <p:cNvPr id="6" name="文本框 5"/>
+          <p:cNvSpPr txBox="1"/>
+          <p:nvPr/>
+        </p:nvSpPr>
+        <p:spPr>
+          <a:xfrm>
+            <a:off x="3400425" y="3933009"/>
+            <a:ext cx="4229100" cy="369332"/>
+          </a:xfrm>
+          <a:prstGeom prst="rect">
+            <a:avLst/>
+          </a:prstGeom>
+          <a:noFill/>
+        </p:spPr>
+        <p:txBody>
+          <a:bodyPr wrap="square" rtlCol="0">
+            <a:spAutoFit/>
+          </a:bodyPr>
+          <a:lstStyle/>
+          <a:p>
+            <a:r>
+              <a:rPr lang="en-US" altLang="zh-CN" dirty="0" err="1" smtClean="0"/>
+              <a:t>Corelan</a:t>
+            </a:r>
+            <a:r>
+              <a:rPr lang="en-US" altLang="zh-CN" dirty="0" smtClean="0"/>
+              <a:t> Team 2010</a:t>
+            </a:r>
+            <a:r>
+              <a:rPr lang="zh-CN" altLang="en-US" dirty="0" smtClean="0"/>
+              <a:t>年给出的总结表</a:t>
+            </a:r>
+            <a:endParaRPr lang="zh-CN" altLang="en-US" dirty="0"/>
+          </a:p>
+        </p:txBody>
+      </p:sp>
       <p:pic>
         <p:nvPicPr>
-          <p:cNvPr id="5" name="图片 4"/>
+          <p:cNvPr id="8" name="图片 7"/>
           <p:cNvPicPr>
             <a:picLocks noChangeAspect="1"/>
           </p:cNvPicPr>
@@ -8757,21 +13342,37 @@
             <a:off x="2409825" y="1583147"/>
             <a:ext cx="6210300" cy="2190750"/>
           </a:xfrm>
-          <a:prstGeom prst="rect">
-            <a:avLst/>
+          <a:prstGeom prst="round2DiagRect">
+            <a:avLst>
+              <a:gd name="adj1" fmla="val 16667"/>
+              <a:gd name="adj2" fmla="val 0"/>
+            </a:avLst>
           </a:prstGeom>
+          <a:ln w="88900" cap="sq">
+            <a:solidFill>
+              <a:srgbClr val="FFFFFF"/>
+            </a:solidFill>
+            <a:miter lim="800000"/>
+          </a:ln>
+          <a:effectLst>
+            <a:outerShdw blurRad="254000" algn="tl" rotWithShape="0">
+              <a:srgbClr val="000000">
+                <a:alpha val="43000"/>
+              </a:srgbClr>
+            </a:outerShdw>
+          </a:effectLst>
         </p:spPr>
       </p:pic>
       <p:sp>
         <p:nvSpPr>
-          <p:cNvPr id="6" name="文本框 5"/>
+          <p:cNvPr id="3" name="文本框 2"/>
           <p:cNvSpPr txBox="1"/>
           <p:nvPr/>
         </p:nvSpPr>
         <p:spPr>
           <a:xfrm>
-            <a:off x="3400425" y="3924300"/>
-            <a:ext cx="4229100" cy="369332"/>
+            <a:off x="2409825" y="4461453"/>
+            <a:ext cx="6316164" cy="2031325"/>
           </a:xfrm>
           <a:prstGeom prst="rect">
             <a:avLst/>
@@ -8785,139 +13386,113 @@
           <a:lstStyle/>
           <a:p>
             <a:r>
-              <a:rPr lang="en-US" altLang="zh-CN" dirty="0" err="1" smtClean="0"/>
-              <a:t>Corelan</a:t>
-            </a:r>
-            <a:r>
-              <a:rPr lang="en-US" altLang="zh-CN" dirty="0" smtClean="0"/>
-              <a:t> Team 2010</a:t>
-            </a:r>
-            <a:r>
-              <a:rPr lang="zh-CN" altLang="en-US" dirty="0" smtClean="0"/>
-              <a:t>年给出的总结表</a:t>
-            </a:r>
-            <a:endParaRPr lang="zh-CN" altLang="en-US" dirty="0"/>
-          </a:p>
-        </p:txBody>
-      </p:sp>
-      <p:sp>
-        <p:nvSpPr>
-          <p:cNvPr id="7" name="文本框 6"/>
-          <p:cNvSpPr txBox="1"/>
-          <p:nvPr/>
-        </p:nvSpPr>
-        <p:spPr>
-          <a:xfrm>
-            <a:off x="981259" y="4676775"/>
-            <a:ext cx="8734425" cy="1477328"/>
-          </a:xfrm>
-          <a:prstGeom prst="rect">
-            <a:avLst/>
-          </a:prstGeom>
-          <a:noFill/>
-        </p:spPr>
-        <p:txBody>
-          <a:bodyPr wrap="square" rtlCol="0">
-            <a:spAutoFit/>
-          </a:bodyPr>
-          <a:lstStyle/>
-          <a:p>
-            <a:r>
-              <a:rPr lang="zh-CN" altLang="en-US" dirty="0" smtClean="0"/>
-              <a:t>当代</a:t>
-            </a:r>
-            <a:r>
-              <a:rPr lang="en-US" altLang="zh-CN" dirty="0" smtClean="0"/>
-              <a:t>Windows</a:t>
-            </a:r>
-            <a:r>
-              <a:rPr lang="zh-CN" altLang="en-US" dirty="0" smtClean="0"/>
-              <a:t>下的</a:t>
-            </a:r>
-            <a:r>
-              <a:rPr lang="en-US" altLang="zh-CN" dirty="0" smtClean="0"/>
-              <a:t>DEP</a:t>
-            </a:r>
-            <a:r>
-              <a:rPr lang="zh-CN" altLang="en-US" dirty="0" smtClean="0"/>
-              <a:t>：</a:t>
-            </a:r>
-            <a:endParaRPr lang="en-US" altLang="zh-CN" dirty="0" smtClean="0"/>
-          </a:p>
-          <a:p>
-            <a:r>
-              <a:rPr lang="en-US" altLang="zh-CN" dirty="0"/>
-              <a:t> </a:t>
-            </a:r>
-            <a:r>
-              <a:rPr lang="en-US" altLang="zh-CN" dirty="0" smtClean="0"/>
-              <a:t>       Win 8.1/ Win 10</a:t>
-            </a:r>
-            <a:r>
-              <a:rPr lang="zh-CN" altLang="en-US" dirty="0" smtClean="0"/>
-              <a:t>与</a:t>
-            </a:r>
-            <a:r>
-              <a:rPr lang="en-US" altLang="zh-CN" dirty="0" smtClean="0"/>
-              <a:t>Win 7</a:t>
-            </a:r>
-            <a:r>
-              <a:rPr lang="zh-CN" altLang="en-US" dirty="0" smtClean="0"/>
-              <a:t>的可用性一致。实际上在</a:t>
-            </a:r>
-            <a:r>
-              <a:rPr lang="en-US" altLang="zh-CN" dirty="0" smtClean="0"/>
-              <a:t>Win 7 / Win server 2008</a:t>
-            </a:r>
-            <a:r>
-              <a:rPr lang="zh-CN" altLang="en-US" dirty="0"/>
-              <a:t>泛</a:t>
-            </a:r>
-            <a:r>
-              <a:rPr lang="zh-CN" altLang="en-US" dirty="0" smtClean="0"/>
-              <a:t>用性逐渐上升的这</a:t>
-            </a:r>
-            <a:r>
-              <a:rPr lang="zh-CN" altLang="en-US" dirty="0"/>
-              <a:t>一</a:t>
-            </a:r>
-            <a:r>
-              <a:rPr lang="zh-CN" altLang="en-US" dirty="0" smtClean="0"/>
-              <a:t>时段，</a:t>
-            </a:r>
-            <a:r>
-              <a:rPr lang="en-US" altLang="zh-CN" dirty="0" smtClean="0"/>
-              <a:t>Hardware DEP</a:t>
-            </a:r>
-            <a:r>
-              <a:rPr lang="zh-CN" altLang="en-US" dirty="0" smtClean="0"/>
-              <a:t>的部署与策略已经非常成熟了，所以后来的发展中也就没有什么变数，一直到我们最新的</a:t>
-            </a:r>
-            <a:r>
-              <a:rPr lang="en-US" altLang="zh-CN" dirty="0" smtClean="0"/>
-              <a:t>Win 10</a:t>
-            </a:r>
-            <a:r>
-              <a:rPr lang="zh-CN" altLang="en-US" dirty="0" smtClean="0"/>
-              <a:t>。当然，</a:t>
-            </a:r>
-            <a:r>
-              <a:rPr lang="en-US" altLang="zh-CN" dirty="0" smtClean="0"/>
-              <a:t>Win 8</a:t>
-            </a:r>
-            <a:r>
-              <a:rPr lang="zh-CN" altLang="en-US" dirty="0" smtClean="0"/>
-              <a:t>以后相继出现了更多的</a:t>
-            </a:r>
-            <a:r>
-              <a:rPr lang="en-US" altLang="zh-CN" dirty="0" smtClean="0"/>
-              <a:t>mitigation</a:t>
-            </a:r>
-            <a:r>
-              <a:rPr lang="zh-CN" altLang="en-US" dirty="0" smtClean="0"/>
-              <a:t>。</a:t>
-            </a:r>
-            <a:endParaRPr lang="en-US" altLang="zh-CN" dirty="0" smtClean="0"/>
+              <a:rPr lang="zh-CN" altLang="en-US" smtClean="0"/>
+              <a:t>案例演示：</a:t>
+            </a:r>
+            <a:r>
+              <a:rPr lang="en-US" altLang="zh-CN" smtClean="0"/>
+              <a:t>stack_overflow.exe</a:t>
+            </a:r>
+          </a:p>
+          <a:p>
+            <a:r>
+              <a:rPr lang="en-US" altLang="zh-CN" smtClean="0"/>
+              <a:t>1. Win 7</a:t>
+            </a:r>
+            <a:r>
+              <a:rPr lang="zh-CN" altLang="en-US" smtClean="0"/>
+              <a:t>下</a:t>
+            </a:r>
+            <a:r>
+              <a:rPr lang="en-US" altLang="zh-CN" smtClean="0"/>
+              <a:t>VirtualProtect</a:t>
+            </a:r>
+          </a:p>
+          <a:p>
+            <a:r>
+              <a:rPr lang="en-US" altLang="zh-CN" smtClean="0"/>
+              <a:t>2. Win 7</a:t>
+            </a:r>
+            <a:r>
+              <a:rPr lang="zh-CN" altLang="en-US" smtClean="0"/>
+              <a:t>下</a:t>
+            </a:r>
+            <a:r>
+              <a:rPr lang="en-US" altLang="zh-CN" smtClean="0"/>
+              <a:t>VirtualAlloc</a:t>
+            </a:r>
+          </a:p>
+          <a:p>
+            <a:endParaRPr lang="en-US" altLang="zh-CN"/>
+          </a:p>
+          <a:p>
+            <a:r>
+              <a:rPr lang="zh-CN" altLang="en-US" smtClean="0">
+                <a:solidFill>
+                  <a:srgbClr val="00B0F0"/>
+                </a:solidFill>
+              </a:rPr>
+              <a:t>课后探索：</a:t>
+            </a:r>
+            <a:endParaRPr lang="en-US" altLang="zh-CN" smtClean="0">
+              <a:solidFill>
+                <a:srgbClr val="00B0F0"/>
+              </a:solidFill>
+            </a:endParaRPr>
+          </a:p>
+          <a:p>
+            <a:r>
+              <a:rPr lang="en-US" altLang="zh-CN" smtClean="0">
+                <a:solidFill>
+                  <a:srgbClr val="00B0F0"/>
+                </a:solidFill>
+              </a:rPr>
+              <a:t>1. Win8.1/10</a:t>
+            </a:r>
+            <a:r>
+              <a:rPr lang="zh-CN" altLang="en-US" smtClean="0">
+                <a:solidFill>
+                  <a:srgbClr val="00B0F0"/>
+                </a:solidFill>
+              </a:rPr>
+              <a:t>以后的表现如何？是否有其他干扰源？</a:t>
+            </a:r>
+            <a:endParaRPr lang="en-US" altLang="zh-CN" smtClean="0">
+              <a:solidFill>
+                <a:srgbClr val="00B0F0"/>
+              </a:solidFill>
+            </a:endParaRPr>
+          </a:p>
+          <a:p>
+            <a:r>
+              <a:rPr lang="en-US" altLang="zh-CN" smtClean="0">
+                <a:solidFill>
+                  <a:srgbClr val="00B0F0"/>
+                </a:solidFill>
+              </a:rPr>
+              <a:t>2. </a:t>
+            </a:r>
+            <a:r>
+              <a:rPr lang="zh-CN" altLang="en-US" smtClean="0">
+                <a:solidFill>
+                  <a:srgbClr val="00B0F0"/>
+                </a:solidFill>
+              </a:rPr>
+              <a:t>自己构造</a:t>
+            </a:r>
+            <a:r>
+              <a:rPr lang="en-US" altLang="zh-CN" smtClean="0">
+                <a:solidFill>
+                  <a:srgbClr val="00B0F0"/>
+                </a:solidFill>
+              </a:rPr>
+              <a:t>HeapCreate+HeapAlloc+WriteProcessMemory</a:t>
+            </a:r>
+            <a:endParaRPr lang="zh-CN" altLang="en-US">
+              <a:solidFill>
+                <a:srgbClr val="00B0F0"/>
+              </a:solidFill>
+            </a:endParaRPr>
           </a:p>
         </p:txBody>
       </p:sp>
@@ -8934,9 +13509,333 @@
   <p:timing>
     <p:tnLst>
       <p:par>
-        <p:cTn id="1" dur="indefinite" restart="never" nodeType="tmRoot"/>
+        <p:cTn id="1" dur="indefinite" restart="never" nodeType="tmRoot">
+          <p:childTnLst>
+            <p:seq concurrent="1" nextAc="seek">
+              <p:cTn id="2" dur="indefinite" nodeType="mainSeq">
+                <p:childTnLst>
+                  <p:par>
+                    <p:cTn id="3" fill="hold">
+                      <p:stCondLst>
+                        <p:cond delay="indefinite"/>
+                      </p:stCondLst>
+                      <p:childTnLst>
+                        <p:par>
+                          <p:cTn id="4" fill="hold">
+                            <p:stCondLst>
+                              <p:cond delay="0"/>
+                            </p:stCondLst>
+                            <p:childTnLst>
+                              <p:par>
+                                <p:cTn id="5" presetID="42" presetClass="entr" presetSubtype="0" fill="hold" nodeType="clickEffect">
+                                  <p:stCondLst>
+                                    <p:cond delay="0"/>
+                                  </p:stCondLst>
+                                  <p:childTnLst>
+                                    <p:set>
+                                      <p:cBhvr>
+                                        <p:cTn id="6" dur="1" fill="hold">
+                                          <p:stCondLst>
+                                            <p:cond delay="0"/>
+                                          </p:stCondLst>
+                                        </p:cTn>
+                                        <p:tgtEl>
+                                          <p:spTgt spid="8"/>
+                                        </p:tgtEl>
+                                        <p:attrNameLst>
+                                          <p:attrName>style.visibility</p:attrName>
+                                        </p:attrNameLst>
+                                      </p:cBhvr>
+                                      <p:to>
+                                        <p:strVal val="visible"/>
+                                      </p:to>
+                                    </p:set>
+                                    <p:animEffect transition="in" filter="fade">
+                                      <p:cBhvr>
+                                        <p:cTn id="7" dur="1000"/>
+                                        <p:tgtEl>
+                                          <p:spTgt spid="8"/>
+                                        </p:tgtEl>
+                                      </p:cBhvr>
+                                    </p:animEffect>
+                                    <p:anim calcmode="lin" valueType="num">
+                                      <p:cBhvr>
+                                        <p:cTn id="8" dur="1000" fill="hold"/>
+                                        <p:tgtEl>
+                                          <p:spTgt spid="8"/>
+                                        </p:tgtEl>
+                                        <p:attrNameLst>
+                                          <p:attrName>ppt_x</p:attrName>
+                                        </p:attrNameLst>
+                                      </p:cBhvr>
+                                      <p:tavLst>
+                                        <p:tav tm="0">
+                                          <p:val>
+                                            <p:strVal val="#ppt_x"/>
+                                          </p:val>
+                                        </p:tav>
+                                        <p:tav tm="100000">
+                                          <p:val>
+                                            <p:strVal val="#ppt_x"/>
+                                          </p:val>
+                                        </p:tav>
+                                      </p:tavLst>
+                                    </p:anim>
+                                    <p:anim calcmode="lin" valueType="num">
+                                      <p:cBhvr>
+                                        <p:cTn id="9" dur="1000" fill="hold"/>
+                                        <p:tgtEl>
+                                          <p:spTgt spid="8"/>
+                                        </p:tgtEl>
+                                        <p:attrNameLst>
+                                          <p:attrName>ppt_y</p:attrName>
+                                        </p:attrNameLst>
+                                      </p:cBhvr>
+                                      <p:tavLst>
+                                        <p:tav tm="0">
+                                          <p:val>
+                                            <p:strVal val="#ppt_y+.1"/>
+                                          </p:val>
+                                        </p:tav>
+                                        <p:tav tm="100000">
+                                          <p:val>
+                                            <p:strVal val="#ppt_y"/>
+                                          </p:val>
+                                        </p:tav>
+                                      </p:tavLst>
+                                    </p:anim>
+                                  </p:childTnLst>
+                                </p:cTn>
+                              </p:par>
+                            </p:childTnLst>
+                          </p:cTn>
+                        </p:par>
+                      </p:childTnLst>
+                    </p:cTn>
+                  </p:par>
+                  <p:par>
+                    <p:cTn id="10" fill="hold">
+                      <p:stCondLst>
+                        <p:cond delay="indefinite"/>
+                      </p:stCondLst>
+                      <p:childTnLst>
+                        <p:par>
+                          <p:cTn id="11" fill="hold">
+                            <p:stCondLst>
+                              <p:cond delay="0"/>
+                            </p:stCondLst>
+                            <p:childTnLst>
+                              <p:par>
+                                <p:cTn id="12" presetID="42" presetClass="entr" presetSubtype="0" fill="hold" grpId="0" nodeType="clickEffect">
+                                  <p:stCondLst>
+                                    <p:cond delay="0"/>
+                                  </p:stCondLst>
+                                  <p:childTnLst>
+                                    <p:set>
+                                      <p:cBhvr>
+                                        <p:cTn id="13" dur="1" fill="hold">
+                                          <p:stCondLst>
+                                            <p:cond delay="0"/>
+                                          </p:stCondLst>
+                                        </p:cTn>
+                                        <p:tgtEl>
+                                          <p:spTgt spid="6"/>
+                                        </p:tgtEl>
+                                        <p:attrNameLst>
+                                          <p:attrName>style.visibility</p:attrName>
+                                        </p:attrNameLst>
+                                      </p:cBhvr>
+                                      <p:to>
+                                        <p:strVal val="visible"/>
+                                      </p:to>
+                                    </p:set>
+                                    <p:animEffect transition="in" filter="fade">
+                                      <p:cBhvr>
+                                        <p:cTn id="14" dur="1000"/>
+                                        <p:tgtEl>
+                                          <p:spTgt spid="6"/>
+                                        </p:tgtEl>
+                                      </p:cBhvr>
+                                    </p:animEffect>
+                                    <p:anim calcmode="lin" valueType="num">
+                                      <p:cBhvr>
+                                        <p:cTn id="15" dur="1000" fill="hold"/>
+                                        <p:tgtEl>
+                                          <p:spTgt spid="6"/>
+                                        </p:tgtEl>
+                                        <p:attrNameLst>
+                                          <p:attrName>ppt_x</p:attrName>
+                                        </p:attrNameLst>
+                                      </p:cBhvr>
+                                      <p:tavLst>
+                                        <p:tav tm="0">
+                                          <p:val>
+                                            <p:strVal val="#ppt_x"/>
+                                          </p:val>
+                                        </p:tav>
+                                        <p:tav tm="100000">
+                                          <p:val>
+                                            <p:strVal val="#ppt_x"/>
+                                          </p:val>
+                                        </p:tav>
+                                      </p:tavLst>
+                                    </p:anim>
+                                    <p:anim calcmode="lin" valueType="num">
+                                      <p:cBhvr>
+                                        <p:cTn id="16" dur="1000" fill="hold"/>
+                                        <p:tgtEl>
+                                          <p:spTgt spid="6"/>
+                                        </p:tgtEl>
+                                        <p:attrNameLst>
+                                          <p:attrName>ppt_y</p:attrName>
+                                        </p:attrNameLst>
+                                      </p:cBhvr>
+                                      <p:tavLst>
+                                        <p:tav tm="0">
+                                          <p:val>
+                                            <p:strVal val="#ppt_y+.1"/>
+                                          </p:val>
+                                        </p:tav>
+                                        <p:tav tm="100000">
+                                          <p:val>
+                                            <p:strVal val="#ppt_y"/>
+                                          </p:val>
+                                        </p:tav>
+                                      </p:tavLst>
+                                    </p:anim>
+                                  </p:childTnLst>
+                                </p:cTn>
+                              </p:par>
+                            </p:childTnLst>
+                          </p:cTn>
+                        </p:par>
+                      </p:childTnLst>
+                    </p:cTn>
+                  </p:par>
+                  <p:par>
+                    <p:cTn id="17" fill="hold">
+                      <p:stCondLst>
+                        <p:cond delay="indefinite"/>
+                      </p:stCondLst>
+                      <p:childTnLst>
+                        <p:par>
+                          <p:cTn id="18" fill="hold">
+                            <p:stCondLst>
+                              <p:cond delay="0"/>
+                            </p:stCondLst>
+                            <p:childTnLst>
+                              <p:par>
+                                <p:cTn id="19" presetID="42" presetClass="entr" presetSubtype="0" fill="hold" grpId="0" nodeType="clickEffect">
+                                  <p:stCondLst>
+                                    <p:cond delay="0"/>
+                                  </p:stCondLst>
+                                  <p:childTnLst>
+                                    <p:set>
+                                      <p:cBhvr>
+                                        <p:cTn id="20" dur="1" fill="hold">
+                                          <p:stCondLst>
+                                            <p:cond delay="0"/>
+                                          </p:stCondLst>
+                                        </p:cTn>
+                                        <p:tgtEl>
+                                          <p:spTgt spid="3"/>
+                                        </p:tgtEl>
+                                        <p:attrNameLst>
+                                          <p:attrName>style.visibility</p:attrName>
+                                        </p:attrNameLst>
+                                      </p:cBhvr>
+                                      <p:to>
+                                        <p:strVal val="visible"/>
+                                      </p:to>
+                                    </p:set>
+                                    <p:animEffect transition="in" filter="fade">
+                                      <p:cBhvr>
+                                        <p:cTn id="21" dur="1000"/>
+                                        <p:tgtEl>
+                                          <p:spTgt spid="3"/>
+                                        </p:tgtEl>
+                                      </p:cBhvr>
+                                    </p:animEffect>
+                                    <p:anim calcmode="lin" valueType="num">
+                                      <p:cBhvr>
+                                        <p:cTn id="22" dur="1000" fill="hold"/>
+                                        <p:tgtEl>
+                                          <p:spTgt spid="3"/>
+                                        </p:tgtEl>
+                                        <p:attrNameLst>
+                                          <p:attrName>ppt_x</p:attrName>
+                                        </p:attrNameLst>
+                                      </p:cBhvr>
+                                      <p:tavLst>
+                                        <p:tav tm="0">
+                                          <p:val>
+                                            <p:strVal val="#ppt_x"/>
+                                          </p:val>
+                                        </p:tav>
+                                        <p:tav tm="100000">
+                                          <p:val>
+                                            <p:strVal val="#ppt_x"/>
+                                          </p:val>
+                                        </p:tav>
+                                      </p:tavLst>
+                                    </p:anim>
+                                    <p:anim calcmode="lin" valueType="num">
+                                      <p:cBhvr>
+                                        <p:cTn id="23" dur="1000" fill="hold"/>
+                                        <p:tgtEl>
+                                          <p:spTgt spid="3"/>
+                                        </p:tgtEl>
+                                        <p:attrNameLst>
+                                          <p:attrName>ppt_y</p:attrName>
+                                        </p:attrNameLst>
+                                      </p:cBhvr>
+                                      <p:tavLst>
+                                        <p:tav tm="0">
+                                          <p:val>
+                                            <p:strVal val="#ppt_y+.1"/>
+                                          </p:val>
+                                        </p:tav>
+                                        <p:tav tm="100000">
+                                          <p:val>
+                                            <p:strVal val="#ppt_y"/>
+                                          </p:val>
+                                        </p:tav>
+                                      </p:tavLst>
+                                    </p:anim>
+                                  </p:childTnLst>
+                                </p:cTn>
+                              </p:par>
+                            </p:childTnLst>
+                          </p:cTn>
+                        </p:par>
+                      </p:childTnLst>
+                    </p:cTn>
+                  </p:par>
+                </p:childTnLst>
+              </p:cTn>
+              <p:prevCondLst>
+                <p:cond evt="onPrev" delay="0">
+                  <p:tgtEl>
+                    <p:sldTgt/>
+                  </p:tgtEl>
+                </p:cond>
+              </p:prevCondLst>
+              <p:nextCondLst>
+                <p:cond evt="onNext" delay="0">
+                  <p:tgtEl>
+                    <p:sldTgt/>
+                  </p:tgtEl>
+                </p:cond>
+              </p:nextCondLst>
+            </p:seq>
+          </p:childTnLst>
+        </p:cTn>
       </p:par>
     </p:tnLst>
+    <p:bldLst>
+      <p:bldP spid="6" grpId="0"/>
+      <p:bldP spid="3" grpId="0"/>
+    </p:bldLst>
   </p:timing>
 </p:sld>
 </file>
